--- a/documentation/FinalHandin/TechStack.pptx
+++ b/documentation/FinalHandin/TechStack.pptx
@@ -7501,7 +7501,7 @@
           <a:p>
             <a:r>
               <a:rPr lang="en-US" dirty="0" err="1"/>
-              <a:t>ESLint</a:t>
+              <a:t>TSLint</a:t>
             </a:r>
             <a:endParaRPr lang="en-US" dirty="0"/>
           </a:p>
@@ -7947,10 +7947,10 @@
       </p:pic>
       <p:pic>
         <p:nvPicPr>
-          <p:cNvPr id="1052" name="Grafik 1051" descr="Ein Bild, das ClipArt enthält.&#10;&#10;Automatisch generierte Beschreibung">
+          <p:cNvPr id="3" name="Grafik 2">
             <a:extLst>
               <a:ext uri="{FF2B5EF4-FFF2-40B4-BE49-F238E27FC236}">
-                <a16:creationId xmlns:a16="http://schemas.microsoft.com/office/drawing/2014/main" id="{929B5D50-FF30-4B89-9C68-CA3EA0001810}"/>
+                <a16:creationId xmlns:a16="http://schemas.microsoft.com/office/drawing/2014/main" id="{39FA0771-10CE-4445-B6B7-210BEC85CA44}"/>
               </a:ext>
             </a:extLst>
           </p:cNvPr>
@@ -7966,32 +7966,112 @@
                 <a14:imgProps xmlns:a14="http://schemas.microsoft.com/office/drawing/2010/main">
                   <a14:imgLayer r:embed="rId17">
                     <a14:imgEffect>
-                      <a14:backgroundRemoval t="9639" b="93494" l="8650" r="90295">
-                        <a14:foregroundMark x1="28059" y1="9639" x2="57384" y2="11325"/>
-                        <a14:foregroundMark x1="57384" y1="11325" x2="69409" y2="10120"/>
-                        <a14:foregroundMark x1="90717" y1="51084" x2="63080" y2="73012"/>
-                        <a14:foregroundMark x1="63080" y1="73012" x2="51477" y2="77349"/>
-                        <a14:foregroundMark x1="51477" y1="77349" x2="38608" y2="71084"/>
-                        <a14:foregroundMark x1="38608" y1="71084" x2="34599" y2="58313"/>
-                        <a14:foregroundMark x1="34599" y1="58313" x2="37553" y2="36386"/>
-                        <a14:foregroundMark x1="37553" y1="36386" x2="56962" y2="39036"/>
-                        <a14:foregroundMark x1="56962" y1="39036" x2="70675" y2="48193"/>
-                        <a14:foregroundMark x1="70675" y1="65542" x2="68776" y2="28916"/>
-                        <a14:foregroundMark x1="68776" y1="28916" x2="43882" y2="21446"/>
-                        <a14:foregroundMark x1="43882" y1="21446" x2="26160" y2="45301"/>
-                        <a14:foregroundMark x1="26160" y1="45301" x2="22363" y2="60241"/>
-                        <a14:foregroundMark x1="22363" y1="60241" x2="28692" y2="71807"/>
-                        <a14:foregroundMark x1="28692" y1="71807" x2="40506" y2="70361"/>
-                        <a14:foregroundMark x1="40506" y1="70361" x2="48523" y2="71807"/>
-                        <a14:foregroundMark x1="44304" y1="69398" x2="66667" y2="50843"/>
-                        <a14:foregroundMark x1="66667" y1="50843" x2="45359" y2="49157"/>
-                        <a14:foregroundMark x1="45359" y1="49157" x2="32700" y2="53735"/>
-                        <a14:foregroundMark x1="32700" y1="53735" x2="44304" y2="48916"/>
-                        <a14:foregroundMark x1="44304" y1="48916" x2="44304" y2="48916"/>
-                        <a14:foregroundMark x1="29958" y1="66747" x2="27637" y2="44337"/>
-                        <a14:foregroundMark x1="74473" y1="56145" x2="73418" y2="35422"/>
-                        <a14:foregroundMark x1="69831" y1="92289" x2="31224" y2="93494"/>
-                        <a14:foregroundMark x1="9072" y1="52771" x2="8650" y2="49398"/>
+                      <a14:backgroundRemoval t="2250" b="98125" l="2500" r="95750">
+                        <a14:foregroundMark x1="3500" y1="42750" x2="10500" y2="24000"/>
+                        <a14:foregroundMark x1="10500" y1="24000" x2="18500" y2="13375"/>
+                        <a14:foregroundMark x1="18500" y1="13375" x2="53875" y2="7375"/>
+                        <a14:foregroundMark x1="53875" y1="7375" x2="81125" y2="30625"/>
+                        <a14:foregroundMark x1="81125" y1="30625" x2="89500" y2="44625"/>
+                        <a14:foregroundMark x1="89500" y1="44625" x2="86625" y2="75375"/>
+                        <a14:foregroundMark x1="86625" y1="75375" x2="77500" y2="85250"/>
+                        <a14:foregroundMark x1="77500" y1="85250" x2="37000" y2="90875"/>
+                        <a14:foregroundMark x1="37000" y1="90875" x2="20625" y2="86000"/>
+                        <a14:foregroundMark x1="20625" y1="86000" x2="6625" y2="65625"/>
+                        <a14:foregroundMark x1="6625" y1="65625" x2="4500" y2="44375"/>
+                        <a14:foregroundMark x1="25625" y1="48750" x2="84000" y2="31875"/>
+                        <a14:foregroundMark x1="84000" y1="31875" x2="45625" y2="62125"/>
+                        <a14:foregroundMark x1="45625" y1="62125" x2="65000" y2="53125"/>
+                        <a14:foregroundMark x1="65000" y1="53125" x2="42750" y2="70500"/>
+                        <a14:foregroundMark x1="42750" y1="70500" x2="25000" y2="77875"/>
+                        <a14:foregroundMark x1="61125" y1="92125" x2="46250" y2="89875"/>
+                        <a14:foregroundMark x1="46250" y1="89875" x2="30250" y2="79250"/>
+                        <a14:foregroundMark x1="30250" y1="79250" x2="23250" y2="67375"/>
+                        <a14:foregroundMark x1="23250" y1="67375" x2="35625" y2="33375"/>
+                        <a14:foregroundMark x1="35625" y1="33375" x2="39625" y2="27875"/>
+                        <a14:foregroundMark x1="31625" y1="83875" x2="58500" y2="84125"/>
+                        <a14:foregroundMark x1="58500" y1="84125" x2="69125" y2="83500"/>
+                        <a14:foregroundMark x1="27000" y1="69875" x2="84125" y2="79125"/>
+                        <a14:foregroundMark x1="84125" y1="79125" x2="87625" y2="78250"/>
+                        <a14:foregroundMark x1="19375" y1="87125" x2="29750" y2="92625"/>
+                        <a14:foregroundMark x1="29750" y1="92625" x2="59625" y2="95125"/>
+                        <a14:foregroundMark x1="59625" y1="95125" x2="71125" y2="94250"/>
+                        <a14:foregroundMark x1="71125" y1="94250" x2="80875" y2="87375"/>
+                        <a14:foregroundMark x1="80875" y1="87375" x2="92750" y2="65000"/>
+                        <a14:foregroundMark x1="92750" y1="65000" x2="95125" y2="40625"/>
+                        <a14:foregroundMark x1="95125" y1="40625" x2="83750" y2="17125"/>
+                        <a14:foregroundMark x1="83750" y1="17125" x2="57000" y2="5125"/>
+                        <a14:foregroundMark x1="57000" y1="5125" x2="21250" y2="10250"/>
+                        <a14:foregroundMark x1="21250" y1="10250" x2="19375" y2="12250"/>
+                        <a14:foregroundMark x1="37875" y1="3625" x2="56500" y2="2250"/>
+                        <a14:foregroundMark x1="56500" y1="2250" x2="62750" y2="4625"/>
+                        <a14:foregroundMark x1="90625" y1="25875" x2="97750" y2="38625"/>
+                        <a14:foregroundMark x1="97750" y1="38625" x2="99250" y2="50375"/>
+                        <a14:foregroundMark x1="99250" y1="50375" x2="92875" y2="72750"/>
+                        <a14:foregroundMark x1="92875" y1="72750" x2="90875" y2="75250"/>
+                        <a14:foregroundMark x1="58750" y1="81250" x2="92125" y2="53125"/>
+                        <a14:foregroundMark x1="92125" y1="53125" x2="41875" y2="70750"/>
+                        <a14:foregroundMark x1="41875" y1="70750" x2="56875" y2="63625"/>
+                        <a14:foregroundMark x1="56875" y1="63625" x2="43750" y2="66375"/>
+                        <a14:foregroundMark x1="43750" y1="66375" x2="51000" y2="56625"/>
+                        <a14:foregroundMark x1="51000" y1="56625" x2="68000" y2="43875"/>
+                        <a14:foregroundMark x1="68000" y1="43875" x2="42625" y2="51500"/>
+                        <a14:foregroundMark x1="42625" y1="51500" x2="55625" y2="39375"/>
+                        <a14:foregroundMark x1="55625" y1="39375" x2="36500" y2="49250"/>
+                        <a14:foregroundMark x1="36500" y1="49250" x2="53250" y2="22000"/>
+                        <a14:foregroundMark x1="53250" y1="22000" x2="37250" y2="35000"/>
+                        <a14:foregroundMark x1="37250" y1="35000" x2="46375" y2="22875"/>
+                        <a14:foregroundMark x1="46375" y1="22875" x2="29000" y2="38500"/>
+                        <a14:foregroundMark x1="29000" y1="38500" x2="34625" y2="27625"/>
+                        <a14:foregroundMark x1="34625" y1="27625" x2="26625" y2="19000"/>
+                        <a14:foregroundMark x1="26625" y1="19000" x2="39125" y2="12875"/>
+                        <a14:foregroundMark x1="39125" y1="12875" x2="50875" y2="16625"/>
+                        <a14:foregroundMark x1="50875" y1="16625" x2="58375" y2="27875"/>
+                        <a14:foregroundMark x1="58375" y1="27875" x2="57000" y2="43875"/>
+                        <a14:foregroundMark x1="57000" y1="43875" x2="40000" y2="51250"/>
+                        <a14:foregroundMark x1="40000" y1="51250" x2="44125" y2="40125"/>
+                        <a14:foregroundMark x1="44125" y1="40125" x2="36750" y2="48750"/>
+                        <a14:foregroundMark x1="36750" y1="48750" x2="14375" y2="54500"/>
+                        <a14:foregroundMark x1="14375" y1="54500" x2="17750" y2="40875"/>
+                        <a14:foregroundMark x1="17750" y1="40875" x2="18500" y2="54750"/>
+                        <a14:foregroundMark x1="18500" y1="54750" x2="24375" y2="43250"/>
+                        <a14:foregroundMark x1="24375" y1="43250" x2="20000" y2="65625"/>
+                        <a14:foregroundMark x1="20000" y1="65625" x2="46250" y2="51750"/>
+                        <a14:foregroundMark x1="46250" y1="51750" x2="23750" y2="85125"/>
+                        <a14:foregroundMark x1="23750" y1="85125" x2="66250" y2="62750"/>
+                        <a14:foregroundMark x1="66250" y1="62750" x2="56250" y2="88750"/>
+                        <a14:foregroundMark x1="56250" y1="88750" x2="71250" y2="69125"/>
+                        <a14:foregroundMark x1="71250" y1="69125" x2="70500" y2="57125"/>
+                        <a14:foregroundMark x1="70500" y1="57125" x2="77125" y2="46000"/>
+                        <a14:foregroundMark x1="77125" y1="46000" x2="67750" y2="53375"/>
+                        <a14:foregroundMark x1="67750" y1="53375" x2="79750" y2="41500"/>
+                        <a14:foregroundMark x1="79750" y1="41500" x2="77375" y2="55875"/>
+                        <a14:foregroundMark x1="77375" y1="55875" x2="73875" y2="40500"/>
+                        <a14:foregroundMark x1="73875" y1="40500" x2="62125" y2="41750"/>
+                        <a14:foregroundMark x1="62125" y1="41750" x2="53875" y2="23875"/>
+                        <a14:foregroundMark x1="18375" y1="31875" x2="23125" y2="17000"/>
+                        <a14:foregroundMark x1="23125" y1="17000" x2="42625" y2="29000"/>
+                        <a14:foregroundMark x1="42625" y1="29000" x2="59750" y2="26375"/>
+                        <a14:foregroundMark x1="59750" y1="26375" x2="70375" y2="33000"/>
+                        <a14:foregroundMark x1="70375" y1="33000" x2="70375" y2="33125"/>
+                        <a14:foregroundMark x1="62125" y1="50375" x2="71000" y2="43250"/>
+                        <a14:foregroundMark x1="71000" y1="43250" x2="71000" y2="43125"/>
+                        <a14:foregroundMark x1="58500" y1="24500" x2="72500" y2="23250"/>
+                        <a14:foregroundMark x1="72500" y1="23250" x2="73375" y2="23500"/>
+                        <a14:foregroundMark x1="36000" y1="33500" x2="36875" y2="42750"/>
+                        <a14:foregroundMark x1="32250" y1="74250" x2="32250" y2="61000"/>
+                        <a14:foregroundMark x1="29375" y1="24250" x2="26375" y2="21250"/>
+                        <a14:foregroundMark x1="2500" y1="59375" x2="3500" y2="41125"/>
+                        <a14:foregroundMark x1="95875" y1="63625" x2="95750" y2="38000"/>
+                        <a14:foregroundMark x1="95750" y1="38000" x2="95625" y2="37750"/>
+                        <a14:foregroundMark x1="67125" y1="65000" x2="66750" y2="76250"/>
+                        <a14:foregroundMark x1="66750" y1="76250" x2="65375" y2="61625"/>
+                        <a14:foregroundMark x1="42250" y1="61000" x2="45875" y2="63000"/>
+                        <a14:foregroundMark x1="67750" y1="82875" x2="70750" y2="83500"/>
+                        <a14:foregroundMark x1="63125" y1="95750" x2="32000" y2="94500"/>
+                        <a14:foregroundMark x1="55875" y1="98125" x2="41250" y2="97375"/>
+                        <a14:foregroundMark x1="39250" y1="78500" x2="51500" y2="78500"/>
+                        <a14:foregroundMark x1="51500" y1="78500" x2="64750" y2="75875"/>
+                        <a14:foregroundMark x1="64750" y1="75875" x2="59750" y2="68875"/>
                       </a14:backgroundRemoval>
                     </a14:imgEffect>
                   </a14:imgLayer>
@@ -8008,8 +8088,8 @@
         </p:blipFill>
         <p:spPr>
           <a:xfrm>
-            <a:off x="7532611" y="4498346"/>
-            <a:ext cx="774952" cy="678491"/>
+            <a:off x="7491182" y="4474818"/>
+            <a:ext cx="745660" cy="745660"/>
           </a:xfrm>
           <a:prstGeom prst="rect">
             <a:avLst/>

--- a/documentation/FinalHandin/TechStack.pptx
+++ b/documentation/FinalHandin/TechStack.pptx
@@ -7,6 +7,7 @@
   <p:sldIdLst>
     <p:sldId id="256" r:id="rId2"/>
     <p:sldId id="257" r:id="rId3"/>
+    <p:sldId id="258" r:id="rId4"/>
   </p:sldIdLst>
   <p:sldSz cx="12192000" cy="6858000"/>
   <p:notesSz cx="6858000" cy="9144000"/>
@@ -113,6 +114,3842 @@
 </p:presentation>
 </file>
 
+<file path=ppt/diagrams/colors1.xml><?xml version="1.0" encoding="utf-8"?>
+<dgm:colorsDef xmlns:dgm="http://schemas.openxmlformats.org/drawingml/2006/diagram" xmlns:a="http://schemas.openxmlformats.org/drawingml/2006/main" uniqueId="urn:microsoft.com/office/officeart/2005/8/colors/colorful1">
+  <dgm:title val=""/>
+  <dgm:desc val=""/>
+  <dgm:catLst>
+    <dgm:cat type="colorful" pri="10100"/>
+  </dgm:catLst>
+  <dgm:styleLbl name="node0">
+    <dgm:fillClrLst meth="repeat">
+      <a:schemeClr val="accent1"/>
+    </dgm:fillClrLst>
+    <dgm:linClrLst meth="repeat">
+      <a:schemeClr val="lt1"/>
+    </dgm:linClrLst>
+    <dgm:effectClrLst/>
+    <dgm:txLinClrLst/>
+    <dgm:txFillClrLst/>
+    <dgm:txEffectClrLst/>
+  </dgm:styleLbl>
+  <dgm:styleLbl name="node1">
+    <dgm:fillClrLst meth="repeat">
+      <a:schemeClr val="accent2"/>
+      <a:schemeClr val="accent3"/>
+      <a:schemeClr val="accent4"/>
+      <a:schemeClr val="accent5"/>
+      <a:schemeClr val="accent6"/>
+    </dgm:fillClrLst>
+    <dgm:linClrLst meth="repeat">
+      <a:schemeClr val="lt1"/>
+    </dgm:linClrLst>
+    <dgm:effectClrLst/>
+    <dgm:txLinClrLst/>
+    <dgm:txFillClrLst/>
+    <dgm:txEffectClrLst/>
+  </dgm:styleLbl>
+  <dgm:styleLbl name="alignNode1">
+    <dgm:fillClrLst meth="repeat">
+      <a:schemeClr val="accent2"/>
+      <a:schemeClr val="accent3"/>
+      <a:schemeClr val="accent4"/>
+      <a:schemeClr val="accent5"/>
+      <a:schemeClr val="accent6"/>
+    </dgm:fillClrLst>
+    <dgm:linClrLst meth="repeat">
+      <a:schemeClr val="accent2"/>
+      <a:schemeClr val="accent3"/>
+      <a:schemeClr val="accent4"/>
+      <a:schemeClr val="accent5"/>
+      <a:schemeClr val="accent6"/>
+    </dgm:linClrLst>
+    <dgm:effectClrLst/>
+    <dgm:txLinClrLst/>
+    <dgm:txFillClrLst/>
+    <dgm:txEffectClrLst/>
+  </dgm:styleLbl>
+  <dgm:styleLbl name="lnNode1">
+    <dgm:fillClrLst meth="repeat">
+      <a:schemeClr val="accent2"/>
+      <a:schemeClr val="accent3"/>
+      <a:schemeClr val="accent4"/>
+      <a:schemeClr val="accent5"/>
+      <a:schemeClr val="accent6"/>
+    </dgm:fillClrLst>
+    <dgm:linClrLst meth="repeat">
+      <a:schemeClr val="lt1"/>
+    </dgm:linClrLst>
+    <dgm:effectClrLst/>
+    <dgm:txLinClrLst/>
+    <dgm:txFillClrLst/>
+    <dgm:txEffectClrLst/>
+  </dgm:styleLbl>
+  <dgm:styleLbl name="vennNode1">
+    <dgm:fillClrLst meth="repeat">
+      <a:schemeClr val="accent2">
+        <a:alpha val="50000"/>
+      </a:schemeClr>
+      <a:schemeClr val="accent3">
+        <a:alpha val="50000"/>
+      </a:schemeClr>
+      <a:schemeClr val="accent4">
+        <a:alpha val="50000"/>
+      </a:schemeClr>
+      <a:schemeClr val="accent5">
+        <a:alpha val="50000"/>
+      </a:schemeClr>
+      <a:schemeClr val="accent6">
+        <a:alpha val="50000"/>
+      </a:schemeClr>
+    </dgm:fillClrLst>
+    <dgm:linClrLst meth="repeat">
+      <a:schemeClr val="lt1"/>
+    </dgm:linClrLst>
+    <dgm:effectClrLst/>
+    <dgm:txLinClrLst/>
+    <dgm:txFillClrLst/>
+    <dgm:txEffectClrLst/>
+  </dgm:styleLbl>
+  <dgm:styleLbl name="node2">
+    <dgm:fillClrLst>
+      <a:schemeClr val="accent2"/>
+    </dgm:fillClrLst>
+    <dgm:linClrLst meth="repeat">
+      <a:schemeClr val="lt1"/>
+    </dgm:linClrLst>
+    <dgm:effectClrLst/>
+    <dgm:txLinClrLst/>
+    <dgm:txFillClrLst/>
+    <dgm:txEffectClrLst/>
+  </dgm:styleLbl>
+  <dgm:styleLbl name="node3">
+    <dgm:fillClrLst>
+      <a:schemeClr val="accent3"/>
+    </dgm:fillClrLst>
+    <dgm:linClrLst meth="repeat">
+      <a:schemeClr val="lt1"/>
+    </dgm:linClrLst>
+    <dgm:effectClrLst/>
+    <dgm:txLinClrLst/>
+    <dgm:txFillClrLst/>
+    <dgm:txEffectClrLst/>
+  </dgm:styleLbl>
+  <dgm:styleLbl name="node4">
+    <dgm:fillClrLst>
+      <a:schemeClr val="accent4"/>
+    </dgm:fillClrLst>
+    <dgm:linClrLst meth="repeat">
+      <a:schemeClr val="lt1"/>
+    </dgm:linClrLst>
+    <dgm:effectClrLst/>
+    <dgm:txLinClrLst/>
+    <dgm:txFillClrLst/>
+    <dgm:txEffectClrLst/>
+  </dgm:styleLbl>
+  <dgm:styleLbl name="fgImgPlace1">
+    <dgm:fillClrLst meth="repeat">
+      <a:schemeClr val="accent2">
+        <a:tint val="50000"/>
+      </a:schemeClr>
+      <a:schemeClr val="accent3">
+        <a:tint val="50000"/>
+      </a:schemeClr>
+      <a:schemeClr val="accent4">
+        <a:tint val="50000"/>
+      </a:schemeClr>
+      <a:schemeClr val="accent5">
+        <a:tint val="50000"/>
+      </a:schemeClr>
+      <a:schemeClr val="accent6">
+        <a:tint val="50000"/>
+      </a:schemeClr>
+    </dgm:fillClrLst>
+    <dgm:linClrLst meth="repeat">
+      <a:schemeClr val="lt1"/>
+    </dgm:linClrLst>
+    <dgm:effectClrLst/>
+    <dgm:txLinClrLst/>
+    <dgm:txFillClrLst meth="repeat">
+      <a:schemeClr val="lt1"/>
+    </dgm:txFillClrLst>
+    <dgm:txEffectClrLst/>
+  </dgm:styleLbl>
+  <dgm:styleLbl name="alignImgPlace1">
+    <dgm:fillClrLst>
+      <a:schemeClr val="accent1">
+        <a:tint val="50000"/>
+      </a:schemeClr>
+      <a:schemeClr val="accent2">
+        <a:tint val="20000"/>
+      </a:schemeClr>
+    </dgm:fillClrLst>
+    <dgm:linClrLst meth="repeat">
+      <a:schemeClr val="lt1"/>
+    </dgm:linClrLst>
+    <dgm:effectClrLst/>
+    <dgm:txLinClrLst/>
+    <dgm:txFillClrLst meth="repeat">
+      <a:schemeClr val="lt1"/>
+    </dgm:txFillClrLst>
+    <dgm:txEffectClrLst/>
+  </dgm:styleLbl>
+  <dgm:styleLbl name="bgImgPlace1">
+    <dgm:fillClrLst>
+      <a:schemeClr val="accent1">
+        <a:tint val="50000"/>
+      </a:schemeClr>
+      <a:schemeClr val="accent2">
+        <a:tint val="20000"/>
+      </a:schemeClr>
+    </dgm:fillClrLst>
+    <dgm:linClrLst meth="repeat">
+      <a:schemeClr val="lt1"/>
+    </dgm:linClrLst>
+    <dgm:effectClrLst/>
+    <dgm:txLinClrLst/>
+    <dgm:txFillClrLst meth="repeat">
+      <a:schemeClr val="lt1"/>
+    </dgm:txFillClrLst>
+    <dgm:txEffectClrLst/>
+  </dgm:styleLbl>
+  <dgm:styleLbl name="sibTrans2D1">
+    <dgm:fillClrLst meth="repeat">
+      <a:schemeClr val="accent2"/>
+      <a:schemeClr val="accent3"/>
+      <a:schemeClr val="accent4"/>
+      <a:schemeClr val="accent5"/>
+      <a:schemeClr val="accent6"/>
+    </dgm:fillClrLst>
+    <dgm:linClrLst meth="cycle">
+      <a:schemeClr val="lt1"/>
+    </dgm:linClrLst>
+    <dgm:effectClrLst/>
+    <dgm:txLinClrLst/>
+    <dgm:txFillClrLst/>
+    <dgm:txEffectClrLst/>
+  </dgm:styleLbl>
+  <dgm:styleLbl name="fgSibTrans2D1">
+    <dgm:fillClrLst meth="repeat">
+      <a:schemeClr val="accent2"/>
+      <a:schemeClr val="accent3"/>
+      <a:schemeClr val="accent4"/>
+      <a:schemeClr val="accent5"/>
+      <a:schemeClr val="accent6"/>
+    </dgm:fillClrLst>
+    <dgm:linClrLst meth="cycle">
+      <a:schemeClr val="lt1"/>
+    </dgm:linClrLst>
+    <dgm:effectClrLst/>
+    <dgm:txLinClrLst/>
+    <dgm:txFillClrLst meth="repeat">
+      <a:schemeClr val="lt1"/>
+    </dgm:txFillClrLst>
+    <dgm:txEffectClrLst/>
+  </dgm:styleLbl>
+  <dgm:styleLbl name="bgSibTrans2D1">
+    <dgm:fillClrLst meth="repeat">
+      <a:schemeClr val="accent2"/>
+      <a:schemeClr val="accent3"/>
+      <a:schemeClr val="accent4"/>
+      <a:schemeClr val="accent5"/>
+      <a:schemeClr val="accent6"/>
+    </dgm:fillClrLst>
+    <dgm:linClrLst meth="cycle">
+      <a:schemeClr val="lt1"/>
+    </dgm:linClrLst>
+    <dgm:effectClrLst/>
+    <dgm:txLinClrLst/>
+    <dgm:txFillClrLst meth="repeat">
+      <a:schemeClr val="lt1"/>
+    </dgm:txFillClrLst>
+    <dgm:txEffectClrLst/>
+  </dgm:styleLbl>
+  <dgm:styleLbl name="sibTrans1D1">
+    <dgm:fillClrLst meth="repeat">
+      <a:schemeClr val="accent2"/>
+      <a:schemeClr val="accent3"/>
+      <a:schemeClr val="accent4"/>
+      <a:schemeClr val="accent5"/>
+      <a:schemeClr val="accent6"/>
+    </dgm:fillClrLst>
+    <dgm:linClrLst meth="repeat">
+      <a:schemeClr val="accent2"/>
+      <a:schemeClr val="accent3"/>
+      <a:schemeClr val="accent4"/>
+      <a:schemeClr val="accent5"/>
+      <a:schemeClr val="accent6"/>
+    </dgm:linClrLst>
+    <dgm:effectClrLst/>
+    <dgm:txLinClrLst/>
+    <dgm:txFillClrLst meth="repeat">
+      <a:schemeClr val="tx1"/>
+    </dgm:txFillClrLst>
+    <dgm:txEffectClrLst/>
+  </dgm:styleLbl>
+  <dgm:styleLbl name="callout">
+    <dgm:fillClrLst meth="repeat">
+      <a:schemeClr val="accent2"/>
+    </dgm:fillClrLst>
+    <dgm:linClrLst meth="repeat">
+      <a:schemeClr val="accent2">
+        <a:tint val="50000"/>
+      </a:schemeClr>
+    </dgm:linClrLst>
+    <dgm:effectClrLst/>
+    <dgm:txLinClrLst/>
+    <dgm:txFillClrLst meth="repeat">
+      <a:schemeClr val="tx1"/>
+    </dgm:txFillClrLst>
+    <dgm:txEffectClrLst/>
+  </dgm:styleLbl>
+  <dgm:styleLbl name="asst0">
+    <dgm:fillClrLst meth="repeat">
+      <a:schemeClr val="accent1"/>
+    </dgm:fillClrLst>
+    <dgm:linClrLst meth="repeat">
+      <a:schemeClr val="lt1"/>
+    </dgm:linClrLst>
+    <dgm:effectClrLst/>
+    <dgm:txLinClrLst/>
+    <dgm:txFillClrLst/>
+    <dgm:txEffectClrLst/>
+  </dgm:styleLbl>
+  <dgm:styleLbl name="asst1">
+    <dgm:fillClrLst meth="repeat">
+      <a:schemeClr val="accent2"/>
+    </dgm:fillClrLst>
+    <dgm:linClrLst meth="repeat">
+      <a:schemeClr val="lt1"/>
+    </dgm:linClrLst>
+    <dgm:effectClrLst/>
+    <dgm:txLinClrLst/>
+    <dgm:txFillClrLst/>
+    <dgm:txEffectClrLst/>
+  </dgm:styleLbl>
+  <dgm:styleLbl name="asst2">
+    <dgm:fillClrLst>
+      <a:schemeClr val="accent3"/>
+    </dgm:fillClrLst>
+    <dgm:linClrLst meth="repeat">
+      <a:schemeClr val="lt1"/>
+    </dgm:linClrLst>
+    <dgm:effectClrLst/>
+    <dgm:txLinClrLst/>
+    <dgm:txFillClrLst/>
+    <dgm:txEffectClrLst/>
+  </dgm:styleLbl>
+  <dgm:styleLbl name="asst3">
+    <dgm:fillClrLst>
+      <a:schemeClr val="accent4"/>
+    </dgm:fillClrLst>
+    <dgm:linClrLst meth="repeat">
+      <a:schemeClr val="lt1"/>
+    </dgm:linClrLst>
+    <dgm:effectClrLst/>
+    <dgm:txLinClrLst/>
+    <dgm:txFillClrLst/>
+    <dgm:txEffectClrLst/>
+  </dgm:styleLbl>
+  <dgm:styleLbl name="asst4">
+    <dgm:fillClrLst>
+      <a:schemeClr val="accent5"/>
+    </dgm:fillClrLst>
+    <dgm:linClrLst meth="repeat">
+      <a:schemeClr val="lt1"/>
+    </dgm:linClrLst>
+    <dgm:effectClrLst/>
+    <dgm:txLinClrLst/>
+    <dgm:txFillClrLst/>
+    <dgm:txEffectClrLst/>
+  </dgm:styleLbl>
+  <dgm:styleLbl name="parChTrans2D1">
+    <dgm:fillClrLst meth="repeat">
+      <a:schemeClr val="accent2"/>
+    </dgm:fillClrLst>
+    <dgm:linClrLst meth="repeat">
+      <a:schemeClr val="lt1"/>
+    </dgm:linClrLst>
+    <dgm:effectClrLst/>
+    <dgm:txLinClrLst/>
+    <dgm:txFillClrLst meth="repeat">
+      <a:schemeClr val="lt1"/>
+    </dgm:txFillClrLst>
+    <dgm:txEffectClrLst/>
+  </dgm:styleLbl>
+  <dgm:styleLbl name="parChTrans2D2">
+    <dgm:fillClrLst meth="repeat">
+      <a:schemeClr val="accent3"/>
+    </dgm:fillClrLst>
+    <dgm:linClrLst meth="repeat">
+      <a:schemeClr val="lt1"/>
+    </dgm:linClrLst>
+    <dgm:effectClrLst/>
+    <dgm:txLinClrLst/>
+    <dgm:txFillClrLst/>
+    <dgm:txEffectClrLst/>
+  </dgm:styleLbl>
+  <dgm:styleLbl name="parChTrans2D3">
+    <dgm:fillClrLst meth="repeat">
+      <a:schemeClr val="accent4"/>
+    </dgm:fillClrLst>
+    <dgm:linClrLst meth="repeat">
+      <a:schemeClr val="lt1"/>
+    </dgm:linClrLst>
+    <dgm:effectClrLst/>
+    <dgm:txLinClrLst/>
+    <dgm:txFillClrLst/>
+    <dgm:txEffectClrLst/>
+  </dgm:styleLbl>
+  <dgm:styleLbl name="parChTrans2D4">
+    <dgm:fillClrLst meth="repeat">
+      <a:schemeClr val="accent5"/>
+    </dgm:fillClrLst>
+    <dgm:linClrLst meth="repeat">
+      <a:schemeClr val="lt1"/>
+    </dgm:linClrLst>
+    <dgm:effectClrLst/>
+    <dgm:txLinClrLst/>
+    <dgm:txFillClrLst meth="repeat">
+      <a:schemeClr val="lt1"/>
+    </dgm:txFillClrLst>
+    <dgm:txEffectClrLst/>
+  </dgm:styleLbl>
+  <dgm:styleLbl name="parChTrans1D1">
+    <dgm:fillClrLst meth="repeat">
+      <a:schemeClr val="accent2"/>
+    </dgm:fillClrLst>
+    <dgm:linClrLst meth="repeat">
+      <a:schemeClr val="accent1"/>
+    </dgm:linClrLst>
+    <dgm:effectClrLst/>
+    <dgm:txLinClrLst/>
+    <dgm:txFillClrLst meth="repeat">
+      <a:schemeClr val="tx1"/>
+    </dgm:txFillClrLst>
+    <dgm:txEffectClrLst/>
+  </dgm:styleLbl>
+  <dgm:styleLbl name="parChTrans1D2">
+    <dgm:fillClrLst meth="repeat">
+      <a:schemeClr val="accent3">
+        <a:tint val="90000"/>
+      </a:schemeClr>
+    </dgm:fillClrLst>
+    <dgm:linClrLst meth="repeat">
+      <a:schemeClr val="accent2"/>
+    </dgm:linClrLst>
+    <dgm:effectClrLst/>
+    <dgm:txLinClrLst/>
+    <dgm:txFillClrLst meth="repeat">
+      <a:schemeClr val="tx1"/>
+    </dgm:txFillClrLst>
+    <dgm:txEffectClrLst/>
+  </dgm:styleLbl>
+  <dgm:styleLbl name="parChTrans1D3">
+    <dgm:fillClrLst meth="repeat">
+      <a:schemeClr val="accent4">
+        <a:tint val="70000"/>
+      </a:schemeClr>
+    </dgm:fillClrLst>
+    <dgm:linClrLst meth="repeat">
+      <a:schemeClr val="accent3"/>
+    </dgm:linClrLst>
+    <dgm:effectClrLst/>
+    <dgm:txLinClrLst/>
+    <dgm:txFillClrLst meth="repeat">
+      <a:schemeClr val="tx1"/>
+    </dgm:txFillClrLst>
+    <dgm:txEffectClrLst/>
+  </dgm:styleLbl>
+  <dgm:styleLbl name="parChTrans1D4">
+    <dgm:fillClrLst meth="repeat">
+      <a:schemeClr val="accent5">
+        <a:tint val="50000"/>
+      </a:schemeClr>
+    </dgm:fillClrLst>
+    <dgm:linClrLst meth="repeat">
+      <a:schemeClr val="accent4"/>
+    </dgm:linClrLst>
+    <dgm:effectClrLst/>
+    <dgm:txLinClrLst/>
+    <dgm:txFillClrLst meth="repeat">
+      <a:schemeClr val="tx1"/>
+    </dgm:txFillClrLst>
+    <dgm:txEffectClrLst/>
+  </dgm:styleLbl>
+  <dgm:styleLbl name="fgAcc1">
+    <dgm:fillClrLst meth="repeat">
+      <a:schemeClr val="lt1">
+        <a:alpha val="90000"/>
+      </a:schemeClr>
+    </dgm:fillClrLst>
+    <dgm:linClrLst meth="repeat">
+      <a:schemeClr val="accent2"/>
+      <a:schemeClr val="accent3"/>
+      <a:schemeClr val="accent4"/>
+      <a:schemeClr val="accent5"/>
+      <a:schemeClr val="accent6"/>
+    </dgm:linClrLst>
+    <dgm:effectClrLst/>
+    <dgm:txLinClrLst/>
+    <dgm:txFillClrLst meth="repeat">
+      <a:schemeClr val="dk1"/>
+    </dgm:txFillClrLst>
+    <dgm:txEffectClrLst/>
+  </dgm:styleLbl>
+  <dgm:styleLbl name="conFgAcc1">
+    <dgm:fillClrLst meth="repeat">
+      <a:schemeClr val="lt1">
+        <a:alpha val="90000"/>
+      </a:schemeClr>
+    </dgm:fillClrLst>
+    <dgm:linClrLst meth="repeat">
+      <a:schemeClr val="accent2"/>
+      <a:schemeClr val="accent3"/>
+      <a:schemeClr val="accent4"/>
+      <a:schemeClr val="accent5"/>
+      <a:schemeClr val="accent6"/>
+    </dgm:linClrLst>
+    <dgm:effectClrLst/>
+    <dgm:txLinClrLst/>
+    <dgm:txFillClrLst meth="repeat">
+      <a:schemeClr val="dk1"/>
+    </dgm:txFillClrLst>
+    <dgm:txEffectClrLst/>
+  </dgm:styleLbl>
+  <dgm:styleLbl name="alignAcc1">
+    <dgm:fillClrLst meth="repeat">
+      <a:schemeClr val="lt1">
+        <a:alpha val="90000"/>
+      </a:schemeClr>
+    </dgm:fillClrLst>
+    <dgm:linClrLst meth="repeat">
+      <a:schemeClr val="accent2"/>
+      <a:schemeClr val="accent3"/>
+      <a:schemeClr val="accent4"/>
+      <a:schemeClr val="accent5"/>
+      <a:schemeClr val="accent6"/>
+    </dgm:linClrLst>
+    <dgm:effectClrLst/>
+    <dgm:txLinClrLst/>
+    <dgm:txFillClrLst meth="repeat">
+      <a:schemeClr val="dk1"/>
+    </dgm:txFillClrLst>
+    <dgm:txEffectClrLst/>
+  </dgm:styleLbl>
+  <dgm:styleLbl name="trAlignAcc1">
+    <dgm:fillClrLst meth="repeat">
+      <a:schemeClr val="lt1">
+        <a:alpha val="40000"/>
+      </a:schemeClr>
+    </dgm:fillClrLst>
+    <dgm:linClrLst meth="repeat">
+      <a:schemeClr val="accent1"/>
+    </dgm:linClrLst>
+    <dgm:effectClrLst/>
+    <dgm:txLinClrLst/>
+    <dgm:txFillClrLst meth="repeat">
+      <a:schemeClr val="dk1"/>
+    </dgm:txFillClrLst>
+    <dgm:txEffectClrLst/>
+  </dgm:styleLbl>
+  <dgm:styleLbl name="bgAcc1">
+    <dgm:fillClrLst meth="repeat">
+      <a:schemeClr val="lt1">
+        <a:alpha val="90000"/>
+      </a:schemeClr>
+    </dgm:fillClrLst>
+    <dgm:linClrLst meth="repeat">
+      <a:schemeClr val="accent2"/>
+      <a:schemeClr val="accent3"/>
+      <a:schemeClr val="accent4"/>
+      <a:schemeClr val="accent5"/>
+      <a:schemeClr val="accent6"/>
+    </dgm:linClrLst>
+    <dgm:effectClrLst/>
+    <dgm:txLinClrLst/>
+    <dgm:txFillClrLst meth="repeat">
+      <a:schemeClr val="dk1"/>
+    </dgm:txFillClrLst>
+    <dgm:txEffectClrLst/>
+  </dgm:styleLbl>
+  <dgm:styleLbl name="solidFgAcc1">
+    <dgm:fillClrLst meth="repeat">
+      <a:schemeClr val="lt1"/>
+    </dgm:fillClrLst>
+    <dgm:linClrLst meth="repeat">
+      <a:schemeClr val="accent2"/>
+      <a:schemeClr val="accent3"/>
+      <a:schemeClr val="accent4"/>
+      <a:schemeClr val="accent5"/>
+      <a:schemeClr val="accent6"/>
+    </dgm:linClrLst>
+    <dgm:effectClrLst/>
+    <dgm:txLinClrLst/>
+    <dgm:txFillClrLst meth="repeat">
+      <a:schemeClr val="dk1"/>
+    </dgm:txFillClrLst>
+    <dgm:txEffectClrLst/>
+  </dgm:styleLbl>
+  <dgm:styleLbl name="solidAlignAcc1">
+    <dgm:fillClrLst meth="repeat">
+      <a:schemeClr val="lt1"/>
+    </dgm:fillClrLst>
+    <dgm:linClrLst meth="repeat">
+      <a:schemeClr val="accent2"/>
+      <a:schemeClr val="accent3"/>
+      <a:schemeClr val="accent4"/>
+      <a:schemeClr val="accent5"/>
+      <a:schemeClr val="accent6"/>
+    </dgm:linClrLst>
+    <dgm:effectClrLst/>
+    <dgm:txLinClrLst/>
+    <dgm:txFillClrLst meth="repeat">
+      <a:schemeClr val="dk1"/>
+    </dgm:txFillClrLst>
+    <dgm:txEffectClrLst/>
+  </dgm:styleLbl>
+  <dgm:styleLbl name="solidBgAcc1">
+    <dgm:fillClrLst meth="repeat">
+      <a:schemeClr val="lt1"/>
+    </dgm:fillClrLst>
+    <dgm:linClrLst meth="repeat">
+      <a:schemeClr val="accent2"/>
+      <a:schemeClr val="accent3"/>
+      <a:schemeClr val="accent4"/>
+      <a:schemeClr val="accent5"/>
+      <a:schemeClr val="accent6"/>
+    </dgm:linClrLst>
+    <dgm:effectClrLst/>
+    <dgm:txLinClrLst/>
+    <dgm:txFillClrLst meth="repeat">
+      <a:schemeClr val="dk1"/>
+    </dgm:txFillClrLst>
+    <dgm:txEffectClrLst/>
+  </dgm:styleLbl>
+  <dgm:styleLbl name="fgAccFollowNode1">
+    <dgm:fillClrLst meth="repeat">
+      <a:schemeClr val="accent2">
+        <a:tint val="40000"/>
+        <a:alpha val="90000"/>
+      </a:schemeClr>
+      <a:schemeClr val="accent3">
+        <a:tint val="40000"/>
+        <a:alpha val="90000"/>
+      </a:schemeClr>
+      <a:schemeClr val="accent4">
+        <a:tint val="40000"/>
+        <a:alpha val="90000"/>
+      </a:schemeClr>
+      <a:schemeClr val="accent5">
+        <a:tint val="40000"/>
+        <a:alpha val="90000"/>
+      </a:schemeClr>
+      <a:schemeClr val="accent6">
+        <a:tint val="40000"/>
+        <a:alpha val="90000"/>
+      </a:schemeClr>
+    </dgm:fillClrLst>
+    <dgm:linClrLst meth="repeat">
+      <a:schemeClr val="accent2">
+        <a:tint val="40000"/>
+        <a:alpha val="90000"/>
+      </a:schemeClr>
+      <a:schemeClr val="accent3">
+        <a:tint val="40000"/>
+        <a:alpha val="90000"/>
+      </a:schemeClr>
+      <a:schemeClr val="accent4">
+        <a:tint val="40000"/>
+        <a:alpha val="90000"/>
+      </a:schemeClr>
+      <a:schemeClr val="accent5">
+        <a:tint val="40000"/>
+        <a:alpha val="90000"/>
+      </a:schemeClr>
+      <a:schemeClr val="accent6">
+        <a:tint val="40000"/>
+        <a:alpha val="90000"/>
+      </a:schemeClr>
+    </dgm:linClrLst>
+    <dgm:effectClrLst/>
+    <dgm:txLinClrLst/>
+    <dgm:txFillClrLst meth="repeat">
+      <a:schemeClr val="dk1"/>
+    </dgm:txFillClrLst>
+    <dgm:txEffectClrLst/>
+  </dgm:styleLbl>
+  <dgm:styleLbl name="alignAccFollowNode1">
+    <dgm:fillClrLst meth="repeat">
+      <a:schemeClr val="accent2">
+        <a:tint val="40000"/>
+        <a:alpha val="90000"/>
+      </a:schemeClr>
+      <a:schemeClr val="accent3">
+        <a:tint val="40000"/>
+        <a:alpha val="90000"/>
+      </a:schemeClr>
+      <a:schemeClr val="accent4">
+        <a:tint val="40000"/>
+        <a:alpha val="90000"/>
+      </a:schemeClr>
+      <a:schemeClr val="accent5">
+        <a:tint val="40000"/>
+        <a:alpha val="90000"/>
+      </a:schemeClr>
+      <a:schemeClr val="accent6">
+        <a:tint val="40000"/>
+        <a:alpha val="90000"/>
+      </a:schemeClr>
+    </dgm:fillClrLst>
+    <dgm:linClrLst meth="repeat">
+      <a:schemeClr val="accent2">
+        <a:tint val="40000"/>
+        <a:alpha val="90000"/>
+      </a:schemeClr>
+      <a:schemeClr val="accent3">
+        <a:tint val="40000"/>
+        <a:alpha val="90000"/>
+      </a:schemeClr>
+      <a:schemeClr val="accent4">
+        <a:tint val="40000"/>
+        <a:alpha val="90000"/>
+      </a:schemeClr>
+      <a:schemeClr val="accent5">
+        <a:tint val="40000"/>
+        <a:alpha val="90000"/>
+      </a:schemeClr>
+      <a:schemeClr val="accent6">
+        <a:tint val="40000"/>
+        <a:alpha val="90000"/>
+      </a:schemeClr>
+    </dgm:linClrLst>
+    <dgm:effectClrLst/>
+    <dgm:txLinClrLst/>
+    <dgm:txFillClrLst meth="repeat">
+      <a:schemeClr val="dk1"/>
+    </dgm:txFillClrLst>
+    <dgm:txEffectClrLst/>
+  </dgm:styleLbl>
+  <dgm:styleLbl name="bgAccFollowNode1">
+    <dgm:fillClrLst meth="repeat">
+      <a:schemeClr val="accent2">
+        <a:tint val="40000"/>
+        <a:alpha val="90000"/>
+      </a:schemeClr>
+      <a:schemeClr val="accent3">
+        <a:tint val="40000"/>
+        <a:alpha val="90000"/>
+      </a:schemeClr>
+      <a:schemeClr val="accent4">
+        <a:tint val="40000"/>
+        <a:alpha val="90000"/>
+      </a:schemeClr>
+      <a:schemeClr val="accent5">
+        <a:tint val="40000"/>
+        <a:alpha val="90000"/>
+      </a:schemeClr>
+      <a:schemeClr val="accent6">
+        <a:tint val="40000"/>
+        <a:alpha val="90000"/>
+      </a:schemeClr>
+    </dgm:fillClrLst>
+    <dgm:linClrLst meth="repeat">
+      <a:schemeClr val="accent2">
+        <a:tint val="40000"/>
+        <a:alpha val="90000"/>
+      </a:schemeClr>
+      <a:schemeClr val="accent3">
+        <a:tint val="40000"/>
+        <a:alpha val="90000"/>
+      </a:schemeClr>
+      <a:schemeClr val="accent4">
+        <a:tint val="40000"/>
+        <a:alpha val="90000"/>
+      </a:schemeClr>
+      <a:schemeClr val="accent5">
+        <a:tint val="40000"/>
+        <a:alpha val="90000"/>
+      </a:schemeClr>
+      <a:schemeClr val="accent6">
+        <a:tint val="40000"/>
+        <a:alpha val="90000"/>
+      </a:schemeClr>
+    </dgm:linClrLst>
+    <dgm:effectClrLst/>
+    <dgm:txLinClrLst/>
+    <dgm:txFillClrLst meth="repeat">
+      <a:schemeClr val="dk1"/>
+    </dgm:txFillClrLst>
+    <dgm:txEffectClrLst/>
+  </dgm:styleLbl>
+  <dgm:styleLbl name="fgAcc0">
+    <dgm:fillClrLst meth="repeat">
+      <a:schemeClr val="lt1">
+        <a:alpha val="90000"/>
+      </a:schemeClr>
+    </dgm:fillClrLst>
+    <dgm:linClrLst>
+      <a:schemeClr val="accent1"/>
+    </dgm:linClrLst>
+    <dgm:effectClrLst/>
+    <dgm:txLinClrLst/>
+    <dgm:txFillClrLst meth="repeat">
+      <a:schemeClr val="dk1"/>
+    </dgm:txFillClrLst>
+    <dgm:txEffectClrLst/>
+  </dgm:styleLbl>
+  <dgm:styleLbl name="fgAcc2">
+    <dgm:fillClrLst meth="repeat">
+      <a:schemeClr val="lt1">
+        <a:alpha val="90000"/>
+      </a:schemeClr>
+    </dgm:fillClrLst>
+    <dgm:linClrLst>
+      <a:schemeClr val="accent2"/>
+    </dgm:linClrLst>
+    <dgm:effectClrLst/>
+    <dgm:txLinClrLst/>
+    <dgm:txFillClrLst meth="repeat">
+      <a:schemeClr val="dk1"/>
+    </dgm:txFillClrLst>
+    <dgm:txEffectClrLst/>
+  </dgm:styleLbl>
+  <dgm:styleLbl name="fgAcc3">
+    <dgm:fillClrLst meth="repeat">
+      <a:schemeClr val="lt1">
+        <a:alpha val="90000"/>
+      </a:schemeClr>
+    </dgm:fillClrLst>
+    <dgm:linClrLst>
+      <a:schemeClr val="accent3"/>
+    </dgm:linClrLst>
+    <dgm:effectClrLst/>
+    <dgm:txLinClrLst/>
+    <dgm:txFillClrLst meth="repeat">
+      <a:schemeClr val="dk1"/>
+    </dgm:txFillClrLst>
+    <dgm:txEffectClrLst/>
+  </dgm:styleLbl>
+  <dgm:styleLbl name="fgAcc4">
+    <dgm:fillClrLst meth="repeat">
+      <a:schemeClr val="lt1">
+        <a:alpha val="90000"/>
+      </a:schemeClr>
+    </dgm:fillClrLst>
+    <dgm:linClrLst>
+      <a:schemeClr val="accent4"/>
+    </dgm:linClrLst>
+    <dgm:effectClrLst/>
+    <dgm:txLinClrLst/>
+    <dgm:txFillClrLst meth="repeat">
+      <a:schemeClr val="dk1"/>
+    </dgm:txFillClrLst>
+    <dgm:txEffectClrLst/>
+  </dgm:styleLbl>
+  <dgm:styleLbl name="bgShp">
+    <dgm:fillClrLst meth="repeat">
+      <a:schemeClr val="accent2">
+        <a:tint val="40000"/>
+      </a:schemeClr>
+    </dgm:fillClrLst>
+    <dgm:linClrLst meth="repeat">
+      <a:schemeClr val="dk1"/>
+    </dgm:linClrLst>
+    <dgm:effectClrLst/>
+    <dgm:txLinClrLst/>
+    <dgm:txFillClrLst meth="repeat">
+      <a:schemeClr val="dk1"/>
+    </dgm:txFillClrLst>
+    <dgm:txEffectClrLst/>
+  </dgm:styleLbl>
+  <dgm:styleLbl name="dkBgShp">
+    <dgm:fillClrLst meth="repeat">
+      <a:schemeClr val="accent2">
+        <a:shade val="90000"/>
+      </a:schemeClr>
+    </dgm:fillClrLst>
+    <dgm:linClrLst meth="repeat">
+      <a:schemeClr val="dk1"/>
+    </dgm:linClrLst>
+    <dgm:effectClrLst/>
+    <dgm:txLinClrLst/>
+    <dgm:txFillClrLst meth="repeat">
+      <a:schemeClr val="lt1"/>
+    </dgm:txFillClrLst>
+    <dgm:txEffectClrLst/>
+  </dgm:styleLbl>
+  <dgm:styleLbl name="trBgShp">
+    <dgm:fillClrLst meth="repeat">
+      <a:schemeClr val="accent1">
+        <a:tint val="50000"/>
+        <a:alpha val="40000"/>
+      </a:schemeClr>
+    </dgm:fillClrLst>
+    <dgm:linClrLst meth="repeat">
+      <a:schemeClr val="accent2"/>
+    </dgm:linClrLst>
+    <dgm:effectClrLst/>
+    <dgm:txLinClrLst/>
+    <dgm:txFillClrLst meth="repeat">
+      <a:schemeClr val="lt1"/>
+    </dgm:txFillClrLst>
+    <dgm:txEffectClrLst/>
+  </dgm:styleLbl>
+  <dgm:styleLbl name="fgShp">
+    <dgm:fillClrLst meth="repeat">
+      <a:schemeClr val="accent2">
+        <a:tint val="40000"/>
+      </a:schemeClr>
+    </dgm:fillClrLst>
+    <dgm:linClrLst meth="repeat">
+      <a:schemeClr val="lt1"/>
+    </dgm:linClrLst>
+    <dgm:effectClrLst/>
+    <dgm:txLinClrLst/>
+    <dgm:txFillClrLst meth="repeat">
+      <a:schemeClr val="dk1"/>
+    </dgm:txFillClrLst>
+    <dgm:txEffectClrLst/>
+  </dgm:styleLbl>
+  <dgm:styleLbl name="revTx">
+    <dgm:fillClrLst meth="repeat">
+      <a:schemeClr val="lt1">
+        <a:alpha val="0"/>
+      </a:schemeClr>
+    </dgm:fillClrLst>
+    <dgm:linClrLst meth="repeat">
+      <a:schemeClr val="dk1">
+        <a:alpha val="0"/>
+      </a:schemeClr>
+    </dgm:linClrLst>
+    <dgm:effectClrLst/>
+    <dgm:txLinClrLst/>
+    <dgm:txFillClrLst meth="repeat">
+      <a:schemeClr val="tx1"/>
+    </dgm:txFillClrLst>
+    <dgm:txEffectClrLst/>
+  </dgm:styleLbl>
+</dgm:colorsDef>
+</file>
+
+<file path=ppt/diagrams/data1.xml><?xml version="1.0" encoding="utf-8"?>
+<dgm:dataModel xmlns:dgm="http://schemas.openxmlformats.org/drawingml/2006/diagram" xmlns:a="http://schemas.openxmlformats.org/drawingml/2006/main">
+  <dgm:ptLst>
+    <dgm:pt modelId="{B4A2E0D1-7B4C-4DCD-9B50-A0AB6427D25C}" type="doc">
+      <dgm:prSet loTypeId="urn:microsoft.com/office/officeart/2005/8/layout/bProcess4" loCatId="process" qsTypeId="urn:microsoft.com/office/officeart/2005/8/quickstyle/simple1" qsCatId="simple" csTypeId="urn:microsoft.com/office/officeart/2005/8/colors/colorful1" csCatId="colorful" phldr="1"/>
+      <dgm:spPr/>
+      <dgm:t>
+        <a:bodyPr/>
+        <a:lstStyle/>
+        <a:p>
+          <a:endParaRPr lang="en-US"/>
+        </a:p>
+      </dgm:t>
+    </dgm:pt>
+    <dgm:pt modelId="{04FA4EBA-D430-4E66-ACC5-27407D2BFAA2}">
+      <dgm:prSet phldrT="[Text]"/>
+      <dgm:spPr/>
+      <dgm:t>
+        <a:bodyPr/>
+        <a:lstStyle/>
+        <a:p>
+          <a:r>
+            <a:rPr lang="en-US" dirty="0"/>
+            <a:t>Sprint Planning</a:t>
+          </a:r>
+        </a:p>
+      </dgm:t>
+    </dgm:pt>
+    <dgm:pt modelId="{43705BAB-E0AA-43D1-B230-7338322EB75C}" type="parTrans" cxnId="{280F636D-AC61-4A5F-91A4-800D65B4782B}">
+      <dgm:prSet/>
+      <dgm:spPr/>
+      <dgm:t>
+        <a:bodyPr/>
+        <a:lstStyle/>
+        <a:p>
+          <a:endParaRPr lang="en-US"/>
+        </a:p>
+      </dgm:t>
+    </dgm:pt>
+    <dgm:pt modelId="{D1EDF29C-DCEC-48A6-BA92-CD1E91ACE2AC}" type="sibTrans" cxnId="{280F636D-AC61-4A5F-91A4-800D65B4782B}">
+      <dgm:prSet/>
+      <dgm:spPr/>
+      <dgm:t>
+        <a:bodyPr/>
+        <a:lstStyle/>
+        <a:p>
+          <a:endParaRPr lang="en-US"/>
+        </a:p>
+      </dgm:t>
+    </dgm:pt>
+    <dgm:pt modelId="{0A502BC9-8545-410A-AB27-5065304995B1}">
+      <dgm:prSet phldrT="[Text]"/>
+      <dgm:spPr/>
+      <dgm:t>
+        <a:bodyPr/>
+        <a:lstStyle/>
+        <a:p>
+          <a:r>
+            <a:rPr lang="en-US" dirty="0"/>
+            <a:t>Coding</a:t>
+          </a:r>
+        </a:p>
+      </dgm:t>
+    </dgm:pt>
+    <dgm:pt modelId="{50B8902B-ED73-4EA5-9DC5-6536C179C21B}" type="parTrans" cxnId="{DDA4DB8F-0824-43FD-B058-102B80A57E48}">
+      <dgm:prSet/>
+      <dgm:spPr/>
+      <dgm:t>
+        <a:bodyPr/>
+        <a:lstStyle/>
+        <a:p>
+          <a:endParaRPr lang="en-US"/>
+        </a:p>
+      </dgm:t>
+    </dgm:pt>
+    <dgm:pt modelId="{80E74954-B6B2-4970-B927-F617FFE85170}" type="sibTrans" cxnId="{DDA4DB8F-0824-43FD-B058-102B80A57E48}">
+      <dgm:prSet/>
+      <dgm:spPr/>
+      <dgm:t>
+        <a:bodyPr/>
+        <a:lstStyle/>
+        <a:p>
+          <a:endParaRPr lang="en-US"/>
+        </a:p>
+      </dgm:t>
+    </dgm:pt>
+    <dgm:pt modelId="{2BFF5222-6A20-4076-A3C2-1A749CC8FB30}">
+      <dgm:prSet phldrT="[Text]"/>
+      <dgm:spPr/>
+      <dgm:t>
+        <a:bodyPr/>
+        <a:lstStyle/>
+        <a:p>
+          <a:r>
+            <a:rPr lang="en-US" dirty="0"/>
+            <a:t>Committing</a:t>
+          </a:r>
+        </a:p>
+      </dgm:t>
+    </dgm:pt>
+    <dgm:pt modelId="{467BD547-422A-4A54-B783-3A36E0BB02E5}" type="parTrans" cxnId="{B24A9D81-FF81-4701-B673-435D8BBAE63A}">
+      <dgm:prSet/>
+      <dgm:spPr/>
+      <dgm:t>
+        <a:bodyPr/>
+        <a:lstStyle/>
+        <a:p>
+          <a:endParaRPr lang="en-US"/>
+        </a:p>
+      </dgm:t>
+    </dgm:pt>
+    <dgm:pt modelId="{698BD227-6191-4624-9121-821511E1D66B}" type="sibTrans" cxnId="{B24A9D81-FF81-4701-B673-435D8BBAE63A}">
+      <dgm:prSet/>
+      <dgm:spPr/>
+      <dgm:t>
+        <a:bodyPr/>
+        <a:lstStyle/>
+        <a:p>
+          <a:endParaRPr lang="en-US"/>
+        </a:p>
+      </dgm:t>
+    </dgm:pt>
+    <dgm:pt modelId="{F11E6B4E-50DF-45C7-BE30-4207142DD207}">
+      <dgm:prSet phldrT="[Text]"/>
+      <dgm:spPr/>
+      <dgm:t>
+        <a:bodyPr/>
+        <a:lstStyle/>
+        <a:p>
+          <a:r>
+            <a:rPr lang="en-US" dirty="0"/>
+            <a:t>Testing</a:t>
+          </a:r>
+        </a:p>
+      </dgm:t>
+    </dgm:pt>
+    <dgm:pt modelId="{A23763BA-126E-4F33-8501-203619627BD7}" type="parTrans" cxnId="{39EC7B01-278E-4184-A13A-039335BE9796}">
+      <dgm:prSet/>
+      <dgm:spPr/>
+      <dgm:t>
+        <a:bodyPr/>
+        <a:lstStyle/>
+        <a:p>
+          <a:endParaRPr lang="en-US"/>
+        </a:p>
+      </dgm:t>
+    </dgm:pt>
+    <dgm:pt modelId="{6F4D9E27-DDEA-4A03-8CEE-4F0A7D5F8C81}" type="sibTrans" cxnId="{39EC7B01-278E-4184-A13A-039335BE9796}">
+      <dgm:prSet/>
+      <dgm:spPr/>
+      <dgm:t>
+        <a:bodyPr/>
+        <a:lstStyle/>
+        <a:p>
+          <a:endParaRPr lang="en-US"/>
+        </a:p>
+      </dgm:t>
+    </dgm:pt>
+    <dgm:pt modelId="{FE0004EB-FE53-4383-85A4-A41FEC80B5D7}">
+      <dgm:prSet phldrT="[Text]"/>
+      <dgm:spPr/>
+      <dgm:t>
+        <a:bodyPr/>
+        <a:lstStyle/>
+        <a:p>
+          <a:r>
+            <a:rPr lang="en-US" dirty="0"/>
+            <a:t>Merging</a:t>
+          </a:r>
+        </a:p>
+      </dgm:t>
+    </dgm:pt>
+    <dgm:pt modelId="{0C225DC3-8659-4D7F-A5E9-89124C47EB66}" type="parTrans" cxnId="{9E6A0D20-D959-4B4A-B0EC-89FA805AAE13}">
+      <dgm:prSet/>
+      <dgm:spPr/>
+      <dgm:t>
+        <a:bodyPr/>
+        <a:lstStyle/>
+        <a:p>
+          <a:endParaRPr lang="en-US"/>
+        </a:p>
+      </dgm:t>
+    </dgm:pt>
+    <dgm:pt modelId="{92864D28-F322-4CA2-9976-67F001C8A280}" type="sibTrans" cxnId="{9E6A0D20-D959-4B4A-B0EC-89FA805AAE13}">
+      <dgm:prSet/>
+      <dgm:spPr/>
+      <dgm:t>
+        <a:bodyPr/>
+        <a:lstStyle/>
+        <a:p>
+          <a:endParaRPr lang="en-US"/>
+        </a:p>
+      </dgm:t>
+    </dgm:pt>
+    <dgm:pt modelId="{29ADC1A2-E240-4E23-AC9A-B4761905C835}">
+      <dgm:prSet phldrT="[Text]"/>
+      <dgm:spPr/>
+      <dgm:t>
+        <a:bodyPr/>
+        <a:lstStyle/>
+        <a:p>
+          <a:r>
+            <a:rPr lang="en-US" dirty="0"/>
+            <a:t>Deploying</a:t>
+          </a:r>
+        </a:p>
+      </dgm:t>
+    </dgm:pt>
+    <dgm:pt modelId="{ADBD0A09-B90D-4816-876B-52B8EBA3D106}" type="parTrans" cxnId="{A9157851-4371-4E06-A76E-A92237C42A14}">
+      <dgm:prSet/>
+      <dgm:spPr/>
+      <dgm:t>
+        <a:bodyPr/>
+        <a:lstStyle/>
+        <a:p>
+          <a:endParaRPr lang="en-US"/>
+        </a:p>
+      </dgm:t>
+    </dgm:pt>
+    <dgm:pt modelId="{C193BA3E-4128-4FF7-8495-C481901ADD05}" type="sibTrans" cxnId="{A9157851-4371-4E06-A76E-A92237C42A14}">
+      <dgm:prSet/>
+      <dgm:spPr/>
+      <dgm:t>
+        <a:bodyPr/>
+        <a:lstStyle/>
+        <a:p>
+          <a:endParaRPr lang="en-US"/>
+        </a:p>
+      </dgm:t>
+    </dgm:pt>
+    <dgm:pt modelId="{37E64D28-6EA0-4724-B5D8-C310919E4105}">
+      <dgm:prSet phldrT="[Text]"/>
+      <dgm:spPr/>
+      <dgm:t>
+        <a:bodyPr/>
+        <a:lstStyle/>
+        <a:p>
+          <a:r>
+            <a:rPr lang="en-US" dirty="0"/>
+            <a:t>Analyzing</a:t>
+          </a:r>
+        </a:p>
+      </dgm:t>
+    </dgm:pt>
+    <dgm:pt modelId="{1F630FBF-C13F-4F9C-8EE5-5BC3F011B291}" type="parTrans" cxnId="{5AE75C07-4EC3-4F04-87F4-44EA697B376C}">
+      <dgm:prSet/>
+      <dgm:spPr/>
+      <dgm:t>
+        <a:bodyPr/>
+        <a:lstStyle/>
+        <a:p>
+          <a:endParaRPr lang="en-US"/>
+        </a:p>
+      </dgm:t>
+    </dgm:pt>
+    <dgm:pt modelId="{5AE75E1C-9A0E-49B1-9C4A-589C02B51F98}" type="sibTrans" cxnId="{5AE75C07-4EC3-4F04-87F4-44EA697B376C}">
+      <dgm:prSet/>
+      <dgm:spPr/>
+      <dgm:t>
+        <a:bodyPr/>
+        <a:lstStyle/>
+        <a:p>
+          <a:endParaRPr lang="en-US"/>
+        </a:p>
+      </dgm:t>
+    </dgm:pt>
+    <dgm:pt modelId="{BE89536B-3ADA-4A8A-B368-625ED45B8B11}">
+      <dgm:prSet phldrT="[Text]"/>
+      <dgm:spPr/>
+      <dgm:t>
+        <a:bodyPr/>
+        <a:lstStyle/>
+        <a:p>
+          <a:r>
+            <a:rPr lang="en-US" dirty="0"/>
+            <a:t>Documenting</a:t>
+          </a:r>
+        </a:p>
+      </dgm:t>
+    </dgm:pt>
+    <dgm:pt modelId="{D31CD1F4-FA0D-437C-9420-0869D9FC3988}" type="parTrans" cxnId="{39650461-3ED2-46A5-8AA6-E86FBEB73C45}">
+      <dgm:prSet/>
+      <dgm:spPr/>
+      <dgm:t>
+        <a:bodyPr/>
+        <a:lstStyle/>
+        <a:p>
+          <a:endParaRPr lang="en-US"/>
+        </a:p>
+      </dgm:t>
+    </dgm:pt>
+    <dgm:pt modelId="{A40EC5C5-3F0C-432B-8364-BFDA3C649A09}" type="sibTrans" cxnId="{39650461-3ED2-46A5-8AA6-E86FBEB73C45}">
+      <dgm:prSet/>
+      <dgm:spPr/>
+      <dgm:t>
+        <a:bodyPr/>
+        <a:lstStyle/>
+        <a:p>
+          <a:endParaRPr lang="en-US"/>
+        </a:p>
+      </dgm:t>
+    </dgm:pt>
+    <dgm:pt modelId="{80AAD3E4-1799-41E1-9612-DC09703171D6}">
+      <dgm:prSet phldrT="[Text]"/>
+      <dgm:spPr/>
+      <dgm:t>
+        <a:bodyPr/>
+        <a:lstStyle/>
+        <a:p>
+          <a:r>
+            <a:rPr lang="en-US" dirty="0"/>
+            <a:t>Reporting</a:t>
+          </a:r>
+        </a:p>
+      </dgm:t>
+    </dgm:pt>
+    <dgm:pt modelId="{8FC56DA2-DB93-4EF7-AA24-071E37D5A1CE}" type="parTrans" cxnId="{3527C1A0-E20F-4D30-96D4-3D9B147ACD87}">
+      <dgm:prSet/>
+      <dgm:spPr/>
+      <dgm:t>
+        <a:bodyPr/>
+        <a:lstStyle/>
+        <a:p>
+          <a:endParaRPr lang="en-US"/>
+        </a:p>
+      </dgm:t>
+    </dgm:pt>
+    <dgm:pt modelId="{B40C346C-728A-4FD2-8F0C-9D86F0863C84}" type="sibTrans" cxnId="{3527C1A0-E20F-4D30-96D4-3D9B147ACD87}">
+      <dgm:prSet/>
+      <dgm:spPr/>
+      <dgm:t>
+        <a:bodyPr/>
+        <a:lstStyle/>
+        <a:p>
+          <a:endParaRPr lang="en-US"/>
+        </a:p>
+      </dgm:t>
+    </dgm:pt>
+    <dgm:pt modelId="{AB18A3F4-EBC0-44BC-8789-A70235C911B2}" type="pres">
+      <dgm:prSet presAssocID="{B4A2E0D1-7B4C-4DCD-9B50-A0AB6427D25C}" presName="Name0" presStyleCnt="0">
+        <dgm:presLayoutVars>
+          <dgm:dir/>
+          <dgm:resizeHandles/>
+        </dgm:presLayoutVars>
+      </dgm:prSet>
+      <dgm:spPr/>
+    </dgm:pt>
+    <dgm:pt modelId="{69A41381-F0BE-4056-A7F2-6DCFABD843D8}" type="pres">
+      <dgm:prSet presAssocID="{04FA4EBA-D430-4E66-ACC5-27407D2BFAA2}" presName="compNode" presStyleCnt="0"/>
+      <dgm:spPr/>
+    </dgm:pt>
+    <dgm:pt modelId="{4AF472BA-E4B6-4E88-83C6-535F62B2E744}" type="pres">
+      <dgm:prSet presAssocID="{04FA4EBA-D430-4E66-ACC5-27407D2BFAA2}" presName="dummyConnPt" presStyleCnt="0"/>
+      <dgm:spPr/>
+    </dgm:pt>
+    <dgm:pt modelId="{4C076B8A-24C9-494F-9D6C-2E309158859F}" type="pres">
+      <dgm:prSet presAssocID="{04FA4EBA-D430-4E66-ACC5-27407D2BFAA2}" presName="node" presStyleLbl="node1" presStyleIdx="0" presStyleCnt="9">
+        <dgm:presLayoutVars>
+          <dgm:bulletEnabled val="1"/>
+        </dgm:presLayoutVars>
+      </dgm:prSet>
+      <dgm:spPr/>
+    </dgm:pt>
+    <dgm:pt modelId="{9F7914D8-CB21-460C-A54D-33E0B8C1FAE4}" type="pres">
+      <dgm:prSet presAssocID="{D1EDF29C-DCEC-48A6-BA92-CD1E91ACE2AC}" presName="sibTrans" presStyleLbl="bgSibTrans2D1" presStyleIdx="0" presStyleCnt="8"/>
+      <dgm:spPr/>
+    </dgm:pt>
+    <dgm:pt modelId="{16BA85FF-BF44-440A-80AE-D43D3AD4A839}" type="pres">
+      <dgm:prSet presAssocID="{0A502BC9-8545-410A-AB27-5065304995B1}" presName="compNode" presStyleCnt="0"/>
+      <dgm:spPr/>
+    </dgm:pt>
+    <dgm:pt modelId="{B3D75B18-F979-4606-B4A5-9274906A1D7E}" type="pres">
+      <dgm:prSet presAssocID="{0A502BC9-8545-410A-AB27-5065304995B1}" presName="dummyConnPt" presStyleCnt="0"/>
+      <dgm:spPr/>
+    </dgm:pt>
+    <dgm:pt modelId="{D7BD9EF6-D2F0-437A-812D-6EFA7A9E68B8}" type="pres">
+      <dgm:prSet presAssocID="{0A502BC9-8545-410A-AB27-5065304995B1}" presName="node" presStyleLbl="node1" presStyleIdx="1" presStyleCnt="9">
+        <dgm:presLayoutVars>
+          <dgm:bulletEnabled val="1"/>
+        </dgm:presLayoutVars>
+      </dgm:prSet>
+      <dgm:spPr/>
+    </dgm:pt>
+    <dgm:pt modelId="{90CB432D-9BD3-409C-B9F7-151C3CD2DF4F}" type="pres">
+      <dgm:prSet presAssocID="{80E74954-B6B2-4970-B927-F617FFE85170}" presName="sibTrans" presStyleLbl="bgSibTrans2D1" presStyleIdx="1" presStyleCnt="8"/>
+      <dgm:spPr/>
+    </dgm:pt>
+    <dgm:pt modelId="{4ECCD6AB-09BF-4121-9BC2-1D55398D1E6C}" type="pres">
+      <dgm:prSet presAssocID="{2BFF5222-6A20-4076-A3C2-1A749CC8FB30}" presName="compNode" presStyleCnt="0"/>
+      <dgm:spPr/>
+    </dgm:pt>
+    <dgm:pt modelId="{D733CABD-220A-4B27-978D-ADE24EFD3F9A}" type="pres">
+      <dgm:prSet presAssocID="{2BFF5222-6A20-4076-A3C2-1A749CC8FB30}" presName="dummyConnPt" presStyleCnt="0"/>
+      <dgm:spPr/>
+    </dgm:pt>
+    <dgm:pt modelId="{16963EF5-C105-4ADC-A64F-78964A461B6F}" type="pres">
+      <dgm:prSet presAssocID="{2BFF5222-6A20-4076-A3C2-1A749CC8FB30}" presName="node" presStyleLbl="node1" presStyleIdx="2" presStyleCnt="9">
+        <dgm:presLayoutVars>
+          <dgm:bulletEnabled val="1"/>
+        </dgm:presLayoutVars>
+      </dgm:prSet>
+      <dgm:spPr/>
+    </dgm:pt>
+    <dgm:pt modelId="{39605732-2281-41EE-9631-6A4AC7624909}" type="pres">
+      <dgm:prSet presAssocID="{698BD227-6191-4624-9121-821511E1D66B}" presName="sibTrans" presStyleLbl="bgSibTrans2D1" presStyleIdx="2" presStyleCnt="8"/>
+      <dgm:spPr/>
+    </dgm:pt>
+    <dgm:pt modelId="{3755BE6F-0FE7-4A23-882C-406060E5DDD1}" type="pres">
+      <dgm:prSet presAssocID="{F11E6B4E-50DF-45C7-BE30-4207142DD207}" presName="compNode" presStyleCnt="0"/>
+      <dgm:spPr/>
+    </dgm:pt>
+    <dgm:pt modelId="{2B5CA505-3D43-4B82-A4C8-C9F7EC968F35}" type="pres">
+      <dgm:prSet presAssocID="{F11E6B4E-50DF-45C7-BE30-4207142DD207}" presName="dummyConnPt" presStyleCnt="0"/>
+      <dgm:spPr/>
+    </dgm:pt>
+    <dgm:pt modelId="{2D3CB2F4-05FD-4B2A-BD50-C922F5D27D82}" type="pres">
+      <dgm:prSet presAssocID="{F11E6B4E-50DF-45C7-BE30-4207142DD207}" presName="node" presStyleLbl="node1" presStyleIdx="3" presStyleCnt="9">
+        <dgm:presLayoutVars>
+          <dgm:bulletEnabled val="1"/>
+        </dgm:presLayoutVars>
+      </dgm:prSet>
+      <dgm:spPr/>
+    </dgm:pt>
+    <dgm:pt modelId="{3C6E0598-1299-49C8-8714-8796F94C17BA}" type="pres">
+      <dgm:prSet presAssocID="{6F4D9E27-DDEA-4A03-8CEE-4F0A7D5F8C81}" presName="sibTrans" presStyleLbl="bgSibTrans2D1" presStyleIdx="3" presStyleCnt="8"/>
+      <dgm:spPr/>
+    </dgm:pt>
+    <dgm:pt modelId="{C5EF1D46-EEF7-4594-A949-C641DDD6B9A8}" type="pres">
+      <dgm:prSet presAssocID="{FE0004EB-FE53-4383-85A4-A41FEC80B5D7}" presName="compNode" presStyleCnt="0"/>
+      <dgm:spPr/>
+    </dgm:pt>
+    <dgm:pt modelId="{B1BDD6BE-6D39-496A-947E-CE76562CAFE8}" type="pres">
+      <dgm:prSet presAssocID="{FE0004EB-FE53-4383-85A4-A41FEC80B5D7}" presName="dummyConnPt" presStyleCnt="0"/>
+      <dgm:spPr/>
+    </dgm:pt>
+    <dgm:pt modelId="{7B61430D-449D-44E6-B4DB-C6F42F07D6E3}" type="pres">
+      <dgm:prSet presAssocID="{FE0004EB-FE53-4383-85A4-A41FEC80B5D7}" presName="node" presStyleLbl="node1" presStyleIdx="4" presStyleCnt="9">
+        <dgm:presLayoutVars>
+          <dgm:bulletEnabled val="1"/>
+        </dgm:presLayoutVars>
+      </dgm:prSet>
+      <dgm:spPr/>
+    </dgm:pt>
+    <dgm:pt modelId="{98AFA541-795B-4073-B240-C28D3F96C3D3}" type="pres">
+      <dgm:prSet presAssocID="{92864D28-F322-4CA2-9976-67F001C8A280}" presName="sibTrans" presStyleLbl="bgSibTrans2D1" presStyleIdx="4" presStyleCnt="8"/>
+      <dgm:spPr/>
+    </dgm:pt>
+    <dgm:pt modelId="{3B3B1EE7-7C95-40A1-8DB0-848E4302B8C8}" type="pres">
+      <dgm:prSet presAssocID="{29ADC1A2-E240-4E23-AC9A-B4761905C835}" presName="compNode" presStyleCnt="0"/>
+      <dgm:spPr/>
+    </dgm:pt>
+    <dgm:pt modelId="{241387D7-DB55-4C8C-91B4-5A3C5A5859D3}" type="pres">
+      <dgm:prSet presAssocID="{29ADC1A2-E240-4E23-AC9A-B4761905C835}" presName="dummyConnPt" presStyleCnt="0"/>
+      <dgm:spPr/>
+    </dgm:pt>
+    <dgm:pt modelId="{38C19F4E-E410-4EA3-A43A-5741C0F697DB}" type="pres">
+      <dgm:prSet presAssocID="{29ADC1A2-E240-4E23-AC9A-B4761905C835}" presName="node" presStyleLbl="node1" presStyleIdx="5" presStyleCnt="9">
+        <dgm:presLayoutVars>
+          <dgm:bulletEnabled val="1"/>
+        </dgm:presLayoutVars>
+      </dgm:prSet>
+      <dgm:spPr/>
+    </dgm:pt>
+    <dgm:pt modelId="{1604C8E5-4A6E-4F65-873E-5B7B2D567A7E}" type="pres">
+      <dgm:prSet presAssocID="{C193BA3E-4128-4FF7-8495-C481901ADD05}" presName="sibTrans" presStyleLbl="bgSibTrans2D1" presStyleIdx="5" presStyleCnt="8"/>
+      <dgm:spPr/>
+    </dgm:pt>
+    <dgm:pt modelId="{F5E5B6A2-7E03-4DD7-BC42-C98DE2255CD9}" type="pres">
+      <dgm:prSet presAssocID="{37E64D28-6EA0-4724-B5D8-C310919E4105}" presName="compNode" presStyleCnt="0"/>
+      <dgm:spPr/>
+    </dgm:pt>
+    <dgm:pt modelId="{F13816B5-FC0F-4CEC-9956-B4CD09AB6843}" type="pres">
+      <dgm:prSet presAssocID="{37E64D28-6EA0-4724-B5D8-C310919E4105}" presName="dummyConnPt" presStyleCnt="0"/>
+      <dgm:spPr/>
+    </dgm:pt>
+    <dgm:pt modelId="{CD9E3655-85D7-4406-BE09-C6482321B881}" type="pres">
+      <dgm:prSet presAssocID="{37E64D28-6EA0-4724-B5D8-C310919E4105}" presName="node" presStyleLbl="node1" presStyleIdx="6" presStyleCnt="9">
+        <dgm:presLayoutVars>
+          <dgm:bulletEnabled val="1"/>
+        </dgm:presLayoutVars>
+      </dgm:prSet>
+      <dgm:spPr/>
+    </dgm:pt>
+    <dgm:pt modelId="{E4D208BB-70BC-4392-8590-60592F2042A0}" type="pres">
+      <dgm:prSet presAssocID="{5AE75E1C-9A0E-49B1-9C4A-589C02B51F98}" presName="sibTrans" presStyleLbl="bgSibTrans2D1" presStyleIdx="6" presStyleCnt="8"/>
+      <dgm:spPr/>
+    </dgm:pt>
+    <dgm:pt modelId="{C649403D-A316-4B72-B4AF-847284F8FB54}" type="pres">
+      <dgm:prSet presAssocID="{BE89536B-3ADA-4A8A-B368-625ED45B8B11}" presName="compNode" presStyleCnt="0"/>
+      <dgm:spPr/>
+    </dgm:pt>
+    <dgm:pt modelId="{3E2D9C6A-06AD-4663-B466-945BA76F1C04}" type="pres">
+      <dgm:prSet presAssocID="{BE89536B-3ADA-4A8A-B368-625ED45B8B11}" presName="dummyConnPt" presStyleCnt="0"/>
+      <dgm:spPr/>
+    </dgm:pt>
+    <dgm:pt modelId="{DAA5FA39-2995-4C1E-A34B-F3DCA251D47B}" type="pres">
+      <dgm:prSet presAssocID="{BE89536B-3ADA-4A8A-B368-625ED45B8B11}" presName="node" presStyleLbl="node1" presStyleIdx="7" presStyleCnt="9">
+        <dgm:presLayoutVars>
+          <dgm:bulletEnabled val="1"/>
+        </dgm:presLayoutVars>
+      </dgm:prSet>
+      <dgm:spPr/>
+    </dgm:pt>
+    <dgm:pt modelId="{23150D30-3853-4C7F-AB76-01E464D94216}" type="pres">
+      <dgm:prSet presAssocID="{A40EC5C5-3F0C-432B-8364-BFDA3C649A09}" presName="sibTrans" presStyleLbl="bgSibTrans2D1" presStyleIdx="7" presStyleCnt="8"/>
+      <dgm:spPr/>
+    </dgm:pt>
+    <dgm:pt modelId="{5BAF6B16-1E3F-4041-920A-D76F70111099}" type="pres">
+      <dgm:prSet presAssocID="{80AAD3E4-1799-41E1-9612-DC09703171D6}" presName="compNode" presStyleCnt="0"/>
+      <dgm:spPr/>
+    </dgm:pt>
+    <dgm:pt modelId="{1A7ACB7D-EFA6-4A71-9900-CDE6E1C2CB47}" type="pres">
+      <dgm:prSet presAssocID="{80AAD3E4-1799-41E1-9612-DC09703171D6}" presName="dummyConnPt" presStyleCnt="0"/>
+      <dgm:spPr/>
+    </dgm:pt>
+    <dgm:pt modelId="{991E6419-726A-4E75-AC8C-7DCCC581CCAC}" type="pres">
+      <dgm:prSet presAssocID="{80AAD3E4-1799-41E1-9612-DC09703171D6}" presName="node" presStyleLbl="node1" presStyleIdx="8" presStyleCnt="9">
+        <dgm:presLayoutVars>
+          <dgm:bulletEnabled val="1"/>
+        </dgm:presLayoutVars>
+      </dgm:prSet>
+      <dgm:spPr/>
+    </dgm:pt>
+  </dgm:ptLst>
+  <dgm:cxnLst>
+    <dgm:cxn modelId="{39EC7B01-278E-4184-A13A-039335BE9796}" srcId="{B4A2E0D1-7B4C-4DCD-9B50-A0AB6427D25C}" destId="{F11E6B4E-50DF-45C7-BE30-4207142DD207}" srcOrd="3" destOrd="0" parTransId="{A23763BA-126E-4F33-8501-203619627BD7}" sibTransId="{6F4D9E27-DDEA-4A03-8CEE-4F0A7D5F8C81}"/>
+    <dgm:cxn modelId="{5AE75C07-4EC3-4F04-87F4-44EA697B376C}" srcId="{B4A2E0D1-7B4C-4DCD-9B50-A0AB6427D25C}" destId="{37E64D28-6EA0-4724-B5D8-C310919E4105}" srcOrd="6" destOrd="0" parTransId="{1F630FBF-C13F-4F9C-8EE5-5BC3F011B291}" sibTransId="{5AE75E1C-9A0E-49B1-9C4A-589C02B51F98}"/>
+    <dgm:cxn modelId="{71E4CF0E-8C0C-4540-BC53-759EEDD76889}" type="presOf" srcId="{2BFF5222-6A20-4076-A3C2-1A749CC8FB30}" destId="{16963EF5-C105-4ADC-A64F-78964A461B6F}" srcOrd="0" destOrd="0" presId="urn:microsoft.com/office/officeart/2005/8/layout/bProcess4"/>
+    <dgm:cxn modelId="{B4177513-2C99-479A-978A-40C0C0D11C6E}" type="presOf" srcId="{698BD227-6191-4624-9121-821511E1D66B}" destId="{39605732-2281-41EE-9631-6A4AC7624909}" srcOrd="0" destOrd="0" presId="urn:microsoft.com/office/officeart/2005/8/layout/bProcess4"/>
+    <dgm:cxn modelId="{9E6A0D20-D959-4B4A-B0EC-89FA805AAE13}" srcId="{B4A2E0D1-7B4C-4DCD-9B50-A0AB6427D25C}" destId="{FE0004EB-FE53-4383-85A4-A41FEC80B5D7}" srcOrd="4" destOrd="0" parTransId="{0C225DC3-8659-4D7F-A5E9-89124C47EB66}" sibTransId="{92864D28-F322-4CA2-9976-67F001C8A280}"/>
+    <dgm:cxn modelId="{450CDE26-B7E7-44E3-BA48-0556B12E8500}" type="presOf" srcId="{5AE75E1C-9A0E-49B1-9C4A-589C02B51F98}" destId="{E4D208BB-70BC-4392-8590-60592F2042A0}" srcOrd="0" destOrd="0" presId="urn:microsoft.com/office/officeart/2005/8/layout/bProcess4"/>
+    <dgm:cxn modelId="{87E82733-0B12-4474-8396-5C331BA063C5}" type="presOf" srcId="{BE89536B-3ADA-4A8A-B368-625ED45B8B11}" destId="{DAA5FA39-2995-4C1E-A34B-F3DCA251D47B}" srcOrd="0" destOrd="0" presId="urn:microsoft.com/office/officeart/2005/8/layout/bProcess4"/>
+    <dgm:cxn modelId="{E94B143D-BA94-485D-B9B2-E32D661856D3}" type="presOf" srcId="{29ADC1A2-E240-4E23-AC9A-B4761905C835}" destId="{38C19F4E-E410-4EA3-A43A-5741C0F697DB}" srcOrd="0" destOrd="0" presId="urn:microsoft.com/office/officeart/2005/8/layout/bProcess4"/>
+    <dgm:cxn modelId="{8DEDA53D-EEEB-41DF-8B31-A64734E89C5C}" type="presOf" srcId="{80AAD3E4-1799-41E1-9612-DC09703171D6}" destId="{991E6419-726A-4E75-AC8C-7DCCC581CCAC}" srcOrd="0" destOrd="0" presId="urn:microsoft.com/office/officeart/2005/8/layout/bProcess4"/>
+    <dgm:cxn modelId="{39650461-3ED2-46A5-8AA6-E86FBEB73C45}" srcId="{B4A2E0D1-7B4C-4DCD-9B50-A0AB6427D25C}" destId="{BE89536B-3ADA-4A8A-B368-625ED45B8B11}" srcOrd="7" destOrd="0" parTransId="{D31CD1F4-FA0D-437C-9420-0869D9FC3988}" sibTransId="{A40EC5C5-3F0C-432B-8364-BFDA3C649A09}"/>
+    <dgm:cxn modelId="{4AF65941-8978-4F8C-A33A-6AA5F2FAD160}" type="presOf" srcId="{D1EDF29C-DCEC-48A6-BA92-CD1E91ACE2AC}" destId="{9F7914D8-CB21-460C-A54D-33E0B8C1FAE4}" srcOrd="0" destOrd="0" presId="urn:microsoft.com/office/officeart/2005/8/layout/bProcess4"/>
+    <dgm:cxn modelId="{280F636D-AC61-4A5F-91A4-800D65B4782B}" srcId="{B4A2E0D1-7B4C-4DCD-9B50-A0AB6427D25C}" destId="{04FA4EBA-D430-4E66-ACC5-27407D2BFAA2}" srcOrd="0" destOrd="0" parTransId="{43705BAB-E0AA-43D1-B230-7338322EB75C}" sibTransId="{D1EDF29C-DCEC-48A6-BA92-CD1E91ACE2AC}"/>
+    <dgm:cxn modelId="{A9157851-4371-4E06-A76E-A92237C42A14}" srcId="{B4A2E0D1-7B4C-4DCD-9B50-A0AB6427D25C}" destId="{29ADC1A2-E240-4E23-AC9A-B4761905C835}" srcOrd="5" destOrd="0" parTransId="{ADBD0A09-B90D-4816-876B-52B8EBA3D106}" sibTransId="{C193BA3E-4128-4FF7-8495-C481901ADD05}"/>
+    <dgm:cxn modelId="{81C78E55-CBC9-4A83-8B83-7FBDCD189EDD}" type="presOf" srcId="{92864D28-F322-4CA2-9976-67F001C8A280}" destId="{98AFA541-795B-4073-B240-C28D3F96C3D3}" srcOrd="0" destOrd="0" presId="urn:microsoft.com/office/officeart/2005/8/layout/bProcess4"/>
+    <dgm:cxn modelId="{B24A9D81-FF81-4701-B673-435D8BBAE63A}" srcId="{B4A2E0D1-7B4C-4DCD-9B50-A0AB6427D25C}" destId="{2BFF5222-6A20-4076-A3C2-1A749CC8FB30}" srcOrd="2" destOrd="0" parTransId="{467BD547-422A-4A54-B783-3A36E0BB02E5}" sibTransId="{698BD227-6191-4624-9121-821511E1D66B}"/>
+    <dgm:cxn modelId="{EC053586-6AF7-426C-B328-3B6CAE483AE1}" type="presOf" srcId="{04FA4EBA-D430-4E66-ACC5-27407D2BFAA2}" destId="{4C076B8A-24C9-494F-9D6C-2E309158859F}" srcOrd="0" destOrd="0" presId="urn:microsoft.com/office/officeart/2005/8/layout/bProcess4"/>
+    <dgm:cxn modelId="{DDA4DB8F-0824-43FD-B058-102B80A57E48}" srcId="{B4A2E0D1-7B4C-4DCD-9B50-A0AB6427D25C}" destId="{0A502BC9-8545-410A-AB27-5065304995B1}" srcOrd="1" destOrd="0" parTransId="{50B8902B-ED73-4EA5-9DC5-6536C179C21B}" sibTransId="{80E74954-B6B2-4970-B927-F617FFE85170}"/>
+    <dgm:cxn modelId="{3527C1A0-E20F-4D30-96D4-3D9B147ACD87}" srcId="{B4A2E0D1-7B4C-4DCD-9B50-A0AB6427D25C}" destId="{80AAD3E4-1799-41E1-9612-DC09703171D6}" srcOrd="8" destOrd="0" parTransId="{8FC56DA2-DB93-4EF7-AA24-071E37D5A1CE}" sibTransId="{B40C346C-728A-4FD2-8F0C-9D86F0863C84}"/>
+    <dgm:cxn modelId="{6E7755A8-24ED-4234-893A-D33F530779FF}" type="presOf" srcId="{0A502BC9-8545-410A-AB27-5065304995B1}" destId="{D7BD9EF6-D2F0-437A-812D-6EFA7A9E68B8}" srcOrd="0" destOrd="0" presId="urn:microsoft.com/office/officeart/2005/8/layout/bProcess4"/>
+    <dgm:cxn modelId="{375856C5-784C-43E1-80F9-8B6809731ED7}" type="presOf" srcId="{B4A2E0D1-7B4C-4DCD-9B50-A0AB6427D25C}" destId="{AB18A3F4-EBC0-44BC-8789-A70235C911B2}" srcOrd="0" destOrd="0" presId="urn:microsoft.com/office/officeart/2005/8/layout/bProcess4"/>
+    <dgm:cxn modelId="{1A69A8CB-A4C5-40EE-BC0C-A3082D0CC2BB}" type="presOf" srcId="{37E64D28-6EA0-4724-B5D8-C310919E4105}" destId="{CD9E3655-85D7-4406-BE09-C6482321B881}" srcOrd="0" destOrd="0" presId="urn:microsoft.com/office/officeart/2005/8/layout/bProcess4"/>
+    <dgm:cxn modelId="{42CA16CE-82DE-4C77-928D-36C6C6C88EA3}" type="presOf" srcId="{80E74954-B6B2-4970-B927-F617FFE85170}" destId="{90CB432D-9BD3-409C-B9F7-151C3CD2DF4F}" srcOrd="0" destOrd="0" presId="urn:microsoft.com/office/officeart/2005/8/layout/bProcess4"/>
+    <dgm:cxn modelId="{7C47C9DF-0B72-45E7-8CE2-CC8DDA2D1283}" type="presOf" srcId="{FE0004EB-FE53-4383-85A4-A41FEC80B5D7}" destId="{7B61430D-449D-44E6-B4DB-C6F42F07D6E3}" srcOrd="0" destOrd="0" presId="urn:microsoft.com/office/officeart/2005/8/layout/bProcess4"/>
+    <dgm:cxn modelId="{2A24E3E0-089A-45E3-8CB1-144CF85DB773}" type="presOf" srcId="{C193BA3E-4128-4FF7-8495-C481901ADD05}" destId="{1604C8E5-4A6E-4F65-873E-5B7B2D567A7E}" srcOrd="0" destOrd="0" presId="urn:microsoft.com/office/officeart/2005/8/layout/bProcess4"/>
+    <dgm:cxn modelId="{A0A955E5-68D2-474B-B3D9-B4AC04577CF7}" type="presOf" srcId="{6F4D9E27-DDEA-4A03-8CEE-4F0A7D5F8C81}" destId="{3C6E0598-1299-49C8-8714-8796F94C17BA}" srcOrd="0" destOrd="0" presId="urn:microsoft.com/office/officeart/2005/8/layout/bProcess4"/>
+    <dgm:cxn modelId="{72DFA7F2-F09C-4EB6-B1EE-C3D01D7151E8}" type="presOf" srcId="{A40EC5C5-3F0C-432B-8364-BFDA3C649A09}" destId="{23150D30-3853-4C7F-AB76-01E464D94216}" srcOrd="0" destOrd="0" presId="urn:microsoft.com/office/officeart/2005/8/layout/bProcess4"/>
+    <dgm:cxn modelId="{A57A6CFC-EE49-4E25-A346-A47BCD106C82}" type="presOf" srcId="{F11E6B4E-50DF-45C7-BE30-4207142DD207}" destId="{2D3CB2F4-05FD-4B2A-BD50-C922F5D27D82}" srcOrd="0" destOrd="0" presId="urn:microsoft.com/office/officeart/2005/8/layout/bProcess4"/>
+    <dgm:cxn modelId="{1ECCF7E1-C33E-4264-84D5-E6EFC2629F56}" type="presParOf" srcId="{AB18A3F4-EBC0-44BC-8789-A70235C911B2}" destId="{69A41381-F0BE-4056-A7F2-6DCFABD843D8}" srcOrd="0" destOrd="0" presId="urn:microsoft.com/office/officeart/2005/8/layout/bProcess4"/>
+    <dgm:cxn modelId="{5C20E2A0-C7AA-447E-A363-A4EDAFFA946C}" type="presParOf" srcId="{69A41381-F0BE-4056-A7F2-6DCFABD843D8}" destId="{4AF472BA-E4B6-4E88-83C6-535F62B2E744}" srcOrd="0" destOrd="0" presId="urn:microsoft.com/office/officeart/2005/8/layout/bProcess4"/>
+    <dgm:cxn modelId="{51ECBF54-1DED-4A50-A474-DB207E414A5B}" type="presParOf" srcId="{69A41381-F0BE-4056-A7F2-6DCFABD843D8}" destId="{4C076B8A-24C9-494F-9D6C-2E309158859F}" srcOrd="1" destOrd="0" presId="urn:microsoft.com/office/officeart/2005/8/layout/bProcess4"/>
+    <dgm:cxn modelId="{C7F1E277-683E-4A13-A101-D028F8BDFC6E}" type="presParOf" srcId="{AB18A3F4-EBC0-44BC-8789-A70235C911B2}" destId="{9F7914D8-CB21-460C-A54D-33E0B8C1FAE4}" srcOrd="1" destOrd="0" presId="urn:microsoft.com/office/officeart/2005/8/layout/bProcess4"/>
+    <dgm:cxn modelId="{F59899E7-4BF4-42D9-9A50-60E76D48FD02}" type="presParOf" srcId="{AB18A3F4-EBC0-44BC-8789-A70235C911B2}" destId="{16BA85FF-BF44-440A-80AE-D43D3AD4A839}" srcOrd="2" destOrd="0" presId="urn:microsoft.com/office/officeart/2005/8/layout/bProcess4"/>
+    <dgm:cxn modelId="{19AED94E-9A05-432C-91EC-E956EE5DD5AE}" type="presParOf" srcId="{16BA85FF-BF44-440A-80AE-D43D3AD4A839}" destId="{B3D75B18-F979-4606-B4A5-9274906A1D7E}" srcOrd="0" destOrd="0" presId="urn:microsoft.com/office/officeart/2005/8/layout/bProcess4"/>
+    <dgm:cxn modelId="{30279CEF-690F-4278-A28E-15BB81F725EA}" type="presParOf" srcId="{16BA85FF-BF44-440A-80AE-D43D3AD4A839}" destId="{D7BD9EF6-D2F0-437A-812D-6EFA7A9E68B8}" srcOrd="1" destOrd="0" presId="urn:microsoft.com/office/officeart/2005/8/layout/bProcess4"/>
+    <dgm:cxn modelId="{1B3D2451-9EBC-47FF-BCD4-6B7B3F6CBAD4}" type="presParOf" srcId="{AB18A3F4-EBC0-44BC-8789-A70235C911B2}" destId="{90CB432D-9BD3-409C-B9F7-151C3CD2DF4F}" srcOrd="3" destOrd="0" presId="urn:microsoft.com/office/officeart/2005/8/layout/bProcess4"/>
+    <dgm:cxn modelId="{9C12BEBD-AEAF-4F80-B575-25832417755B}" type="presParOf" srcId="{AB18A3F4-EBC0-44BC-8789-A70235C911B2}" destId="{4ECCD6AB-09BF-4121-9BC2-1D55398D1E6C}" srcOrd="4" destOrd="0" presId="urn:microsoft.com/office/officeart/2005/8/layout/bProcess4"/>
+    <dgm:cxn modelId="{4FCB89F3-7E14-43B2-B9D1-3235484EACC3}" type="presParOf" srcId="{4ECCD6AB-09BF-4121-9BC2-1D55398D1E6C}" destId="{D733CABD-220A-4B27-978D-ADE24EFD3F9A}" srcOrd="0" destOrd="0" presId="urn:microsoft.com/office/officeart/2005/8/layout/bProcess4"/>
+    <dgm:cxn modelId="{57FDB4CB-F810-4976-AD24-5F43C7BBEE90}" type="presParOf" srcId="{4ECCD6AB-09BF-4121-9BC2-1D55398D1E6C}" destId="{16963EF5-C105-4ADC-A64F-78964A461B6F}" srcOrd="1" destOrd="0" presId="urn:microsoft.com/office/officeart/2005/8/layout/bProcess4"/>
+    <dgm:cxn modelId="{C5AA812A-2992-4D18-BDC3-0C998B284610}" type="presParOf" srcId="{AB18A3F4-EBC0-44BC-8789-A70235C911B2}" destId="{39605732-2281-41EE-9631-6A4AC7624909}" srcOrd="5" destOrd="0" presId="urn:microsoft.com/office/officeart/2005/8/layout/bProcess4"/>
+    <dgm:cxn modelId="{FD48FA57-3BDE-4708-A981-48A881361F68}" type="presParOf" srcId="{AB18A3F4-EBC0-44BC-8789-A70235C911B2}" destId="{3755BE6F-0FE7-4A23-882C-406060E5DDD1}" srcOrd="6" destOrd="0" presId="urn:microsoft.com/office/officeart/2005/8/layout/bProcess4"/>
+    <dgm:cxn modelId="{7749B667-54A1-4314-AB45-33FD5CAC651A}" type="presParOf" srcId="{3755BE6F-0FE7-4A23-882C-406060E5DDD1}" destId="{2B5CA505-3D43-4B82-A4C8-C9F7EC968F35}" srcOrd="0" destOrd="0" presId="urn:microsoft.com/office/officeart/2005/8/layout/bProcess4"/>
+    <dgm:cxn modelId="{621FB33A-8AD5-4DE1-8915-879DDA1D097A}" type="presParOf" srcId="{3755BE6F-0FE7-4A23-882C-406060E5DDD1}" destId="{2D3CB2F4-05FD-4B2A-BD50-C922F5D27D82}" srcOrd="1" destOrd="0" presId="urn:microsoft.com/office/officeart/2005/8/layout/bProcess4"/>
+    <dgm:cxn modelId="{B109B55A-B507-46F0-8A40-DED5AE81F90A}" type="presParOf" srcId="{AB18A3F4-EBC0-44BC-8789-A70235C911B2}" destId="{3C6E0598-1299-49C8-8714-8796F94C17BA}" srcOrd="7" destOrd="0" presId="urn:microsoft.com/office/officeart/2005/8/layout/bProcess4"/>
+    <dgm:cxn modelId="{11DAD7FF-9A8A-4AB5-9F42-A7D958D2D665}" type="presParOf" srcId="{AB18A3F4-EBC0-44BC-8789-A70235C911B2}" destId="{C5EF1D46-EEF7-4594-A949-C641DDD6B9A8}" srcOrd="8" destOrd="0" presId="urn:microsoft.com/office/officeart/2005/8/layout/bProcess4"/>
+    <dgm:cxn modelId="{83079EDB-D5B8-4DFC-9EE0-F699845418DD}" type="presParOf" srcId="{C5EF1D46-EEF7-4594-A949-C641DDD6B9A8}" destId="{B1BDD6BE-6D39-496A-947E-CE76562CAFE8}" srcOrd="0" destOrd="0" presId="urn:microsoft.com/office/officeart/2005/8/layout/bProcess4"/>
+    <dgm:cxn modelId="{07305C3B-B238-4B88-9E41-4D8DA1F811F1}" type="presParOf" srcId="{C5EF1D46-EEF7-4594-A949-C641DDD6B9A8}" destId="{7B61430D-449D-44E6-B4DB-C6F42F07D6E3}" srcOrd="1" destOrd="0" presId="urn:microsoft.com/office/officeart/2005/8/layout/bProcess4"/>
+    <dgm:cxn modelId="{7047F33C-C99C-4ACE-BF80-257F87FAD351}" type="presParOf" srcId="{AB18A3F4-EBC0-44BC-8789-A70235C911B2}" destId="{98AFA541-795B-4073-B240-C28D3F96C3D3}" srcOrd="9" destOrd="0" presId="urn:microsoft.com/office/officeart/2005/8/layout/bProcess4"/>
+    <dgm:cxn modelId="{85B52308-5957-4386-A4D4-C2C613D89F20}" type="presParOf" srcId="{AB18A3F4-EBC0-44BC-8789-A70235C911B2}" destId="{3B3B1EE7-7C95-40A1-8DB0-848E4302B8C8}" srcOrd="10" destOrd="0" presId="urn:microsoft.com/office/officeart/2005/8/layout/bProcess4"/>
+    <dgm:cxn modelId="{4E33ECB3-2AC6-4A5D-813E-D611ABEB9DFC}" type="presParOf" srcId="{3B3B1EE7-7C95-40A1-8DB0-848E4302B8C8}" destId="{241387D7-DB55-4C8C-91B4-5A3C5A5859D3}" srcOrd="0" destOrd="0" presId="urn:microsoft.com/office/officeart/2005/8/layout/bProcess4"/>
+    <dgm:cxn modelId="{85D914D8-E23C-4D7B-8CB7-3C1A213FE75D}" type="presParOf" srcId="{3B3B1EE7-7C95-40A1-8DB0-848E4302B8C8}" destId="{38C19F4E-E410-4EA3-A43A-5741C0F697DB}" srcOrd="1" destOrd="0" presId="urn:microsoft.com/office/officeart/2005/8/layout/bProcess4"/>
+    <dgm:cxn modelId="{ED063BF2-85C9-4434-894C-56BAF71A56B4}" type="presParOf" srcId="{AB18A3F4-EBC0-44BC-8789-A70235C911B2}" destId="{1604C8E5-4A6E-4F65-873E-5B7B2D567A7E}" srcOrd="11" destOrd="0" presId="urn:microsoft.com/office/officeart/2005/8/layout/bProcess4"/>
+    <dgm:cxn modelId="{CF4BC12B-EDB9-4737-97E6-2DCE42CEBB21}" type="presParOf" srcId="{AB18A3F4-EBC0-44BC-8789-A70235C911B2}" destId="{F5E5B6A2-7E03-4DD7-BC42-C98DE2255CD9}" srcOrd="12" destOrd="0" presId="urn:microsoft.com/office/officeart/2005/8/layout/bProcess4"/>
+    <dgm:cxn modelId="{87C8E962-ADF5-4078-B7E7-4214A1A85763}" type="presParOf" srcId="{F5E5B6A2-7E03-4DD7-BC42-C98DE2255CD9}" destId="{F13816B5-FC0F-4CEC-9956-B4CD09AB6843}" srcOrd="0" destOrd="0" presId="urn:microsoft.com/office/officeart/2005/8/layout/bProcess4"/>
+    <dgm:cxn modelId="{9854E558-DB00-4DB6-B512-8A541A6D60C0}" type="presParOf" srcId="{F5E5B6A2-7E03-4DD7-BC42-C98DE2255CD9}" destId="{CD9E3655-85D7-4406-BE09-C6482321B881}" srcOrd="1" destOrd="0" presId="urn:microsoft.com/office/officeart/2005/8/layout/bProcess4"/>
+    <dgm:cxn modelId="{371CE1AA-F04A-4B37-BED6-2217286BC0E9}" type="presParOf" srcId="{AB18A3F4-EBC0-44BC-8789-A70235C911B2}" destId="{E4D208BB-70BC-4392-8590-60592F2042A0}" srcOrd="13" destOrd="0" presId="urn:microsoft.com/office/officeart/2005/8/layout/bProcess4"/>
+    <dgm:cxn modelId="{F30E4A07-5F07-4793-AFFF-30969E9FA304}" type="presParOf" srcId="{AB18A3F4-EBC0-44BC-8789-A70235C911B2}" destId="{C649403D-A316-4B72-B4AF-847284F8FB54}" srcOrd="14" destOrd="0" presId="urn:microsoft.com/office/officeart/2005/8/layout/bProcess4"/>
+    <dgm:cxn modelId="{70F24FB3-6357-4386-A951-6A20728D1892}" type="presParOf" srcId="{C649403D-A316-4B72-B4AF-847284F8FB54}" destId="{3E2D9C6A-06AD-4663-B466-945BA76F1C04}" srcOrd="0" destOrd="0" presId="urn:microsoft.com/office/officeart/2005/8/layout/bProcess4"/>
+    <dgm:cxn modelId="{442B4E53-CFBE-4E5A-B277-30280D2BCEE2}" type="presParOf" srcId="{C649403D-A316-4B72-B4AF-847284F8FB54}" destId="{DAA5FA39-2995-4C1E-A34B-F3DCA251D47B}" srcOrd="1" destOrd="0" presId="urn:microsoft.com/office/officeart/2005/8/layout/bProcess4"/>
+    <dgm:cxn modelId="{9D37AD79-A456-4DBF-953C-3397C62C903B}" type="presParOf" srcId="{AB18A3F4-EBC0-44BC-8789-A70235C911B2}" destId="{23150D30-3853-4C7F-AB76-01E464D94216}" srcOrd="15" destOrd="0" presId="urn:microsoft.com/office/officeart/2005/8/layout/bProcess4"/>
+    <dgm:cxn modelId="{1B2EB6FA-F63E-45B2-B0AE-37997D391B40}" type="presParOf" srcId="{AB18A3F4-EBC0-44BC-8789-A70235C911B2}" destId="{5BAF6B16-1E3F-4041-920A-D76F70111099}" srcOrd="16" destOrd="0" presId="urn:microsoft.com/office/officeart/2005/8/layout/bProcess4"/>
+    <dgm:cxn modelId="{014BE8A0-591E-4068-9169-0839CA7670B5}" type="presParOf" srcId="{5BAF6B16-1E3F-4041-920A-D76F70111099}" destId="{1A7ACB7D-EFA6-4A71-9900-CDE6E1C2CB47}" srcOrd="0" destOrd="0" presId="urn:microsoft.com/office/officeart/2005/8/layout/bProcess4"/>
+    <dgm:cxn modelId="{54F8B87B-A999-4935-AED3-791A7E95EF0D}" type="presParOf" srcId="{5BAF6B16-1E3F-4041-920A-D76F70111099}" destId="{991E6419-726A-4E75-AC8C-7DCCC581CCAC}" srcOrd="1" destOrd="0" presId="urn:microsoft.com/office/officeart/2005/8/layout/bProcess4"/>
+  </dgm:cxnLst>
+  <dgm:bg>
+    <a:noFill/>
+  </dgm:bg>
+  <dgm:whole/>
+  <dgm:extLst>
+    <a:ext uri="http://schemas.microsoft.com/office/drawing/2008/diagram">
+      <dsp:dataModelExt xmlns:dsp="http://schemas.microsoft.com/office/drawing/2008/diagram" relId="rId6" minVer="http://schemas.openxmlformats.org/drawingml/2006/diagram"/>
+    </a:ext>
+  </dgm:extLst>
+</dgm:dataModel>
+</file>
+
+<file path=ppt/diagrams/drawing1.xml><?xml version="1.0" encoding="utf-8"?>
+<dsp:drawing xmlns:dgm="http://schemas.openxmlformats.org/drawingml/2006/diagram" xmlns:dsp="http://schemas.microsoft.com/office/drawing/2008/diagram" xmlns:a="http://schemas.openxmlformats.org/drawingml/2006/main">
+  <dsp:spTree>
+    <dsp:nvGrpSpPr>
+      <dsp:cNvPr id="0" name=""/>
+      <dsp:cNvGrpSpPr/>
+    </dsp:nvGrpSpPr>
+    <dsp:grpSpPr/>
+    <dsp:sp modelId="{9F7914D8-CB21-460C-A54D-33E0B8C1FAE4}">
+      <dsp:nvSpPr>
+        <dsp:cNvPr id="0" name=""/>
+        <dsp:cNvSpPr/>
+      </dsp:nvSpPr>
+      <dsp:spPr>
+        <a:xfrm rot="5400000">
+          <a:off x="993657" y="998825"/>
+          <a:ext cx="1562012" cy="188313"/>
+        </a:xfrm>
+        <a:prstGeom prst="rect">
+          <a:avLst/>
+        </a:prstGeom>
+        <a:solidFill>
+          <a:schemeClr val="accent2">
+            <a:hueOff val="0"/>
+            <a:satOff val="0"/>
+            <a:lumOff val="0"/>
+            <a:alphaOff val="0"/>
+          </a:schemeClr>
+        </a:solidFill>
+        <a:ln>
+          <a:noFill/>
+        </a:ln>
+        <a:effectLst/>
+      </dsp:spPr>
+      <dsp:style>
+        <a:lnRef idx="0">
+          <a:scrgbClr r="0" g="0" b="0"/>
+        </a:lnRef>
+        <a:fillRef idx="1">
+          <a:scrgbClr r="0" g="0" b="0"/>
+        </a:fillRef>
+        <a:effectRef idx="0">
+          <a:scrgbClr r="0" g="0" b="0"/>
+        </a:effectRef>
+        <a:fontRef idx="minor">
+          <a:schemeClr val="lt1"/>
+        </a:fontRef>
+      </dsp:style>
+    </dsp:sp>
+    <dsp:sp modelId="{4C076B8A-24C9-494F-9D6C-2E309158859F}">
+      <dsp:nvSpPr>
+        <dsp:cNvPr id="0" name=""/>
+        <dsp:cNvSpPr/>
+      </dsp:nvSpPr>
+      <dsp:spPr>
+        <a:xfrm>
+          <a:off x="1352554" y="1313"/>
+          <a:ext cx="2092374" cy="1255424"/>
+        </a:xfrm>
+        <a:prstGeom prst="roundRect">
+          <a:avLst>
+            <a:gd name="adj" fmla="val 10000"/>
+          </a:avLst>
+        </a:prstGeom>
+        <a:solidFill>
+          <a:schemeClr val="accent2">
+            <a:hueOff val="0"/>
+            <a:satOff val="0"/>
+            <a:lumOff val="0"/>
+            <a:alphaOff val="0"/>
+          </a:schemeClr>
+        </a:solidFill>
+        <a:ln w="15875" cap="flat" cmpd="sng" algn="ctr">
+          <a:solidFill>
+            <a:schemeClr val="lt1">
+              <a:hueOff val="0"/>
+              <a:satOff val="0"/>
+              <a:lumOff val="0"/>
+              <a:alphaOff val="0"/>
+            </a:schemeClr>
+          </a:solidFill>
+          <a:prstDash val="solid"/>
+        </a:ln>
+        <a:effectLst/>
+      </dsp:spPr>
+      <dsp:style>
+        <a:lnRef idx="2">
+          <a:scrgbClr r="0" g="0" b="0"/>
+        </a:lnRef>
+        <a:fillRef idx="1">
+          <a:scrgbClr r="0" g="0" b="0"/>
+        </a:fillRef>
+        <a:effectRef idx="0">
+          <a:scrgbClr r="0" g="0" b="0"/>
+        </a:effectRef>
+        <a:fontRef idx="minor">
+          <a:schemeClr val="lt1"/>
+        </a:fontRef>
+      </dsp:style>
+      <dsp:txBody>
+        <a:bodyPr spcFirstLastPara="0" vert="horz" wrap="square" lIns="106680" tIns="106680" rIns="106680" bIns="106680" numCol="1" spcCol="1270" anchor="ctr" anchorCtr="0">
+          <a:noAutofit/>
+        </a:bodyPr>
+        <a:lstStyle/>
+        <a:p>
+          <a:pPr marL="0" lvl="0" indent="0" algn="ctr" defTabSz="1244600">
+            <a:lnSpc>
+              <a:spcPct val="90000"/>
+            </a:lnSpc>
+            <a:spcBef>
+              <a:spcPct val="0"/>
+            </a:spcBef>
+            <a:spcAft>
+              <a:spcPct val="35000"/>
+            </a:spcAft>
+            <a:buNone/>
+          </a:pPr>
+          <a:r>
+            <a:rPr lang="en-US" sz="2800" kern="1200" dirty="0"/>
+            <a:t>Sprint Planning</a:t>
+          </a:r>
+        </a:p>
+      </dsp:txBody>
+      <dsp:txXfrm>
+        <a:off x="1389324" y="38083"/>
+        <a:ext cx="2018834" cy="1181884"/>
+      </dsp:txXfrm>
+    </dsp:sp>
+    <dsp:sp modelId="{90CB432D-9BD3-409C-B9F7-151C3CD2DF4F}">
+      <dsp:nvSpPr>
+        <dsp:cNvPr id="0" name=""/>
+        <dsp:cNvSpPr/>
+      </dsp:nvSpPr>
+      <dsp:spPr>
+        <a:xfrm rot="5400000">
+          <a:off x="993657" y="2568106"/>
+          <a:ext cx="1562012" cy="188313"/>
+        </a:xfrm>
+        <a:prstGeom prst="rect">
+          <a:avLst/>
+        </a:prstGeom>
+        <a:solidFill>
+          <a:schemeClr val="accent3">
+            <a:hueOff val="0"/>
+            <a:satOff val="0"/>
+            <a:lumOff val="0"/>
+            <a:alphaOff val="0"/>
+          </a:schemeClr>
+        </a:solidFill>
+        <a:ln>
+          <a:noFill/>
+        </a:ln>
+        <a:effectLst/>
+      </dsp:spPr>
+      <dsp:style>
+        <a:lnRef idx="0">
+          <a:scrgbClr r="0" g="0" b="0"/>
+        </a:lnRef>
+        <a:fillRef idx="1">
+          <a:scrgbClr r="0" g="0" b="0"/>
+        </a:fillRef>
+        <a:effectRef idx="0">
+          <a:scrgbClr r="0" g="0" b="0"/>
+        </a:effectRef>
+        <a:fontRef idx="minor">
+          <a:schemeClr val="lt1"/>
+        </a:fontRef>
+      </dsp:style>
+    </dsp:sp>
+    <dsp:sp modelId="{D7BD9EF6-D2F0-437A-812D-6EFA7A9E68B8}">
+      <dsp:nvSpPr>
+        <dsp:cNvPr id="0" name=""/>
+        <dsp:cNvSpPr/>
+      </dsp:nvSpPr>
+      <dsp:spPr>
+        <a:xfrm>
+          <a:off x="1352554" y="1570594"/>
+          <a:ext cx="2092374" cy="1255424"/>
+        </a:xfrm>
+        <a:prstGeom prst="roundRect">
+          <a:avLst>
+            <a:gd name="adj" fmla="val 10000"/>
+          </a:avLst>
+        </a:prstGeom>
+        <a:solidFill>
+          <a:schemeClr val="accent3">
+            <a:hueOff val="0"/>
+            <a:satOff val="0"/>
+            <a:lumOff val="0"/>
+            <a:alphaOff val="0"/>
+          </a:schemeClr>
+        </a:solidFill>
+        <a:ln w="15875" cap="flat" cmpd="sng" algn="ctr">
+          <a:solidFill>
+            <a:schemeClr val="lt1">
+              <a:hueOff val="0"/>
+              <a:satOff val="0"/>
+              <a:lumOff val="0"/>
+              <a:alphaOff val="0"/>
+            </a:schemeClr>
+          </a:solidFill>
+          <a:prstDash val="solid"/>
+        </a:ln>
+        <a:effectLst/>
+      </dsp:spPr>
+      <dsp:style>
+        <a:lnRef idx="2">
+          <a:scrgbClr r="0" g="0" b="0"/>
+        </a:lnRef>
+        <a:fillRef idx="1">
+          <a:scrgbClr r="0" g="0" b="0"/>
+        </a:fillRef>
+        <a:effectRef idx="0">
+          <a:scrgbClr r="0" g="0" b="0"/>
+        </a:effectRef>
+        <a:fontRef idx="minor">
+          <a:schemeClr val="lt1"/>
+        </a:fontRef>
+      </dsp:style>
+      <dsp:txBody>
+        <a:bodyPr spcFirstLastPara="0" vert="horz" wrap="square" lIns="106680" tIns="106680" rIns="106680" bIns="106680" numCol="1" spcCol="1270" anchor="ctr" anchorCtr="0">
+          <a:noAutofit/>
+        </a:bodyPr>
+        <a:lstStyle/>
+        <a:p>
+          <a:pPr marL="0" lvl="0" indent="0" algn="ctr" defTabSz="1244600">
+            <a:lnSpc>
+              <a:spcPct val="90000"/>
+            </a:lnSpc>
+            <a:spcBef>
+              <a:spcPct val="0"/>
+            </a:spcBef>
+            <a:spcAft>
+              <a:spcPct val="35000"/>
+            </a:spcAft>
+            <a:buNone/>
+          </a:pPr>
+          <a:r>
+            <a:rPr lang="en-US" sz="2800" kern="1200" dirty="0"/>
+            <a:t>Coding</a:t>
+          </a:r>
+        </a:p>
+      </dsp:txBody>
+      <dsp:txXfrm>
+        <a:off x="1389324" y="1607364"/>
+        <a:ext cx="2018834" cy="1181884"/>
+      </dsp:txXfrm>
+    </dsp:sp>
+    <dsp:sp modelId="{39605732-2281-41EE-9631-6A4AC7624909}">
+      <dsp:nvSpPr>
+        <dsp:cNvPr id="0" name=""/>
+        <dsp:cNvSpPr/>
+      </dsp:nvSpPr>
+      <dsp:spPr>
+        <a:xfrm>
+          <a:off x="1778297" y="3352747"/>
+          <a:ext cx="2775589" cy="188313"/>
+        </a:xfrm>
+        <a:prstGeom prst="rect">
+          <a:avLst/>
+        </a:prstGeom>
+        <a:solidFill>
+          <a:schemeClr val="accent4">
+            <a:hueOff val="0"/>
+            <a:satOff val="0"/>
+            <a:lumOff val="0"/>
+            <a:alphaOff val="0"/>
+          </a:schemeClr>
+        </a:solidFill>
+        <a:ln>
+          <a:noFill/>
+        </a:ln>
+        <a:effectLst/>
+      </dsp:spPr>
+      <dsp:style>
+        <a:lnRef idx="0">
+          <a:scrgbClr r="0" g="0" b="0"/>
+        </a:lnRef>
+        <a:fillRef idx="1">
+          <a:scrgbClr r="0" g="0" b="0"/>
+        </a:fillRef>
+        <a:effectRef idx="0">
+          <a:scrgbClr r="0" g="0" b="0"/>
+        </a:effectRef>
+        <a:fontRef idx="minor">
+          <a:schemeClr val="lt1"/>
+        </a:fontRef>
+      </dsp:style>
+    </dsp:sp>
+    <dsp:sp modelId="{16963EF5-C105-4ADC-A64F-78964A461B6F}">
+      <dsp:nvSpPr>
+        <dsp:cNvPr id="0" name=""/>
+        <dsp:cNvSpPr/>
+      </dsp:nvSpPr>
+      <dsp:spPr>
+        <a:xfrm>
+          <a:off x="1352554" y="3139875"/>
+          <a:ext cx="2092374" cy="1255424"/>
+        </a:xfrm>
+        <a:prstGeom prst="roundRect">
+          <a:avLst>
+            <a:gd name="adj" fmla="val 10000"/>
+          </a:avLst>
+        </a:prstGeom>
+        <a:solidFill>
+          <a:schemeClr val="accent4">
+            <a:hueOff val="0"/>
+            <a:satOff val="0"/>
+            <a:lumOff val="0"/>
+            <a:alphaOff val="0"/>
+          </a:schemeClr>
+        </a:solidFill>
+        <a:ln w="15875" cap="flat" cmpd="sng" algn="ctr">
+          <a:solidFill>
+            <a:schemeClr val="lt1">
+              <a:hueOff val="0"/>
+              <a:satOff val="0"/>
+              <a:lumOff val="0"/>
+              <a:alphaOff val="0"/>
+            </a:schemeClr>
+          </a:solidFill>
+          <a:prstDash val="solid"/>
+        </a:ln>
+        <a:effectLst/>
+      </dsp:spPr>
+      <dsp:style>
+        <a:lnRef idx="2">
+          <a:scrgbClr r="0" g="0" b="0"/>
+        </a:lnRef>
+        <a:fillRef idx="1">
+          <a:scrgbClr r="0" g="0" b="0"/>
+        </a:fillRef>
+        <a:effectRef idx="0">
+          <a:scrgbClr r="0" g="0" b="0"/>
+        </a:effectRef>
+        <a:fontRef idx="minor">
+          <a:schemeClr val="lt1"/>
+        </a:fontRef>
+      </dsp:style>
+      <dsp:txBody>
+        <a:bodyPr spcFirstLastPara="0" vert="horz" wrap="square" lIns="106680" tIns="106680" rIns="106680" bIns="106680" numCol="1" spcCol="1270" anchor="ctr" anchorCtr="0">
+          <a:noAutofit/>
+        </a:bodyPr>
+        <a:lstStyle/>
+        <a:p>
+          <a:pPr marL="0" lvl="0" indent="0" algn="ctr" defTabSz="1244600">
+            <a:lnSpc>
+              <a:spcPct val="90000"/>
+            </a:lnSpc>
+            <a:spcBef>
+              <a:spcPct val="0"/>
+            </a:spcBef>
+            <a:spcAft>
+              <a:spcPct val="35000"/>
+            </a:spcAft>
+            <a:buNone/>
+          </a:pPr>
+          <a:r>
+            <a:rPr lang="en-US" sz="2800" kern="1200" dirty="0"/>
+            <a:t>Committing</a:t>
+          </a:r>
+        </a:p>
+      </dsp:txBody>
+      <dsp:txXfrm>
+        <a:off x="1389324" y="3176645"/>
+        <a:ext cx="2018834" cy="1181884"/>
+      </dsp:txXfrm>
+    </dsp:sp>
+    <dsp:sp modelId="{3C6E0598-1299-49C8-8714-8796F94C17BA}">
+      <dsp:nvSpPr>
+        <dsp:cNvPr id="0" name=""/>
+        <dsp:cNvSpPr/>
+      </dsp:nvSpPr>
+      <dsp:spPr>
+        <a:xfrm rot="16200000">
+          <a:off x="3776515" y="2568106"/>
+          <a:ext cx="1562012" cy="188313"/>
+        </a:xfrm>
+        <a:prstGeom prst="rect">
+          <a:avLst/>
+        </a:prstGeom>
+        <a:solidFill>
+          <a:schemeClr val="accent5">
+            <a:hueOff val="0"/>
+            <a:satOff val="0"/>
+            <a:lumOff val="0"/>
+            <a:alphaOff val="0"/>
+          </a:schemeClr>
+        </a:solidFill>
+        <a:ln>
+          <a:noFill/>
+        </a:ln>
+        <a:effectLst/>
+      </dsp:spPr>
+      <dsp:style>
+        <a:lnRef idx="0">
+          <a:scrgbClr r="0" g="0" b="0"/>
+        </a:lnRef>
+        <a:fillRef idx="1">
+          <a:scrgbClr r="0" g="0" b="0"/>
+        </a:fillRef>
+        <a:effectRef idx="0">
+          <a:scrgbClr r="0" g="0" b="0"/>
+        </a:effectRef>
+        <a:fontRef idx="minor">
+          <a:schemeClr val="lt1"/>
+        </a:fontRef>
+      </dsp:style>
+    </dsp:sp>
+    <dsp:sp modelId="{2D3CB2F4-05FD-4B2A-BD50-C922F5D27D82}">
+      <dsp:nvSpPr>
+        <dsp:cNvPr id="0" name=""/>
+        <dsp:cNvSpPr/>
+      </dsp:nvSpPr>
+      <dsp:spPr>
+        <a:xfrm>
+          <a:off x="4135412" y="3139875"/>
+          <a:ext cx="2092374" cy="1255424"/>
+        </a:xfrm>
+        <a:prstGeom prst="roundRect">
+          <a:avLst>
+            <a:gd name="adj" fmla="val 10000"/>
+          </a:avLst>
+        </a:prstGeom>
+        <a:solidFill>
+          <a:schemeClr val="accent5">
+            <a:hueOff val="0"/>
+            <a:satOff val="0"/>
+            <a:lumOff val="0"/>
+            <a:alphaOff val="0"/>
+          </a:schemeClr>
+        </a:solidFill>
+        <a:ln w="15875" cap="flat" cmpd="sng" algn="ctr">
+          <a:solidFill>
+            <a:schemeClr val="lt1">
+              <a:hueOff val="0"/>
+              <a:satOff val="0"/>
+              <a:lumOff val="0"/>
+              <a:alphaOff val="0"/>
+            </a:schemeClr>
+          </a:solidFill>
+          <a:prstDash val="solid"/>
+        </a:ln>
+        <a:effectLst/>
+      </dsp:spPr>
+      <dsp:style>
+        <a:lnRef idx="2">
+          <a:scrgbClr r="0" g="0" b="0"/>
+        </a:lnRef>
+        <a:fillRef idx="1">
+          <a:scrgbClr r="0" g="0" b="0"/>
+        </a:fillRef>
+        <a:effectRef idx="0">
+          <a:scrgbClr r="0" g="0" b="0"/>
+        </a:effectRef>
+        <a:fontRef idx="minor">
+          <a:schemeClr val="lt1"/>
+        </a:fontRef>
+      </dsp:style>
+      <dsp:txBody>
+        <a:bodyPr spcFirstLastPara="0" vert="horz" wrap="square" lIns="106680" tIns="106680" rIns="106680" bIns="106680" numCol="1" spcCol="1270" anchor="ctr" anchorCtr="0">
+          <a:noAutofit/>
+        </a:bodyPr>
+        <a:lstStyle/>
+        <a:p>
+          <a:pPr marL="0" lvl="0" indent="0" algn="ctr" defTabSz="1244600">
+            <a:lnSpc>
+              <a:spcPct val="90000"/>
+            </a:lnSpc>
+            <a:spcBef>
+              <a:spcPct val="0"/>
+            </a:spcBef>
+            <a:spcAft>
+              <a:spcPct val="35000"/>
+            </a:spcAft>
+            <a:buNone/>
+          </a:pPr>
+          <a:r>
+            <a:rPr lang="en-US" sz="2800" kern="1200" dirty="0"/>
+            <a:t>Testing</a:t>
+          </a:r>
+        </a:p>
+      </dsp:txBody>
+      <dsp:txXfrm>
+        <a:off x="4172182" y="3176645"/>
+        <a:ext cx="2018834" cy="1181884"/>
+      </dsp:txXfrm>
+    </dsp:sp>
+    <dsp:sp modelId="{98AFA541-795B-4073-B240-C28D3F96C3D3}">
+      <dsp:nvSpPr>
+        <dsp:cNvPr id="0" name=""/>
+        <dsp:cNvSpPr/>
+      </dsp:nvSpPr>
+      <dsp:spPr>
+        <a:xfrm rot="16200000">
+          <a:off x="3776515" y="998825"/>
+          <a:ext cx="1562012" cy="188313"/>
+        </a:xfrm>
+        <a:prstGeom prst="rect">
+          <a:avLst/>
+        </a:prstGeom>
+        <a:solidFill>
+          <a:schemeClr val="accent6">
+            <a:hueOff val="0"/>
+            <a:satOff val="0"/>
+            <a:lumOff val="0"/>
+            <a:alphaOff val="0"/>
+          </a:schemeClr>
+        </a:solidFill>
+        <a:ln>
+          <a:noFill/>
+        </a:ln>
+        <a:effectLst/>
+      </dsp:spPr>
+      <dsp:style>
+        <a:lnRef idx="0">
+          <a:scrgbClr r="0" g="0" b="0"/>
+        </a:lnRef>
+        <a:fillRef idx="1">
+          <a:scrgbClr r="0" g="0" b="0"/>
+        </a:fillRef>
+        <a:effectRef idx="0">
+          <a:scrgbClr r="0" g="0" b="0"/>
+        </a:effectRef>
+        <a:fontRef idx="minor">
+          <a:schemeClr val="lt1"/>
+        </a:fontRef>
+      </dsp:style>
+    </dsp:sp>
+    <dsp:sp modelId="{7B61430D-449D-44E6-B4DB-C6F42F07D6E3}">
+      <dsp:nvSpPr>
+        <dsp:cNvPr id="0" name=""/>
+        <dsp:cNvSpPr/>
+      </dsp:nvSpPr>
+      <dsp:spPr>
+        <a:xfrm>
+          <a:off x="4135412" y="1570594"/>
+          <a:ext cx="2092374" cy="1255424"/>
+        </a:xfrm>
+        <a:prstGeom prst="roundRect">
+          <a:avLst>
+            <a:gd name="adj" fmla="val 10000"/>
+          </a:avLst>
+        </a:prstGeom>
+        <a:solidFill>
+          <a:schemeClr val="accent6">
+            <a:hueOff val="0"/>
+            <a:satOff val="0"/>
+            <a:lumOff val="0"/>
+            <a:alphaOff val="0"/>
+          </a:schemeClr>
+        </a:solidFill>
+        <a:ln w="15875" cap="flat" cmpd="sng" algn="ctr">
+          <a:solidFill>
+            <a:schemeClr val="lt1">
+              <a:hueOff val="0"/>
+              <a:satOff val="0"/>
+              <a:lumOff val="0"/>
+              <a:alphaOff val="0"/>
+            </a:schemeClr>
+          </a:solidFill>
+          <a:prstDash val="solid"/>
+        </a:ln>
+        <a:effectLst/>
+      </dsp:spPr>
+      <dsp:style>
+        <a:lnRef idx="2">
+          <a:scrgbClr r="0" g="0" b="0"/>
+        </a:lnRef>
+        <a:fillRef idx="1">
+          <a:scrgbClr r="0" g="0" b="0"/>
+        </a:fillRef>
+        <a:effectRef idx="0">
+          <a:scrgbClr r="0" g="0" b="0"/>
+        </a:effectRef>
+        <a:fontRef idx="minor">
+          <a:schemeClr val="lt1"/>
+        </a:fontRef>
+      </dsp:style>
+      <dsp:txBody>
+        <a:bodyPr spcFirstLastPara="0" vert="horz" wrap="square" lIns="106680" tIns="106680" rIns="106680" bIns="106680" numCol="1" spcCol="1270" anchor="ctr" anchorCtr="0">
+          <a:noAutofit/>
+        </a:bodyPr>
+        <a:lstStyle/>
+        <a:p>
+          <a:pPr marL="0" lvl="0" indent="0" algn="ctr" defTabSz="1244600">
+            <a:lnSpc>
+              <a:spcPct val="90000"/>
+            </a:lnSpc>
+            <a:spcBef>
+              <a:spcPct val="0"/>
+            </a:spcBef>
+            <a:spcAft>
+              <a:spcPct val="35000"/>
+            </a:spcAft>
+            <a:buNone/>
+          </a:pPr>
+          <a:r>
+            <a:rPr lang="en-US" sz="2800" kern="1200" dirty="0"/>
+            <a:t>Merging</a:t>
+          </a:r>
+        </a:p>
+      </dsp:txBody>
+      <dsp:txXfrm>
+        <a:off x="4172182" y="1607364"/>
+        <a:ext cx="2018834" cy="1181884"/>
+      </dsp:txXfrm>
+    </dsp:sp>
+    <dsp:sp modelId="{1604C8E5-4A6E-4F65-873E-5B7B2D567A7E}">
+      <dsp:nvSpPr>
+        <dsp:cNvPr id="0" name=""/>
+        <dsp:cNvSpPr/>
+      </dsp:nvSpPr>
+      <dsp:spPr>
+        <a:xfrm>
+          <a:off x="4561156" y="214185"/>
+          <a:ext cx="2775589" cy="188313"/>
+        </a:xfrm>
+        <a:prstGeom prst="rect">
+          <a:avLst/>
+        </a:prstGeom>
+        <a:solidFill>
+          <a:schemeClr val="accent2">
+            <a:hueOff val="0"/>
+            <a:satOff val="0"/>
+            <a:lumOff val="0"/>
+            <a:alphaOff val="0"/>
+          </a:schemeClr>
+        </a:solidFill>
+        <a:ln>
+          <a:noFill/>
+        </a:ln>
+        <a:effectLst/>
+      </dsp:spPr>
+      <dsp:style>
+        <a:lnRef idx="0">
+          <a:scrgbClr r="0" g="0" b="0"/>
+        </a:lnRef>
+        <a:fillRef idx="1">
+          <a:scrgbClr r="0" g="0" b="0"/>
+        </a:fillRef>
+        <a:effectRef idx="0">
+          <a:scrgbClr r="0" g="0" b="0"/>
+        </a:effectRef>
+        <a:fontRef idx="minor">
+          <a:schemeClr val="lt1"/>
+        </a:fontRef>
+      </dsp:style>
+    </dsp:sp>
+    <dsp:sp modelId="{38C19F4E-E410-4EA3-A43A-5741C0F697DB}">
+      <dsp:nvSpPr>
+        <dsp:cNvPr id="0" name=""/>
+        <dsp:cNvSpPr/>
+      </dsp:nvSpPr>
+      <dsp:spPr>
+        <a:xfrm>
+          <a:off x="4135412" y="1313"/>
+          <a:ext cx="2092374" cy="1255424"/>
+        </a:xfrm>
+        <a:prstGeom prst="roundRect">
+          <a:avLst>
+            <a:gd name="adj" fmla="val 10000"/>
+          </a:avLst>
+        </a:prstGeom>
+        <a:solidFill>
+          <a:schemeClr val="accent2">
+            <a:hueOff val="0"/>
+            <a:satOff val="0"/>
+            <a:lumOff val="0"/>
+            <a:alphaOff val="0"/>
+          </a:schemeClr>
+        </a:solidFill>
+        <a:ln w="15875" cap="flat" cmpd="sng" algn="ctr">
+          <a:solidFill>
+            <a:schemeClr val="lt1">
+              <a:hueOff val="0"/>
+              <a:satOff val="0"/>
+              <a:lumOff val="0"/>
+              <a:alphaOff val="0"/>
+            </a:schemeClr>
+          </a:solidFill>
+          <a:prstDash val="solid"/>
+        </a:ln>
+        <a:effectLst/>
+      </dsp:spPr>
+      <dsp:style>
+        <a:lnRef idx="2">
+          <a:scrgbClr r="0" g="0" b="0"/>
+        </a:lnRef>
+        <a:fillRef idx="1">
+          <a:scrgbClr r="0" g="0" b="0"/>
+        </a:fillRef>
+        <a:effectRef idx="0">
+          <a:scrgbClr r="0" g="0" b="0"/>
+        </a:effectRef>
+        <a:fontRef idx="minor">
+          <a:schemeClr val="lt1"/>
+        </a:fontRef>
+      </dsp:style>
+      <dsp:txBody>
+        <a:bodyPr spcFirstLastPara="0" vert="horz" wrap="square" lIns="106680" tIns="106680" rIns="106680" bIns="106680" numCol="1" spcCol="1270" anchor="ctr" anchorCtr="0">
+          <a:noAutofit/>
+        </a:bodyPr>
+        <a:lstStyle/>
+        <a:p>
+          <a:pPr marL="0" lvl="0" indent="0" algn="ctr" defTabSz="1244600">
+            <a:lnSpc>
+              <a:spcPct val="90000"/>
+            </a:lnSpc>
+            <a:spcBef>
+              <a:spcPct val="0"/>
+            </a:spcBef>
+            <a:spcAft>
+              <a:spcPct val="35000"/>
+            </a:spcAft>
+            <a:buNone/>
+          </a:pPr>
+          <a:r>
+            <a:rPr lang="en-US" sz="2800" kern="1200" dirty="0"/>
+            <a:t>Deploying</a:t>
+          </a:r>
+        </a:p>
+      </dsp:txBody>
+      <dsp:txXfrm>
+        <a:off x="4172182" y="38083"/>
+        <a:ext cx="2018834" cy="1181884"/>
+      </dsp:txXfrm>
+    </dsp:sp>
+    <dsp:sp modelId="{E4D208BB-70BC-4392-8590-60592F2042A0}">
+      <dsp:nvSpPr>
+        <dsp:cNvPr id="0" name=""/>
+        <dsp:cNvSpPr/>
+      </dsp:nvSpPr>
+      <dsp:spPr>
+        <a:xfrm rot="5400000">
+          <a:off x="6559373" y="998825"/>
+          <a:ext cx="1562012" cy="188313"/>
+        </a:xfrm>
+        <a:prstGeom prst="rect">
+          <a:avLst/>
+        </a:prstGeom>
+        <a:solidFill>
+          <a:schemeClr val="accent3">
+            <a:hueOff val="0"/>
+            <a:satOff val="0"/>
+            <a:lumOff val="0"/>
+            <a:alphaOff val="0"/>
+          </a:schemeClr>
+        </a:solidFill>
+        <a:ln>
+          <a:noFill/>
+        </a:ln>
+        <a:effectLst/>
+      </dsp:spPr>
+      <dsp:style>
+        <a:lnRef idx="0">
+          <a:scrgbClr r="0" g="0" b="0"/>
+        </a:lnRef>
+        <a:fillRef idx="1">
+          <a:scrgbClr r="0" g="0" b="0"/>
+        </a:fillRef>
+        <a:effectRef idx="0">
+          <a:scrgbClr r="0" g="0" b="0"/>
+        </a:effectRef>
+        <a:fontRef idx="minor">
+          <a:schemeClr val="lt1"/>
+        </a:fontRef>
+      </dsp:style>
+    </dsp:sp>
+    <dsp:sp modelId="{CD9E3655-85D7-4406-BE09-C6482321B881}">
+      <dsp:nvSpPr>
+        <dsp:cNvPr id="0" name=""/>
+        <dsp:cNvSpPr/>
+      </dsp:nvSpPr>
+      <dsp:spPr>
+        <a:xfrm>
+          <a:off x="6918270" y="1313"/>
+          <a:ext cx="2092374" cy="1255424"/>
+        </a:xfrm>
+        <a:prstGeom prst="roundRect">
+          <a:avLst>
+            <a:gd name="adj" fmla="val 10000"/>
+          </a:avLst>
+        </a:prstGeom>
+        <a:solidFill>
+          <a:schemeClr val="accent3">
+            <a:hueOff val="0"/>
+            <a:satOff val="0"/>
+            <a:lumOff val="0"/>
+            <a:alphaOff val="0"/>
+          </a:schemeClr>
+        </a:solidFill>
+        <a:ln w="15875" cap="flat" cmpd="sng" algn="ctr">
+          <a:solidFill>
+            <a:schemeClr val="lt1">
+              <a:hueOff val="0"/>
+              <a:satOff val="0"/>
+              <a:lumOff val="0"/>
+              <a:alphaOff val="0"/>
+            </a:schemeClr>
+          </a:solidFill>
+          <a:prstDash val="solid"/>
+        </a:ln>
+        <a:effectLst/>
+      </dsp:spPr>
+      <dsp:style>
+        <a:lnRef idx="2">
+          <a:scrgbClr r="0" g="0" b="0"/>
+        </a:lnRef>
+        <a:fillRef idx="1">
+          <a:scrgbClr r="0" g="0" b="0"/>
+        </a:fillRef>
+        <a:effectRef idx="0">
+          <a:scrgbClr r="0" g="0" b="0"/>
+        </a:effectRef>
+        <a:fontRef idx="minor">
+          <a:schemeClr val="lt1"/>
+        </a:fontRef>
+      </dsp:style>
+      <dsp:txBody>
+        <a:bodyPr spcFirstLastPara="0" vert="horz" wrap="square" lIns="106680" tIns="106680" rIns="106680" bIns="106680" numCol="1" spcCol="1270" anchor="ctr" anchorCtr="0">
+          <a:noAutofit/>
+        </a:bodyPr>
+        <a:lstStyle/>
+        <a:p>
+          <a:pPr marL="0" lvl="0" indent="0" algn="ctr" defTabSz="1244600">
+            <a:lnSpc>
+              <a:spcPct val="90000"/>
+            </a:lnSpc>
+            <a:spcBef>
+              <a:spcPct val="0"/>
+            </a:spcBef>
+            <a:spcAft>
+              <a:spcPct val="35000"/>
+            </a:spcAft>
+            <a:buNone/>
+          </a:pPr>
+          <a:r>
+            <a:rPr lang="en-US" sz="2800" kern="1200" dirty="0"/>
+            <a:t>Analyzing</a:t>
+          </a:r>
+        </a:p>
+      </dsp:txBody>
+      <dsp:txXfrm>
+        <a:off x="6955040" y="38083"/>
+        <a:ext cx="2018834" cy="1181884"/>
+      </dsp:txXfrm>
+    </dsp:sp>
+    <dsp:sp modelId="{23150D30-3853-4C7F-AB76-01E464D94216}">
+      <dsp:nvSpPr>
+        <dsp:cNvPr id="0" name=""/>
+        <dsp:cNvSpPr/>
+      </dsp:nvSpPr>
+      <dsp:spPr>
+        <a:xfrm rot="5400000">
+          <a:off x="6559373" y="2568106"/>
+          <a:ext cx="1562012" cy="188313"/>
+        </a:xfrm>
+        <a:prstGeom prst="rect">
+          <a:avLst/>
+        </a:prstGeom>
+        <a:solidFill>
+          <a:schemeClr val="accent4">
+            <a:hueOff val="0"/>
+            <a:satOff val="0"/>
+            <a:lumOff val="0"/>
+            <a:alphaOff val="0"/>
+          </a:schemeClr>
+        </a:solidFill>
+        <a:ln>
+          <a:noFill/>
+        </a:ln>
+        <a:effectLst/>
+      </dsp:spPr>
+      <dsp:style>
+        <a:lnRef idx="0">
+          <a:scrgbClr r="0" g="0" b="0"/>
+        </a:lnRef>
+        <a:fillRef idx="1">
+          <a:scrgbClr r="0" g="0" b="0"/>
+        </a:fillRef>
+        <a:effectRef idx="0">
+          <a:scrgbClr r="0" g="0" b="0"/>
+        </a:effectRef>
+        <a:fontRef idx="minor">
+          <a:schemeClr val="lt1"/>
+        </a:fontRef>
+      </dsp:style>
+    </dsp:sp>
+    <dsp:sp modelId="{DAA5FA39-2995-4C1E-A34B-F3DCA251D47B}">
+      <dsp:nvSpPr>
+        <dsp:cNvPr id="0" name=""/>
+        <dsp:cNvSpPr/>
+      </dsp:nvSpPr>
+      <dsp:spPr>
+        <a:xfrm>
+          <a:off x="6918270" y="1570594"/>
+          <a:ext cx="2092374" cy="1255424"/>
+        </a:xfrm>
+        <a:prstGeom prst="roundRect">
+          <a:avLst>
+            <a:gd name="adj" fmla="val 10000"/>
+          </a:avLst>
+        </a:prstGeom>
+        <a:solidFill>
+          <a:schemeClr val="accent4">
+            <a:hueOff val="0"/>
+            <a:satOff val="0"/>
+            <a:lumOff val="0"/>
+            <a:alphaOff val="0"/>
+          </a:schemeClr>
+        </a:solidFill>
+        <a:ln w="15875" cap="flat" cmpd="sng" algn="ctr">
+          <a:solidFill>
+            <a:schemeClr val="lt1">
+              <a:hueOff val="0"/>
+              <a:satOff val="0"/>
+              <a:lumOff val="0"/>
+              <a:alphaOff val="0"/>
+            </a:schemeClr>
+          </a:solidFill>
+          <a:prstDash val="solid"/>
+        </a:ln>
+        <a:effectLst/>
+      </dsp:spPr>
+      <dsp:style>
+        <a:lnRef idx="2">
+          <a:scrgbClr r="0" g="0" b="0"/>
+        </a:lnRef>
+        <a:fillRef idx="1">
+          <a:scrgbClr r="0" g="0" b="0"/>
+        </a:fillRef>
+        <a:effectRef idx="0">
+          <a:scrgbClr r="0" g="0" b="0"/>
+        </a:effectRef>
+        <a:fontRef idx="minor">
+          <a:schemeClr val="lt1"/>
+        </a:fontRef>
+      </dsp:style>
+      <dsp:txBody>
+        <a:bodyPr spcFirstLastPara="0" vert="horz" wrap="square" lIns="106680" tIns="106680" rIns="106680" bIns="106680" numCol="1" spcCol="1270" anchor="ctr" anchorCtr="0">
+          <a:noAutofit/>
+        </a:bodyPr>
+        <a:lstStyle/>
+        <a:p>
+          <a:pPr marL="0" lvl="0" indent="0" algn="ctr" defTabSz="1244600">
+            <a:lnSpc>
+              <a:spcPct val="90000"/>
+            </a:lnSpc>
+            <a:spcBef>
+              <a:spcPct val="0"/>
+            </a:spcBef>
+            <a:spcAft>
+              <a:spcPct val="35000"/>
+            </a:spcAft>
+            <a:buNone/>
+          </a:pPr>
+          <a:r>
+            <a:rPr lang="en-US" sz="2800" kern="1200" dirty="0"/>
+            <a:t>Documenting</a:t>
+          </a:r>
+        </a:p>
+      </dsp:txBody>
+      <dsp:txXfrm>
+        <a:off x="6955040" y="1607364"/>
+        <a:ext cx="2018834" cy="1181884"/>
+      </dsp:txXfrm>
+    </dsp:sp>
+    <dsp:sp modelId="{991E6419-726A-4E75-AC8C-7DCCC581CCAC}">
+      <dsp:nvSpPr>
+        <dsp:cNvPr id="0" name=""/>
+        <dsp:cNvSpPr/>
+      </dsp:nvSpPr>
+      <dsp:spPr>
+        <a:xfrm>
+          <a:off x="6918270" y="3139875"/>
+          <a:ext cx="2092374" cy="1255424"/>
+        </a:xfrm>
+        <a:prstGeom prst="roundRect">
+          <a:avLst>
+            <a:gd name="adj" fmla="val 10000"/>
+          </a:avLst>
+        </a:prstGeom>
+        <a:solidFill>
+          <a:schemeClr val="accent5">
+            <a:hueOff val="0"/>
+            <a:satOff val="0"/>
+            <a:lumOff val="0"/>
+            <a:alphaOff val="0"/>
+          </a:schemeClr>
+        </a:solidFill>
+        <a:ln w="15875" cap="flat" cmpd="sng" algn="ctr">
+          <a:solidFill>
+            <a:schemeClr val="lt1">
+              <a:hueOff val="0"/>
+              <a:satOff val="0"/>
+              <a:lumOff val="0"/>
+              <a:alphaOff val="0"/>
+            </a:schemeClr>
+          </a:solidFill>
+          <a:prstDash val="solid"/>
+        </a:ln>
+        <a:effectLst/>
+      </dsp:spPr>
+      <dsp:style>
+        <a:lnRef idx="2">
+          <a:scrgbClr r="0" g="0" b="0"/>
+        </a:lnRef>
+        <a:fillRef idx="1">
+          <a:scrgbClr r="0" g="0" b="0"/>
+        </a:fillRef>
+        <a:effectRef idx="0">
+          <a:scrgbClr r="0" g="0" b="0"/>
+        </a:effectRef>
+        <a:fontRef idx="minor">
+          <a:schemeClr val="lt1"/>
+        </a:fontRef>
+      </dsp:style>
+      <dsp:txBody>
+        <a:bodyPr spcFirstLastPara="0" vert="horz" wrap="square" lIns="106680" tIns="106680" rIns="106680" bIns="106680" numCol="1" spcCol="1270" anchor="ctr" anchorCtr="0">
+          <a:noAutofit/>
+        </a:bodyPr>
+        <a:lstStyle/>
+        <a:p>
+          <a:pPr marL="0" lvl="0" indent="0" algn="ctr" defTabSz="1244600">
+            <a:lnSpc>
+              <a:spcPct val="90000"/>
+            </a:lnSpc>
+            <a:spcBef>
+              <a:spcPct val="0"/>
+            </a:spcBef>
+            <a:spcAft>
+              <a:spcPct val="35000"/>
+            </a:spcAft>
+            <a:buNone/>
+          </a:pPr>
+          <a:r>
+            <a:rPr lang="en-US" sz="2800" kern="1200" dirty="0"/>
+            <a:t>Reporting</a:t>
+          </a:r>
+        </a:p>
+      </dsp:txBody>
+      <dsp:txXfrm>
+        <a:off x="6955040" y="3176645"/>
+        <a:ext cx="2018834" cy="1181884"/>
+      </dsp:txXfrm>
+    </dsp:sp>
+  </dsp:spTree>
+</dsp:drawing>
+</file>
+
+<file path=ppt/diagrams/layout1.xml><?xml version="1.0" encoding="utf-8"?>
+<dgm:layoutDef xmlns:dgm="http://schemas.openxmlformats.org/drawingml/2006/diagram" xmlns:a="http://schemas.openxmlformats.org/drawingml/2006/main" uniqueId="urn:microsoft.com/office/officeart/2005/8/layout/bProcess4">
+  <dgm:title val=""/>
+  <dgm:desc val=""/>
+  <dgm:catLst>
+    <dgm:cat type="process" pri="19000"/>
+  </dgm:catLst>
+  <dgm:sampData>
+    <dgm:dataModel>
+      <dgm:ptLst>
+        <dgm:pt modelId="0" type="doc"/>
+        <dgm:pt modelId="1">
+          <dgm:prSet phldr="1"/>
+        </dgm:pt>
+        <dgm:pt modelId="2">
+          <dgm:prSet phldr="1"/>
+        </dgm:pt>
+        <dgm:pt modelId="3">
+          <dgm:prSet phldr="1"/>
+        </dgm:pt>
+        <dgm:pt modelId="4">
+          <dgm:prSet phldr="1"/>
+        </dgm:pt>
+        <dgm:pt modelId="5">
+          <dgm:prSet phldr="1"/>
+        </dgm:pt>
+        <dgm:pt modelId="6">
+          <dgm:prSet phldr="1"/>
+        </dgm:pt>
+        <dgm:pt modelId="7">
+          <dgm:prSet phldr="1"/>
+        </dgm:pt>
+        <dgm:pt modelId="8">
+          <dgm:prSet phldr="1"/>
+        </dgm:pt>
+        <dgm:pt modelId="9">
+          <dgm:prSet phldr="1"/>
+        </dgm:pt>
+      </dgm:ptLst>
+      <dgm:cxnLst>
+        <dgm:cxn modelId="10" srcId="0" destId="1" srcOrd="0" destOrd="0"/>
+        <dgm:cxn modelId="11" srcId="0" destId="2" srcOrd="1" destOrd="0"/>
+        <dgm:cxn modelId="12" srcId="0" destId="3" srcOrd="2" destOrd="0"/>
+        <dgm:cxn modelId="13" srcId="0" destId="4" srcOrd="3" destOrd="0"/>
+        <dgm:cxn modelId="14" srcId="0" destId="5" srcOrd="4" destOrd="0"/>
+        <dgm:cxn modelId="15" srcId="0" destId="6" srcOrd="5" destOrd="0"/>
+        <dgm:cxn modelId="16" srcId="0" destId="7" srcOrd="6" destOrd="0"/>
+        <dgm:cxn modelId="17" srcId="0" destId="8" srcOrd="7" destOrd="0"/>
+        <dgm:cxn modelId="18" srcId="0" destId="9" srcOrd="8" destOrd="0"/>
+      </dgm:cxnLst>
+      <dgm:bg/>
+      <dgm:whole/>
+    </dgm:dataModel>
+  </dgm:sampData>
+  <dgm:styleData>
+    <dgm:dataModel>
+      <dgm:ptLst>
+        <dgm:pt modelId="0" type="doc"/>
+        <dgm:pt modelId="1"/>
+        <dgm:pt modelId="2"/>
+      </dgm:ptLst>
+      <dgm:cxnLst>
+        <dgm:cxn modelId="3" srcId="0" destId="1" srcOrd="0" destOrd="0"/>
+        <dgm:cxn modelId="4" srcId="0" destId="2" srcOrd="1" destOrd="0"/>
+      </dgm:cxnLst>
+      <dgm:bg/>
+      <dgm:whole/>
+    </dgm:dataModel>
+  </dgm:styleData>
+  <dgm:clrData>
+    <dgm:dataModel>
+      <dgm:ptLst>
+        <dgm:pt modelId="0" type="doc"/>
+        <dgm:pt modelId="1"/>
+        <dgm:pt modelId="2"/>
+        <dgm:pt modelId="3"/>
+        <dgm:pt modelId="4"/>
+        <dgm:pt modelId="5"/>
+        <dgm:pt modelId="6"/>
+      </dgm:ptLst>
+      <dgm:cxnLst>
+        <dgm:cxn modelId="7" srcId="0" destId="1" srcOrd="0" destOrd="0"/>
+        <dgm:cxn modelId="8" srcId="0" destId="2" srcOrd="1" destOrd="0"/>
+        <dgm:cxn modelId="9" srcId="0" destId="3" srcOrd="2" destOrd="0"/>
+        <dgm:cxn modelId="10" srcId="0" destId="4" srcOrd="3" destOrd="0"/>
+        <dgm:cxn modelId="11" srcId="0" destId="5" srcOrd="4" destOrd="0"/>
+        <dgm:cxn modelId="12" srcId="0" destId="6" srcOrd="5" destOrd="0"/>
+      </dgm:cxnLst>
+      <dgm:bg/>
+      <dgm:whole/>
+    </dgm:dataModel>
+  </dgm:clrData>
+  <dgm:layoutNode name="Name0">
+    <dgm:varLst>
+      <dgm:dir/>
+      <dgm:resizeHandles/>
+    </dgm:varLst>
+    <dgm:choose name="Name1">
+      <dgm:if name="Name2" func="var" arg="dir" op="equ" val="norm">
+        <dgm:alg type="snake">
+          <dgm:param type="grDir" val="tL"/>
+          <dgm:param type="flowDir" val="col"/>
+          <dgm:param type="contDir" val="revDir"/>
+          <dgm:param type="bkpt" val="bal"/>
+        </dgm:alg>
+      </dgm:if>
+      <dgm:else name="Name3">
+        <dgm:alg type="snake">
+          <dgm:param type="grDir" val="tR"/>
+          <dgm:param type="flowDir" val="col"/>
+          <dgm:param type="contDir" val="revDir"/>
+          <dgm:param type="bkpt" val="bal"/>
+        </dgm:alg>
+      </dgm:else>
+    </dgm:choose>
+    <dgm:shape xmlns:r="http://schemas.openxmlformats.org/officeDocument/2006/relationships" r:blip="">
+      <dgm:adjLst/>
+    </dgm:shape>
+    <dgm:presOf/>
+    <dgm:constrLst>
+      <dgm:constr type="w" for="ch" forName="compNode" refType="w"/>
+      <dgm:constr type="h" for="ch" forName="compNode" refType="w" fact="0.6"/>
+      <dgm:constr type="h" for="ch" forName="sibTrans" refType="h" refFor="ch" refForName="compNode" op="equ" fact="0.25"/>
+      <dgm:constr type="sp" refType="w" fact="0.33"/>
+      <dgm:constr type="primFontSz" for="des" forName="node" op="equ" val="65"/>
+    </dgm:constrLst>
+    <dgm:ruleLst/>
+    <dgm:forEach name="nodesForEach" axis="ch" ptType="node">
+      <dgm:layoutNode name="compNode">
+        <dgm:alg type="composite"/>
+        <dgm:shape xmlns:r="http://schemas.openxmlformats.org/officeDocument/2006/relationships" r:blip="">
+          <dgm:adjLst/>
+        </dgm:shape>
+        <dgm:presOf/>
+        <dgm:choose name="Name4">
+          <dgm:if name="Name5" axis="self" func="var" arg="dir" op="equ" val="norm">
+            <dgm:constrLst>
+              <dgm:constr type="l" for="ch" forName="dummyConnPt" refType="w" fact="0.2"/>
+              <dgm:constr type="t" for="ch" forName="dummyConnPt" refType="w" fact="0.145"/>
+              <dgm:constr type="l" for="ch" forName="node"/>
+              <dgm:constr type="t" for="ch" forName="node"/>
+              <dgm:constr type="h" for="ch" forName="node" refType="h"/>
+              <dgm:constr type="w" for="ch" forName="node" refType="w"/>
+            </dgm:constrLst>
+          </dgm:if>
+          <dgm:else name="Name6">
+            <dgm:constrLst>
+              <dgm:constr type="l" for="ch" forName="dummyConnPt" refType="w" fact="0.8"/>
+              <dgm:constr type="t" for="ch" forName="dummyConnPt" refType="w" fact="0.145"/>
+              <dgm:constr type="l" for="ch" forName="node"/>
+              <dgm:constr type="t" for="ch" forName="node"/>
+              <dgm:constr type="h" for="ch" forName="node" refType="h"/>
+              <dgm:constr type="w" for="ch" forName="node" refType="w"/>
+            </dgm:constrLst>
+          </dgm:else>
+        </dgm:choose>
+        <dgm:ruleLst/>
+        <dgm:layoutNode name="dummyConnPt" styleLbl="node1" moveWith="node">
+          <dgm:alg type="sp"/>
+          <dgm:shape xmlns:r="http://schemas.openxmlformats.org/officeDocument/2006/relationships" r:blip="">
+            <dgm:adjLst/>
+          </dgm:shape>
+          <dgm:presOf/>
+          <dgm:constrLst>
+            <dgm:constr type="w" val="1"/>
+            <dgm:constr type="h" val="1"/>
+          </dgm:constrLst>
+          <dgm:ruleLst/>
+        </dgm:layoutNode>
+        <dgm:layoutNode name="node">
+          <dgm:varLst>
+            <dgm:bulletEnabled val="1"/>
+          </dgm:varLst>
+          <dgm:alg type="tx"/>
+          <dgm:shape xmlns:r="http://schemas.openxmlformats.org/officeDocument/2006/relationships" type="roundRect" r:blip="">
+            <dgm:adjLst>
+              <dgm:adj idx="1" val="0.1"/>
+            </dgm:adjLst>
+          </dgm:shape>
+          <dgm:presOf axis="desOrSelf" ptType="node"/>
+          <dgm:constrLst>
+            <dgm:constr type="tMarg" refType="primFontSz" fact="0.3"/>
+            <dgm:constr type="bMarg" refType="primFontSz" fact="0.3"/>
+            <dgm:constr type="lMarg" refType="primFontSz" fact="0.3"/>
+            <dgm:constr type="rMarg" refType="primFontSz" fact="0.3"/>
+            <dgm:constr type="primFontSz" val="65"/>
+          </dgm:constrLst>
+          <dgm:ruleLst>
+            <dgm:rule type="primFontSz" val="5" fact="NaN" max="NaN"/>
+          </dgm:ruleLst>
+        </dgm:layoutNode>
+      </dgm:layoutNode>
+      <dgm:forEach name="sibTransForEach" axis="followSib" cnt="1">
+        <dgm:layoutNode name="sibTrans" styleLbl="bgSibTrans2D1">
+          <dgm:choose name="Name7">
+            <dgm:if name="Name8" axis="self" func="var" arg="dir" op="equ" val="norm">
+              <dgm:alg type="conn">
+                <dgm:param type="srcNode" val="dummyConnPt"/>
+                <dgm:param type="dstNode" val="dummyConnPt"/>
+                <dgm:param type="begPts" val="bCtr, midR, tCtr"/>
+                <dgm:param type="endPts" val="tCtr, midL, bCtr"/>
+                <dgm:param type="begSty" val="noArr"/>
+                <dgm:param type="endSty" val="noArr"/>
+              </dgm:alg>
+            </dgm:if>
+            <dgm:else name="Name9">
+              <dgm:alg type="conn">
+                <dgm:param type="srcNode" val="dummyConnPt"/>
+                <dgm:param type="dstNode" val="dummyConnPt"/>
+                <dgm:param type="begPts" val="bCtr, midL, tCtr"/>
+                <dgm:param type="endPts" val="tCtr, midR, bCtr"/>
+                <dgm:param type="begSty" val="noArr"/>
+                <dgm:param type="endSty" val="noArr"/>
+              </dgm:alg>
+            </dgm:else>
+          </dgm:choose>
+          <dgm:shape xmlns:r="http://schemas.openxmlformats.org/officeDocument/2006/relationships" type="conn" r:blip="" zOrderOff="-2">
+            <dgm:adjLst/>
+          </dgm:shape>
+          <dgm:presOf axis="self"/>
+          <dgm:constrLst>
+            <dgm:constr type="begPad"/>
+            <dgm:constr type="endPad"/>
+          </dgm:constrLst>
+          <dgm:ruleLst/>
+        </dgm:layoutNode>
+      </dgm:forEach>
+    </dgm:forEach>
+  </dgm:layoutNode>
+</dgm:layoutDef>
+</file>
+
+<file path=ppt/diagrams/quickStyle1.xml><?xml version="1.0" encoding="utf-8"?>
+<dgm:styleDef xmlns:dgm="http://schemas.openxmlformats.org/drawingml/2006/diagram" xmlns:a="http://schemas.openxmlformats.org/drawingml/2006/main" uniqueId="urn:microsoft.com/office/officeart/2005/8/quickstyle/simple1">
+  <dgm:title val=""/>
+  <dgm:desc val=""/>
+  <dgm:catLst>
+    <dgm:cat type="simple" pri="10100"/>
+  </dgm:catLst>
+  <dgm:scene3d>
+    <a:camera prst="orthographicFront"/>
+    <a:lightRig rig="threePt" dir="t"/>
+  </dgm:scene3d>
+  <dgm:styleLbl name="node0">
+    <dgm:scene3d>
+      <a:camera prst="orthographicFront"/>
+      <a:lightRig rig="threePt" dir="t"/>
+    </dgm:scene3d>
+    <dgm:sp3d/>
+    <dgm:txPr/>
+    <dgm:style>
+      <a:lnRef idx="2">
+        <a:scrgbClr r="0" g="0" b="0"/>
+      </a:lnRef>
+      <a:fillRef idx="1">
+        <a:scrgbClr r="0" g="0" b="0"/>
+      </a:fillRef>
+      <a:effectRef idx="0">
+        <a:scrgbClr r="0" g="0" b="0"/>
+      </a:effectRef>
+      <a:fontRef idx="minor">
+        <a:schemeClr val="lt1"/>
+      </a:fontRef>
+    </dgm:style>
+  </dgm:styleLbl>
+  <dgm:styleLbl name="lnNode1">
+    <dgm:scene3d>
+      <a:camera prst="orthographicFront"/>
+      <a:lightRig rig="threePt" dir="t"/>
+    </dgm:scene3d>
+    <dgm:sp3d/>
+    <dgm:txPr/>
+    <dgm:style>
+      <a:lnRef idx="2">
+        <a:scrgbClr r="0" g="0" b="0"/>
+      </a:lnRef>
+      <a:fillRef idx="1">
+        <a:scrgbClr r="0" g="0" b="0"/>
+      </a:fillRef>
+      <a:effectRef idx="0">
+        <a:scrgbClr r="0" g="0" b="0"/>
+      </a:effectRef>
+      <a:fontRef idx="minor">
+        <a:schemeClr val="lt1"/>
+      </a:fontRef>
+    </dgm:style>
+  </dgm:styleLbl>
+  <dgm:styleLbl name="vennNode1">
+    <dgm:scene3d>
+      <a:camera prst="orthographicFront"/>
+      <a:lightRig rig="threePt" dir="t"/>
+    </dgm:scene3d>
+    <dgm:sp3d/>
+    <dgm:txPr/>
+    <dgm:style>
+      <a:lnRef idx="2">
+        <a:scrgbClr r="0" g="0" b="0"/>
+      </a:lnRef>
+      <a:fillRef idx="1">
+        <a:scrgbClr r="0" g="0" b="0"/>
+      </a:fillRef>
+      <a:effectRef idx="0">
+        <a:scrgbClr r="0" g="0" b="0"/>
+      </a:effectRef>
+      <a:fontRef idx="minor">
+        <a:schemeClr val="tx1"/>
+      </a:fontRef>
+    </dgm:style>
+  </dgm:styleLbl>
+  <dgm:styleLbl name="alignNode1">
+    <dgm:scene3d>
+      <a:camera prst="orthographicFront"/>
+      <a:lightRig rig="threePt" dir="t"/>
+    </dgm:scene3d>
+    <dgm:sp3d/>
+    <dgm:txPr/>
+    <dgm:style>
+      <a:lnRef idx="2">
+        <a:scrgbClr r="0" g="0" b="0"/>
+      </a:lnRef>
+      <a:fillRef idx="1">
+        <a:scrgbClr r="0" g="0" b="0"/>
+      </a:fillRef>
+      <a:effectRef idx="0">
+        <a:scrgbClr r="0" g="0" b="0"/>
+      </a:effectRef>
+      <a:fontRef idx="minor">
+        <a:schemeClr val="lt1"/>
+      </a:fontRef>
+    </dgm:style>
+  </dgm:styleLbl>
+  <dgm:styleLbl name="node1">
+    <dgm:scene3d>
+      <a:camera prst="orthographicFront"/>
+      <a:lightRig rig="threePt" dir="t"/>
+    </dgm:scene3d>
+    <dgm:sp3d/>
+    <dgm:txPr/>
+    <dgm:style>
+      <a:lnRef idx="2">
+        <a:scrgbClr r="0" g="0" b="0"/>
+      </a:lnRef>
+      <a:fillRef idx="1">
+        <a:scrgbClr r="0" g="0" b="0"/>
+      </a:fillRef>
+      <a:effectRef idx="0">
+        <a:scrgbClr r="0" g="0" b="0"/>
+      </a:effectRef>
+      <a:fontRef idx="minor">
+        <a:schemeClr val="lt1"/>
+      </a:fontRef>
+    </dgm:style>
+  </dgm:styleLbl>
+  <dgm:styleLbl name="node2">
+    <dgm:scene3d>
+      <a:camera prst="orthographicFront"/>
+      <a:lightRig rig="threePt" dir="t"/>
+    </dgm:scene3d>
+    <dgm:sp3d/>
+    <dgm:txPr/>
+    <dgm:style>
+      <a:lnRef idx="2">
+        <a:scrgbClr r="0" g="0" b="0"/>
+      </a:lnRef>
+      <a:fillRef idx="1">
+        <a:scrgbClr r="0" g="0" b="0"/>
+      </a:fillRef>
+      <a:effectRef idx="0">
+        <a:scrgbClr r="0" g="0" b="0"/>
+      </a:effectRef>
+      <a:fontRef idx="minor">
+        <a:schemeClr val="lt1"/>
+      </a:fontRef>
+    </dgm:style>
+  </dgm:styleLbl>
+  <dgm:styleLbl name="node3">
+    <dgm:scene3d>
+      <a:camera prst="orthographicFront"/>
+      <a:lightRig rig="threePt" dir="t"/>
+    </dgm:scene3d>
+    <dgm:sp3d/>
+    <dgm:txPr/>
+    <dgm:style>
+      <a:lnRef idx="2">
+        <a:scrgbClr r="0" g="0" b="0"/>
+      </a:lnRef>
+      <a:fillRef idx="1">
+        <a:scrgbClr r="0" g="0" b="0"/>
+      </a:fillRef>
+      <a:effectRef idx="0">
+        <a:scrgbClr r="0" g="0" b="0"/>
+      </a:effectRef>
+      <a:fontRef idx="minor">
+        <a:schemeClr val="lt1"/>
+      </a:fontRef>
+    </dgm:style>
+  </dgm:styleLbl>
+  <dgm:styleLbl name="node4">
+    <dgm:scene3d>
+      <a:camera prst="orthographicFront"/>
+      <a:lightRig rig="threePt" dir="t"/>
+    </dgm:scene3d>
+    <dgm:sp3d/>
+    <dgm:txPr/>
+    <dgm:style>
+      <a:lnRef idx="2">
+        <a:scrgbClr r="0" g="0" b="0"/>
+      </a:lnRef>
+      <a:fillRef idx="1">
+        <a:scrgbClr r="0" g="0" b="0"/>
+      </a:fillRef>
+      <a:effectRef idx="0">
+        <a:scrgbClr r="0" g="0" b="0"/>
+      </a:effectRef>
+      <a:fontRef idx="minor">
+        <a:schemeClr val="lt1"/>
+      </a:fontRef>
+    </dgm:style>
+  </dgm:styleLbl>
+  <dgm:styleLbl name="fgImgPlace1">
+    <dgm:scene3d>
+      <a:camera prst="orthographicFront"/>
+      <a:lightRig rig="threePt" dir="t"/>
+    </dgm:scene3d>
+    <dgm:sp3d/>
+    <dgm:txPr/>
+    <dgm:style>
+      <a:lnRef idx="2">
+        <a:scrgbClr r="0" g="0" b="0"/>
+      </a:lnRef>
+      <a:fillRef idx="1">
+        <a:scrgbClr r="0" g="0" b="0"/>
+      </a:fillRef>
+      <a:effectRef idx="0">
+        <a:scrgbClr r="0" g="0" b="0"/>
+      </a:effectRef>
+      <a:fontRef idx="minor"/>
+    </dgm:style>
+  </dgm:styleLbl>
+  <dgm:styleLbl name="alignImgPlace1">
+    <dgm:scene3d>
+      <a:camera prst="orthographicFront"/>
+      <a:lightRig rig="threePt" dir="t"/>
+    </dgm:scene3d>
+    <dgm:sp3d/>
+    <dgm:txPr/>
+    <dgm:style>
+      <a:lnRef idx="2">
+        <a:scrgbClr r="0" g="0" b="0"/>
+      </a:lnRef>
+      <a:fillRef idx="1">
+        <a:scrgbClr r="0" g="0" b="0"/>
+      </a:fillRef>
+      <a:effectRef idx="0">
+        <a:scrgbClr r="0" g="0" b="0"/>
+      </a:effectRef>
+      <a:fontRef idx="minor"/>
+    </dgm:style>
+  </dgm:styleLbl>
+  <dgm:styleLbl name="bgImgPlace1">
+    <dgm:scene3d>
+      <a:camera prst="orthographicFront"/>
+      <a:lightRig rig="threePt" dir="t"/>
+    </dgm:scene3d>
+    <dgm:sp3d/>
+    <dgm:txPr/>
+    <dgm:style>
+      <a:lnRef idx="2">
+        <a:scrgbClr r="0" g="0" b="0"/>
+      </a:lnRef>
+      <a:fillRef idx="1">
+        <a:scrgbClr r="0" g="0" b="0"/>
+      </a:fillRef>
+      <a:effectRef idx="0">
+        <a:scrgbClr r="0" g="0" b="0"/>
+      </a:effectRef>
+      <a:fontRef idx="minor"/>
+    </dgm:style>
+  </dgm:styleLbl>
+  <dgm:styleLbl name="sibTrans2D1">
+    <dgm:scene3d>
+      <a:camera prst="orthographicFront"/>
+      <a:lightRig rig="threePt" dir="t"/>
+    </dgm:scene3d>
+    <dgm:sp3d/>
+    <dgm:txPr/>
+    <dgm:style>
+      <a:lnRef idx="0">
+        <a:scrgbClr r="0" g="0" b="0"/>
+      </a:lnRef>
+      <a:fillRef idx="1">
+        <a:scrgbClr r="0" g="0" b="0"/>
+      </a:fillRef>
+      <a:effectRef idx="0">
+        <a:scrgbClr r="0" g="0" b="0"/>
+      </a:effectRef>
+      <a:fontRef idx="minor">
+        <a:schemeClr val="lt1"/>
+      </a:fontRef>
+    </dgm:style>
+  </dgm:styleLbl>
+  <dgm:styleLbl name="fgSibTrans2D1">
+    <dgm:scene3d>
+      <a:camera prst="orthographicFront"/>
+      <a:lightRig rig="threePt" dir="t"/>
+    </dgm:scene3d>
+    <dgm:sp3d/>
+    <dgm:txPr/>
+    <dgm:style>
+      <a:lnRef idx="0">
+        <a:scrgbClr r="0" g="0" b="0"/>
+      </a:lnRef>
+      <a:fillRef idx="1">
+        <a:scrgbClr r="0" g="0" b="0"/>
+      </a:fillRef>
+      <a:effectRef idx="0">
+        <a:scrgbClr r="0" g="0" b="0"/>
+      </a:effectRef>
+      <a:fontRef idx="minor">
+        <a:schemeClr val="lt1"/>
+      </a:fontRef>
+    </dgm:style>
+  </dgm:styleLbl>
+  <dgm:styleLbl name="bgSibTrans2D1">
+    <dgm:scene3d>
+      <a:camera prst="orthographicFront"/>
+      <a:lightRig rig="threePt" dir="t"/>
+    </dgm:scene3d>
+    <dgm:sp3d/>
+    <dgm:txPr/>
+    <dgm:style>
+      <a:lnRef idx="0">
+        <a:scrgbClr r="0" g="0" b="0"/>
+      </a:lnRef>
+      <a:fillRef idx="1">
+        <a:scrgbClr r="0" g="0" b="0"/>
+      </a:fillRef>
+      <a:effectRef idx="0">
+        <a:scrgbClr r="0" g="0" b="0"/>
+      </a:effectRef>
+      <a:fontRef idx="minor">
+        <a:schemeClr val="lt1"/>
+      </a:fontRef>
+    </dgm:style>
+  </dgm:styleLbl>
+  <dgm:styleLbl name="sibTrans1D1">
+    <dgm:scene3d>
+      <a:camera prst="orthographicFront"/>
+      <a:lightRig rig="threePt" dir="t"/>
+    </dgm:scene3d>
+    <dgm:sp3d/>
+    <dgm:txPr/>
+    <dgm:style>
+      <a:lnRef idx="1">
+        <a:scrgbClr r="0" g="0" b="0"/>
+      </a:lnRef>
+      <a:fillRef idx="0">
+        <a:scrgbClr r="0" g="0" b="0"/>
+      </a:fillRef>
+      <a:effectRef idx="0">
+        <a:scrgbClr r="0" g="0" b="0"/>
+      </a:effectRef>
+      <a:fontRef idx="minor"/>
+    </dgm:style>
+  </dgm:styleLbl>
+  <dgm:styleLbl name="callout">
+    <dgm:scene3d>
+      <a:camera prst="orthographicFront"/>
+      <a:lightRig rig="threePt" dir="t"/>
+    </dgm:scene3d>
+    <dgm:sp3d/>
+    <dgm:txPr/>
+    <dgm:style>
+      <a:lnRef idx="2">
+        <a:scrgbClr r="0" g="0" b="0"/>
+      </a:lnRef>
+      <a:fillRef idx="1">
+        <a:scrgbClr r="0" g="0" b="0"/>
+      </a:fillRef>
+      <a:effectRef idx="0">
+        <a:scrgbClr r="0" g="0" b="0"/>
+      </a:effectRef>
+      <a:fontRef idx="minor"/>
+    </dgm:style>
+  </dgm:styleLbl>
+  <dgm:styleLbl name="asst0">
+    <dgm:scene3d>
+      <a:camera prst="orthographicFront"/>
+      <a:lightRig rig="threePt" dir="t"/>
+    </dgm:scene3d>
+    <dgm:sp3d/>
+    <dgm:txPr/>
+    <dgm:style>
+      <a:lnRef idx="2">
+        <a:scrgbClr r="0" g="0" b="0"/>
+      </a:lnRef>
+      <a:fillRef idx="1">
+        <a:scrgbClr r="0" g="0" b="0"/>
+      </a:fillRef>
+      <a:effectRef idx="0">
+        <a:scrgbClr r="0" g="0" b="0"/>
+      </a:effectRef>
+      <a:fontRef idx="minor">
+        <a:schemeClr val="lt1"/>
+      </a:fontRef>
+    </dgm:style>
+  </dgm:styleLbl>
+  <dgm:styleLbl name="asst1">
+    <dgm:scene3d>
+      <a:camera prst="orthographicFront"/>
+      <a:lightRig rig="threePt" dir="t"/>
+    </dgm:scene3d>
+    <dgm:sp3d/>
+    <dgm:txPr/>
+    <dgm:style>
+      <a:lnRef idx="2">
+        <a:scrgbClr r="0" g="0" b="0"/>
+      </a:lnRef>
+      <a:fillRef idx="1">
+        <a:scrgbClr r="0" g="0" b="0"/>
+      </a:fillRef>
+      <a:effectRef idx="0">
+        <a:scrgbClr r="0" g="0" b="0"/>
+      </a:effectRef>
+      <a:fontRef idx="minor">
+        <a:schemeClr val="lt1"/>
+      </a:fontRef>
+    </dgm:style>
+  </dgm:styleLbl>
+  <dgm:styleLbl name="asst2">
+    <dgm:scene3d>
+      <a:camera prst="orthographicFront"/>
+      <a:lightRig rig="threePt" dir="t"/>
+    </dgm:scene3d>
+    <dgm:sp3d/>
+    <dgm:txPr/>
+    <dgm:style>
+      <a:lnRef idx="2">
+        <a:scrgbClr r="0" g="0" b="0"/>
+      </a:lnRef>
+      <a:fillRef idx="1">
+        <a:scrgbClr r="0" g="0" b="0"/>
+      </a:fillRef>
+      <a:effectRef idx="0">
+        <a:scrgbClr r="0" g="0" b="0"/>
+      </a:effectRef>
+      <a:fontRef idx="minor">
+        <a:schemeClr val="lt1"/>
+      </a:fontRef>
+    </dgm:style>
+  </dgm:styleLbl>
+  <dgm:styleLbl name="asst3">
+    <dgm:scene3d>
+      <a:camera prst="orthographicFront"/>
+      <a:lightRig rig="threePt" dir="t"/>
+    </dgm:scene3d>
+    <dgm:sp3d/>
+    <dgm:txPr/>
+    <dgm:style>
+      <a:lnRef idx="2">
+        <a:scrgbClr r="0" g="0" b="0"/>
+      </a:lnRef>
+      <a:fillRef idx="1">
+        <a:scrgbClr r="0" g="0" b="0"/>
+      </a:fillRef>
+      <a:effectRef idx="0">
+        <a:scrgbClr r="0" g="0" b="0"/>
+      </a:effectRef>
+      <a:fontRef idx="minor">
+        <a:schemeClr val="lt1"/>
+      </a:fontRef>
+    </dgm:style>
+  </dgm:styleLbl>
+  <dgm:styleLbl name="asst4">
+    <dgm:scene3d>
+      <a:camera prst="orthographicFront"/>
+      <a:lightRig rig="threePt" dir="t"/>
+    </dgm:scene3d>
+    <dgm:sp3d/>
+    <dgm:txPr/>
+    <dgm:style>
+      <a:lnRef idx="2">
+        <a:scrgbClr r="0" g="0" b="0"/>
+      </a:lnRef>
+      <a:fillRef idx="1">
+        <a:scrgbClr r="0" g="0" b="0"/>
+      </a:fillRef>
+      <a:effectRef idx="0">
+        <a:scrgbClr r="0" g="0" b="0"/>
+      </a:effectRef>
+      <a:fontRef idx="minor">
+        <a:schemeClr val="lt1"/>
+      </a:fontRef>
+    </dgm:style>
+  </dgm:styleLbl>
+  <dgm:styleLbl name="parChTrans2D1">
+    <dgm:scene3d>
+      <a:camera prst="orthographicFront"/>
+      <a:lightRig rig="threePt" dir="t"/>
+    </dgm:scene3d>
+    <dgm:sp3d/>
+    <dgm:txPr/>
+    <dgm:style>
+      <a:lnRef idx="2">
+        <a:scrgbClr r="0" g="0" b="0"/>
+      </a:lnRef>
+      <a:fillRef idx="1">
+        <a:scrgbClr r="0" g="0" b="0"/>
+      </a:fillRef>
+      <a:effectRef idx="0">
+        <a:scrgbClr r="0" g="0" b="0"/>
+      </a:effectRef>
+      <a:fontRef idx="minor">
+        <a:schemeClr val="lt1"/>
+      </a:fontRef>
+    </dgm:style>
+  </dgm:styleLbl>
+  <dgm:styleLbl name="parChTrans2D2">
+    <dgm:scene3d>
+      <a:camera prst="orthographicFront"/>
+      <a:lightRig rig="threePt" dir="t"/>
+    </dgm:scene3d>
+    <dgm:sp3d/>
+    <dgm:txPr/>
+    <dgm:style>
+      <a:lnRef idx="2">
+        <a:scrgbClr r="0" g="0" b="0"/>
+      </a:lnRef>
+      <a:fillRef idx="1">
+        <a:scrgbClr r="0" g="0" b="0"/>
+      </a:fillRef>
+      <a:effectRef idx="0">
+        <a:scrgbClr r="0" g="0" b="0"/>
+      </a:effectRef>
+      <a:fontRef idx="minor">
+        <a:schemeClr val="lt1"/>
+      </a:fontRef>
+    </dgm:style>
+  </dgm:styleLbl>
+  <dgm:styleLbl name="parChTrans2D3">
+    <dgm:scene3d>
+      <a:camera prst="orthographicFront"/>
+      <a:lightRig rig="threePt" dir="t"/>
+    </dgm:scene3d>
+    <dgm:sp3d/>
+    <dgm:txPr/>
+    <dgm:style>
+      <a:lnRef idx="2">
+        <a:scrgbClr r="0" g="0" b="0"/>
+      </a:lnRef>
+      <a:fillRef idx="1">
+        <a:scrgbClr r="0" g="0" b="0"/>
+      </a:fillRef>
+      <a:effectRef idx="0">
+        <a:scrgbClr r="0" g="0" b="0"/>
+      </a:effectRef>
+      <a:fontRef idx="minor">
+        <a:schemeClr val="lt1"/>
+      </a:fontRef>
+    </dgm:style>
+  </dgm:styleLbl>
+  <dgm:styleLbl name="parChTrans2D4">
+    <dgm:scene3d>
+      <a:camera prst="orthographicFront"/>
+      <a:lightRig rig="threePt" dir="t"/>
+    </dgm:scene3d>
+    <dgm:sp3d/>
+    <dgm:txPr/>
+    <dgm:style>
+      <a:lnRef idx="2">
+        <a:scrgbClr r="0" g="0" b="0"/>
+      </a:lnRef>
+      <a:fillRef idx="1">
+        <a:scrgbClr r="0" g="0" b="0"/>
+      </a:fillRef>
+      <a:effectRef idx="0">
+        <a:scrgbClr r="0" g="0" b="0"/>
+      </a:effectRef>
+      <a:fontRef idx="minor">
+        <a:schemeClr val="lt1"/>
+      </a:fontRef>
+    </dgm:style>
+  </dgm:styleLbl>
+  <dgm:styleLbl name="parChTrans1D1">
+    <dgm:scene3d>
+      <a:camera prst="orthographicFront"/>
+      <a:lightRig rig="threePt" dir="t"/>
+    </dgm:scene3d>
+    <dgm:sp3d/>
+    <dgm:txPr/>
+    <dgm:style>
+      <a:lnRef idx="2">
+        <a:scrgbClr r="0" g="0" b="0"/>
+      </a:lnRef>
+      <a:fillRef idx="0">
+        <a:scrgbClr r="0" g="0" b="0"/>
+      </a:fillRef>
+      <a:effectRef idx="0">
+        <a:scrgbClr r="0" g="0" b="0"/>
+      </a:effectRef>
+      <a:fontRef idx="minor"/>
+    </dgm:style>
+  </dgm:styleLbl>
+  <dgm:styleLbl name="parChTrans1D2">
+    <dgm:scene3d>
+      <a:camera prst="orthographicFront"/>
+      <a:lightRig rig="threePt" dir="t"/>
+    </dgm:scene3d>
+    <dgm:sp3d/>
+    <dgm:txPr/>
+    <dgm:style>
+      <a:lnRef idx="2">
+        <a:scrgbClr r="0" g="0" b="0"/>
+      </a:lnRef>
+      <a:fillRef idx="0">
+        <a:scrgbClr r="0" g="0" b="0"/>
+      </a:fillRef>
+      <a:effectRef idx="0">
+        <a:scrgbClr r="0" g="0" b="0"/>
+      </a:effectRef>
+      <a:fontRef idx="minor"/>
+    </dgm:style>
+  </dgm:styleLbl>
+  <dgm:styleLbl name="parChTrans1D3">
+    <dgm:scene3d>
+      <a:camera prst="orthographicFront"/>
+      <a:lightRig rig="threePt" dir="t"/>
+    </dgm:scene3d>
+    <dgm:sp3d/>
+    <dgm:txPr/>
+    <dgm:style>
+      <a:lnRef idx="2">
+        <a:scrgbClr r="0" g="0" b="0"/>
+      </a:lnRef>
+      <a:fillRef idx="0">
+        <a:scrgbClr r="0" g="0" b="0"/>
+      </a:fillRef>
+      <a:effectRef idx="0">
+        <a:scrgbClr r="0" g="0" b="0"/>
+      </a:effectRef>
+      <a:fontRef idx="minor"/>
+    </dgm:style>
+  </dgm:styleLbl>
+  <dgm:styleLbl name="parChTrans1D4">
+    <dgm:scene3d>
+      <a:camera prst="orthographicFront"/>
+      <a:lightRig rig="threePt" dir="t"/>
+    </dgm:scene3d>
+    <dgm:sp3d/>
+    <dgm:txPr/>
+    <dgm:style>
+      <a:lnRef idx="2">
+        <a:scrgbClr r="0" g="0" b="0"/>
+      </a:lnRef>
+      <a:fillRef idx="0">
+        <a:scrgbClr r="0" g="0" b="0"/>
+      </a:fillRef>
+      <a:effectRef idx="0">
+        <a:scrgbClr r="0" g="0" b="0"/>
+      </a:effectRef>
+      <a:fontRef idx="minor"/>
+    </dgm:style>
+  </dgm:styleLbl>
+  <dgm:styleLbl name="fgAcc1">
+    <dgm:scene3d>
+      <a:camera prst="orthographicFront"/>
+      <a:lightRig rig="threePt" dir="t"/>
+    </dgm:scene3d>
+    <dgm:sp3d/>
+    <dgm:txPr/>
+    <dgm:style>
+      <a:lnRef idx="2">
+        <a:scrgbClr r="0" g="0" b="0"/>
+      </a:lnRef>
+      <a:fillRef idx="1">
+        <a:scrgbClr r="0" g="0" b="0"/>
+      </a:fillRef>
+      <a:effectRef idx="0">
+        <a:scrgbClr r="0" g="0" b="0"/>
+      </a:effectRef>
+      <a:fontRef idx="minor"/>
+    </dgm:style>
+  </dgm:styleLbl>
+  <dgm:styleLbl name="conFgAcc1">
+    <dgm:scene3d>
+      <a:camera prst="orthographicFront"/>
+      <a:lightRig rig="threePt" dir="t"/>
+    </dgm:scene3d>
+    <dgm:sp3d/>
+    <dgm:txPr/>
+    <dgm:style>
+      <a:lnRef idx="2">
+        <a:scrgbClr r="0" g="0" b="0"/>
+      </a:lnRef>
+      <a:fillRef idx="1">
+        <a:scrgbClr r="0" g="0" b="0"/>
+      </a:fillRef>
+      <a:effectRef idx="0">
+        <a:scrgbClr r="0" g="0" b="0"/>
+      </a:effectRef>
+      <a:fontRef idx="minor"/>
+    </dgm:style>
+  </dgm:styleLbl>
+  <dgm:styleLbl name="alignAcc1">
+    <dgm:scene3d>
+      <a:camera prst="orthographicFront"/>
+      <a:lightRig rig="threePt" dir="t"/>
+    </dgm:scene3d>
+    <dgm:sp3d/>
+    <dgm:txPr/>
+    <dgm:style>
+      <a:lnRef idx="2">
+        <a:scrgbClr r="0" g="0" b="0"/>
+      </a:lnRef>
+      <a:fillRef idx="1">
+        <a:scrgbClr r="0" g="0" b="0"/>
+      </a:fillRef>
+      <a:effectRef idx="0">
+        <a:scrgbClr r="0" g="0" b="0"/>
+      </a:effectRef>
+      <a:fontRef idx="minor"/>
+    </dgm:style>
+  </dgm:styleLbl>
+  <dgm:styleLbl name="trAlignAcc1">
+    <dgm:scene3d>
+      <a:camera prst="orthographicFront"/>
+      <a:lightRig rig="threePt" dir="t"/>
+    </dgm:scene3d>
+    <dgm:sp3d/>
+    <dgm:txPr/>
+    <dgm:style>
+      <a:lnRef idx="1">
+        <a:scrgbClr r="0" g="0" b="0"/>
+      </a:lnRef>
+      <a:fillRef idx="1">
+        <a:scrgbClr r="0" g="0" b="0"/>
+      </a:fillRef>
+      <a:effectRef idx="0">
+        <a:scrgbClr r="0" g="0" b="0"/>
+      </a:effectRef>
+      <a:fontRef idx="minor"/>
+    </dgm:style>
+  </dgm:styleLbl>
+  <dgm:styleLbl name="bgAcc1">
+    <dgm:scene3d>
+      <a:camera prst="orthographicFront"/>
+      <a:lightRig rig="threePt" dir="t"/>
+    </dgm:scene3d>
+    <dgm:sp3d/>
+    <dgm:txPr/>
+    <dgm:style>
+      <a:lnRef idx="2">
+        <a:scrgbClr r="0" g="0" b="0"/>
+      </a:lnRef>
+      <a:fillRef idx="1">
+        <a:scrgbClr r="0" g="0" b="0"/>
+      </a:fillRef>
+      <a:effectRef idx="0">
+        <a:scrgbClr r="0" g="0" b="0"/>
+      </a:effectRef>
+      <a:fontRef idx="minor"/>
+    </dgm:style>
+  </dgm:styleLbl>
+  <dgm:styleLbl name="solidFgAcc1">
+    <dgm:scene3d>
+      <a:camera prst="orthographicFront"/>
+      <a:lightRig rig="threePt" dir="t"/>
+    </dgm:scene3d>
+    <dgm:sp3d/>
+    <dgm:txPr/>
+    <dgm:style>
+      <a:lnRef idx="2">
+        <a:scrgbClr r="0" g="0" b="0"/>
+      </a:lnRef>
+      <a:fillRef idx="1">
+        <a:scrgbClr r="0" g="0" b="0"/>
+      </a:fillRef>
+      <a:effectRef idx="0">
+        <a:scrgbClr r="0" g="0" b="0"/>
+      </a:effectRef>
+      <a:fontRef idx="minor"/>
+    </dgm:style>
+  </dgm:styleLbl>
+  <dgm:styleLbl name="solidAlignAcc1">
+    <dgm:scene3d>
+      <a:camera prst="orthographicFront"/>
+      <a:lightRig rig="threePt" dir="t"/>
+    </dgm:scene3d>
+    <dgm:sp3d/>
+    <dgm:txPr/>
+    <dgm:style>
+      <a:lnRef idx="2">
+        <a:scrgbClr r="0" g="0" b="0"/>
+      </a:lnRef>
+      <a:fillRef idx="1">
+        <a:scrgbClr r="0" g="0" b="0"/>
+      </a:fillRef>
+      <a:effectRef idx="0">
+        <a:scrgbClr r="0" g="0" b="0"/>
+      </a:effectRef>
+      <a:fontRef idx="minor"/>
+    </dgm:style>
+  </dgm:styleLbl>
+  <dgm:styleLbl name="solidBgAcc1">
+    <dgm:scene3d>
+      <a:camera prst="orthographicFront"/>
+      <a:lightRig rig="threePt" dir="t"/>
+    </dgm:scene3d>
+    <dgm:sp3d/>
+    <dgm:txPr/>
+    <dgm:style>
+      <a:lnRef idx="2">
+        <a:scrgbClr r="0" g="0" b="0"/>
+      </a:lnRef>
+      <a:fillRef idx="1">
+        <a:scrgbClr r="0" g="0" b="0"/>
+      </a:fillRef>
+      <a:effectRef idx="0">
+        <a:scrgbClr r="0" g="0" b="0"/>
+      </a:effectRef>
+      <a:fontRef idx="minor"/>
+    </dgm:style>
+  </dgm:styleLbl>
+  <dgm:styleLbl name="fgAccFollowNode1">
+    <dgm:scene3d>
+      <a:camera prst="orthographicFront"/>
+      <a:lightRig rig="threePt" dir="t"/>
+    </dgm:scene3d>
+    <dgm:sp3d/>
+    <dgm:txPr/>
+    <dgm:style>
+      <a:lnRef idx="2">
+        <a:scrgbClr r="0" g="0" b="0"/>
+      </a:lnRef>
+      <a:fillRef idx="1">
+        <a:scrgbClr r="0" g="0" b="0"/>
+      </a:fillRef>
+      <a:effectRef idx="0">
+        <a:scrgbClr r="0" g="0" b="0"/>
+      </a:effectRef>
+      <a:fontRef idx="minor"/>
+    </dgm:style>
+  </dgm:styleLbl>
+  <dgm:styleLbl name="alignAccFollowNode1">
+    <dgm:scene3d>
+      <a:camera prst="orthographicFront"/>
+      <a:lightRig rig="threePt" dir="t"/>
+    </dgm:scene3d>
+    <dgm:sp3d/>
+    <dgm:txPr/>
+    <dgm:style>
+      <a:lnRef idx="2">
+        <a:scrgbClr r="0" g="0" b="0"/>
+      </a:lnRef>
+      <a:fillRef idx="1">
+        <a:scrgbClr r="0" g="0" b="0"/>
+      </a:fillRef>
+      <a:effectRef idx="0">
+        <a:scrgbClr r="0" g="0" b="0"/>
+      </a:effectRef>
+      <a:fontRef idx="minor"/>
+    </dgm:style>
+  </dgm:styleLbl>
+  <dgm:styleLbl name="bgAccFollowNode1">
+    <dgm:scene3d>
+      <a:camera prst="orthographicFront"/>
+      <a:lightRig rig="threePt" dir="t"/>
+    </dgm:scene3d>
+    <dgm:sp3d/>
+    <dgm:txPr/>
+    <dgm:style>
+      <a:lnRef idx="2">
+        <a:scrgbClr r="0" g="0" b="0"/>
+      </a:lnRef>
+      <a:fillRef idx="1">
+        <a:scrgbClr r="0" g="0" b="0"/>
+      </a:fillRef>
+      <a:effectRef idx="0">
+        <a:scrgbClr r="0" g="0" b="0"/>
+      </a:effectRef>
+      <a:fontRef idx="minor"/>
+    </dgm:style>
+  </dgm:styleLbl>
+  <dgm:styleLbl name="fgAcc0">
+    <dgm:scene3d>
+      <a:camera prst="orthographicFront"/>
+      <a:lightRig rig="threePt" dir="t"/>
+    </dgm:scene3d>
+    <dgm:sp3d/>
+    <dgm:txPr/>
+    <dgm:style>
+      <a:lnRef idx="2">
+        <a:scrgbClr r="0" g="0" b="0"/>
+      </a:lnRef>
+      <a:fillRef idx="1">
+        <a:scrgbClr r="0" g="0" b="0"/>
+      </a:fillRef>
+      <a:effectRef idx="0">
+        <a:scrgbClr r="0" g="0" b="0"/>
+      </a:effectRef>
+      <a:fontRef idx="minor"/>
+    </dgm:style>
+  </dgm:styleLbl>
+  <dgm:styleLbl name="fgAcc2">
+    <dgm:scene3d>
+      <a:camera prst="orthographicFront"/>
+      <a:lightRig rig="threePt" dir="t"/>
+    </dgm:scene3d>
+    <dgm:sp3d/>
+    <dgm:txPr/>
+    <dgm:style>
+      <a:lnRef idx="2">
+        <a:scrgbClr r="0" g="0" b="0"/>
+      </a:lnRef>
+      <a:fillRef idx="1">
+        <a:scrgbClr r="0" g="0" b="0"/>
+      </a:fillRef>
+      <a:effectRef idx="0">
+        <a:scrgbClr r="0" g="0" b="0"/>
+      </a:effectRef>
+      <a:fontRef idx="minor"/>
+    </dgm:style>
+  </dgm:styleLbl>
+  <dgm:styleLbl name="fgAcc3">
+    <dgm:scene3d>
+      <a:camera prst="orthographicFront"/>
+      <a:lightRig rig="threePt" dir="t"/>
+    </dgm:scene3d>
+    <dgm:sp3d/>
+    <dgm:txPr/>
+    <dgm:style>
+      <a:lnRef idx="2">
+        <a:scrgbClr r="0" g="0" b="0"/>
+      </a:lnRef>
+      <a:fillRef idx="1">
+        <a:scrgbClr r="0" g="0" b="0"/>
+      </a:fillRef>
+      <a:effectRef idx="0">
+        <a:scrgbClr r="0" g="0" b="0"/>
+      </a:effectRef>
+      <a:fontRef idx="minor"/>
+    </dgm:style>
+  </dgm:styleLbl>
+  <dgm:styleLbl name="fgAcc4">
+    <dgm:scene3d>
+      <a:camera prst="orthographicFront"/>
+      <a:lightRig rig="threePt" dir="t"/>
+    </dgm:scene3d>
+    <dgm:sp3d/>
+    <dgm:txPr/>
+    <dgm:style>
+      <a:lnRef idx="2">
+        <a:scrgbClr r="0" g="0" b="0"/>
+      </a:lnRef>
+      <a:fillRef idx="1">
+        <a:scrgbClr r="0" g="0" b="0"/>
+      </a:fillRef>
+      <a:effectRef idx="0">
+        <a:scrgbClr r="0" g="0" b="0"/>
+      </a:effectRef>
+      <a:fontRef idx="minor"/>
+    </dgm:style>
+  </dgm:styleLbl>
+  <dgm:styleLbl name="bgShp">
+    <dgm:scene3d>
+      <a:camera prst="orthographicFront"/>
+      <a:lightRig rig="threePt" dir="t"/>
+    </dgm:scene3d>
+    <dgm:sp3d/>
+    <dgm:txPr/>
+    <dgm:style>
+      <a:lnRef idx="0">
+        <a:scrgbClr r="0" g="0" b="0"/>
+      </a:lnRef>
+      <a:fillRef idx="1">
+        <a:scrgbClr r="0" g="0" b="0"/>
+      </a:fillRef>
+      <a:effectRef idx="0">
+        <a:scrgbClr r="0" g="0" b="0"/>
+      </a:effectRef>
+      <a:fontRef idx="minor"/>
+    </dgm:style>
+  </dgm:styleLbl>
+  <dgm:styleLbl name="dkBgShp">
+    <dgm:scene3d>
+      <a:camera prst="orthographicFront"/>
+      <a:lightRig rig="threePt" dir="t"/>
+    </dgm:scene3d>
+    <dgm:sp3d/>
+    <dgm:txPr/>
+    <dgm:style>
+      <a:lnRef idx="0">
+        <a:scrgbClr r="0" g="0" b="0"/>
+      </a:lnRef>
+      <a:fillRef idx="1">
+        <a:scrgbClr r="0" g="0" b="0"/>
+      </a:fillRef>
+      <a:effectRef idx="0">
+        <a:scrgbClr r="0" g="0" b="0"/>
+      </a:effectRef>
+      <a:fontRef idx="minor"/>
+    </dgm:style>
+  </dgm:styleLbl>
+  <dgm:styleLbl name="trBgShp">
+    <dgm:scene3d>
+      <a:camera prst="orthographicFront"/>
+      <a:lightRig rig="threePt" dir="t"/>
+    </dgm:scene3d>
+    <dgm:sp3d/>
+    <dgm:txPr/>
+    <dgm:style>
+      <a:lnRef idx="0">
+        <a:scrgbClr r="0" g="0" b="0"/>
+      </a:lnRef>
+      <a:fillRef idx="1">
+        <a:scrgbClr r="0" g="0" b="0"/>
+      </a:fillRef>
+      <a:effectRef idx="0">
+        <a:scrgbClr r="0" g="0" b="0"/>
+      </a:effectRef>
+      <a:fontRef idx="minor"/>
+    </dgm:style>
+  </dgm:styleLbl>
+  <dgm:styleLbl name="fgShp">
+    <dgm:scene3d>
+      <a:camera prst="orthographicFront"/>
+      <a:lightRig rig="threePt" dir="t"/>
+    </dgm:scene3d>
+    <dgm:sp3d/>
+    <dgm:txPr/>
+    <dgm:style>
+      <a:lnRef idx="2">
+        <a:scrgbClr r="0" g="0" b="0"/>
+      </a:lnRef>
+      <a:fillRef idx="1">
+        <a:scrgbClr r="0" g="0" b="0"/>
+      </a:fillRef>
+      <a:effectRef idx="0">
+        <a:scrgbClr r="0" g="0" b="0"/>
+      </a:effectRef>
+      <a:fontRef idx="minor"/>
+    </dgm:style>
+  </dgm:styleLbl>
+  <dgm:styleLbl name="revTx">
+    <dgm:scene3d>
+      <a:camera prst="orthographicFront"/>
+      <a:lightRig rig="threePt" dir="t"/>
+    </dgm:scene3d>
+    <dgm:sp3d/>
+    <dgm:txPr/>
+    <dgm:style>
+      <a:lnRef idx="0">
+        <a:scrgbClr r="0" g="0" b="0"/>
+      </a:lnRef>
+      <a:fillRef idx="0">
+        <a:scrgbClr r="0" g="0" b="0"/>
+      </a:fillRef>
+      <a:effectRef idx="0">
+        <a:scrgbClr r="0" g="0" b="0"/>
+      </a:effectRef>
+      <a:fontRef idx="minor"/>
+    </dgm:style>
+  </dgm:styleLbl>
+</dgm:styleDef>
+</file>
+
 <file path=ppt/slideLayouts/slideLayout1.xml><?xml version="1.0" encoding="utf-8"?>
 <p:sldLayout xmlns:a="http://schemas.openxmlformats.org/drawingml/2006/main" xmlns:r="http://schemas.openxmlformats.org/officeDocument/2006/relationships" xmlns:p="http://schemas.openxmlformats.org/presentationml/2006/main" type="title" preserve="1">
   <p:cSld name="Titelfolie">
@@ -284,7 +4121,7 @@
           <a:p>
             <a:fld id="{BE4FF18B-6A3A-45EB-89C6-F159758C8632}" type="datetimeFigureOut">
               <a:rPr lang="en-US" smtClean="0"/>
-              <a:t>6/2/2019</a:t>
+              <a:t>6/4/2019</a:t>
             </a:fld>
             <a:endParaRPr lang="en-US"/>
           </a:p>
@@ -596,7 +4433,7 @@
           <a:p>
             <a:fld id="{BE4FF18B-6A3A-45EB-89C6-F159758C8632}" type="datetimeFigureOut">
               <a:rPr lang="en-US" smtClean="0"/>
-              <a:t>6/2/2019</a:t>
+              <a:t>6/4/2019</a:t>
             </a:fld>
             <a:endParaRPr lang="en-US"/>
           </a:p>
@@ -818,7 +4655,7 @@
           <a:p>
             <a:fld id="{BE4FF18B-6A3A-45EB-89C6-F159758C8632}" type="datetimeFigureOut">
               <a:rPr lang="en-US" smtClean="0"/>
-              <a:t>6/2/2019</a:t>
+              <a:t>6/4/2019</a:t>
             </a:fld>
             <a:endParaRPr lang="en-US"/>
           </a:p>
@@ -1109,7 +4946,7 @@
           <a:p>
             <a:fld id="{BE4FF18B-6A3A-45EB-89C6-F159758C8632}" type="datetimeFigureOut">
               <a:rPr lang="en-US" smtClean="0"/>
-              <a:t>6/2/2019</a:t>
+              <a:t>6/4/2019</a:t>
             </a:fld>
             <a:endParaRPr lang="en-US"/>
           </a:p>
@@ -1563,7 +5400,7 @@
           <a:p>
             <a:fld id="{BE4FF18B-6A3A-45EB-89C6-F159758C8632}" type="datetimeFigureOut">
               <a:rPr lang="en-US" smtClean="0"/>
-              <a:t>6/2/2019</a:t>
+              <a:t>6/4/2019</a:t>
             </a:fld>
             <a:endParaRPr lang="en-US"/>
           </a:p>
@@ -2139,7 +5976,7 @@
           <a:p>
             <a:fld id="{BE4FF18B-6A3A-45EB-89C6-F159758C8632}" type="datetimeFigureOut">
               <a:rPr lang="en-US" smtClean="0"/>
-              <a:t>6/2/2019</a:t>
+              <a:t>6/4/2019</a:t>
             </a:fld>
             <a:endParaRPr lang="en-US"/>
           </a:p>
@@ -2991,7 +6828,7 @@
           <a:p>
             <a:fld id="{BE4FF18B-6A3A-45EB-89C6-F159758C8632}" type="datetimeFigureOut">
               <a:rPr lang="en-US" smtClean="0"/>
-              <a:t>6/2/2019</a:t>
+              <a:t>6/4/2019</a:t>
             </a:fld>
             <a:endParaRPr lang="en-US"/>
           </a:p>
@@ -3196,7 +7033,7 @@
           <a:p>
             <a:fld id="{BE4FF18B-6A3A-45EB-89C6-F159758C8632}" type="datetimeFigureOut">
               <a:rPr lang="en-US" smtClean="0"/>
-              <a:t>6/2/2019</a:t>
+              <a:t>6/4/2019</a:t>
             </a:fld>
             <a:endParaRPr lang="en-US"/>
           </a:p>
@@ -3410,7 +7247,7 @@
           <a:p>
             <a:fld id="{BE4FF18B-6A3A-45EB-89C6-F159758C8632}" type="datetimeFigureOut">
               <a:rPr lang="en-US" smtClean="0"/>
-              <a:t>6/2/2019</a:t>
+              <a:t>6/4/2019</a:t>
             </a:fld>
             <a:endParaRPr lang="en-US"/>
           </a:p>
@@ -3803,7 +7640,7 @@
           <a:p>
             <a:fld id="{BE4FF18B-6A3A-45EB-89C6-F159758C8632}" type="datetimeFigureOut">
               <a:rPr lang="en-US" smtClean="0"/>
-              <a:t>6/2/2019</a:t>
+              <a:t>6/4/2019</a:t>
             </a:fld>
             <a:endParaRPr lang="en-US"/>
           </a:p>
@@ -4008,7 +7845,7 @@
           <a:p>
             <a:fld id="{BE4FF18B-6A3A-45EB-89C6-F159758C8632}" type="datetimeFigureOut">
               <a:rPr lang="en-US" smtClean="0"/>
-              <a:t>6/2/2019</a:t>
+              <a:t>6/4/2019</a:t>
             </a:fld>
             <a:endParaRPr lang="en-US"/>
           </a:p>
@@ -4288,7 +8125,7 @@
           <a:p>
             <a:fld id="{BE4FF18B-6A3A-45EB-89C6-F159758C8632}" type="datetimeFigureOut">
               <a:rPr lang="en-US" smtClean="0"/>
-              <a:t>6/2/2019</a:t>
+              <a:t>6/4/2019</a:t>
             </a:fld>
             <a:endParaRPr lang="en-US"/>
           </a:p>
@@ -4555,7 +8392,7 @@
           <a:p>
             <a:fld id="{BE4FF18B-6A3A-45EB-89C6-F159758C8632}" type="datetimeFigureOut">
               <a:rPr lang="en-US" smtClean="0"/>
-              <a:t>6/2/2019</a:t>
+              <a:t>6/4/2019</a:t>
             </a:fld>
             <a:endParaRPr lang="en-US"/>
           </a:p>
@@ -4970,7 +8807,7 @@
           <a:p>
             <a:fld id="{BE4FF18B-6A3A-45EB-89C6-F159758C8632}" type="datetimeFigureOut">
               <a:rPr lang="en-US" smtClean="0"/>
-              <a:t>6/2/2019</a:t>
+              <a:t>6/4/2019</a:t>
             </a:fld>
             <a:endParaRPr lang="en-US"/>
           </a:p>
@@ -5118,7 +8955,7 @@
           <a:p>
             <a:fld id="{BE4FF18B-6A3A-45EB-89C6-F159758C8632}" type="datetimeFigureOut">
               <a:rPr lang="en-US" smtClean="0"/>
-              <a:t>6/2/2019</a:t>
+              <a:t>6/4/2019</a:t>
             </a:fld>
             <a:endParaRPr lang="en-US"/>
           </a:p>
@@ -5243,7 +9080,7 @@
           <a:p>
             <a:fld id="{BE4FF18B-6A3A-45EB-89C6-F159758C8632}" type="datetimeFigureOut">
               <a:rPr lang="en-US" smtClean="0"/>
-              <a:t>6/2/2019</a:t>
+              <a:t>6/4/2019</a:t>
             </a:fld>
             <a:endParaRPr lang="en-US"/>
           </a:p>
@@ -5522,7 +9359,7 @@
           <a:p>
             <a:fld id="{BE4FF18B-6A3A-45EB-89C6-F159758C8632}" type="datetimeFigureOut">
               <a:rPr lang="en-US" smtClean="0"/>
-              <a:t>6/2/2019</a:t>
+              <a:t>6/4/2019</a:t>
             </a:fld>
             <a:endParaRPr lang="en-US"/>
           </a:p>
@@ -5834,7 +9671,7 @@
           <a:p>
             <a:fld id="{BE4FF18B-6A3A-45EB-89C6-F159758C8632}" type="datetimeFigureOut">
               <a:rPr lang="en-US" smtClean="0"/>
-              <a:t>6/2/2019</a:t>
+              <a:t>6/4/2019</a:t>
             </a:fld>
             <a:endParaRPr lang="en-US"/>
           </a:p>
@@ -6087,7 +9924,7 @@
           <a:p>
             <a:fld id="{BE4FF18B-6A3A-45EB-89C6-F159758C8632}" type="datetimeFigureOut">
               <a:rPr lang="en-US" smtClean="0"/>
-              <a:t>6/2/2019</a:t>
+              <a:t>6/4/2019</a:t>
             </a:fld>
             <a:endParaRPr lang="en-US"/>
           </a:p>
@@ -8109,6 +11946,1281 @@
 </p:sld>
 </file>
 
+<file path=ppt/slides/slide3.xml><?xml version="1.0" encoding="utf-8"?>
+<p:sld xmlns:a="http://schemas.openxmlformats.org/drawingml/2006/main" xmlns:r="http://schemas.openxmlformats.org/officeDocument/2006/relationships" xmlns:p="http://schemas.openxmlformats.org/presentationml/2006/main">
+  <p:cSld>
+    <p:spTree>
+      <p:nvGrpSpPr>
+        <p:cNvPr id="1" name=""/>
+        <p:cNvGrpSpPr/>
+        <p:nvPr/>
+      </p:nvGrpSpPr>
+      <p:grpSpPr>
+        <a:xfrm>
+          <a:off x="0" y="0"/>
+          <a:ext cx="0" cy="0"/>
+          <a:chOff x="0" y="0"/>
+          <a:chExt cx="0" cy="0"/>
+        </a:xfrm>
+      </p:grpSpPr>
+      <p:sp>
+        <p:nvSpPr>
+          <p:cNvPr id="2" name="Titel 1">
+            <a:extLst>
+              <a:ext uri="{FF2B5EF4-FFF2-40B4-BE49-F238E27FC236}">
+                <a16:creationId xmlns:a16="http://schemas.microsoft.com/office/drawing/2014/main" id="{D1793C7F-F99D-4607-9A53-B6014D4CF722}"/>
+              </a:ext>
+            </a:extLst>
+          </p:cNvPr>
+          <p:cNvSpPr>
+            <a:spLocks noGrp="1"/>
+          </p:cNvSpPr>
+          <p:nvPr>
+            <p:ph type="title"/>
+          </p:nvPr>
+        </p:nvSpPr>
+        <p:spPr/>
+        <p:txBody>
+          <a:bodyPr/>
+          <a:lstStyle/>
+          <a:p>
+            <a:r>
+              <a:rPr lang="en-US" dirty="0"/>
+              <a:t>Perfect Time - Process</a:t>
+            </a:r>
+          </a:p>
+        </p:txBody>
+      </p:sp>
+      <p:graphicFrame>
+        <p:nvGraphicFramePr>
+          <p:cNvPr id="8" name="Inhaltsplatzhalter 7">
+            <a:extLst>
+              <a:ext uri="{FF2B5EF4-FFF2-40B4-BE49-F238E27FC236}">
+                <a16:creationId xmlns:a16="http://schemas.microsoft.com/office/drawing/2014/main" id="{90C8DD87-34DB-435B-A1EB-D160B3390EF1}"/>
+              </a:ext>
+            </a:extLst>
+          </p:cNvPr>
+          <p:cNvGraphicFramePr>
+            <a:graphicFrameLocks noGrp="1"/>
+          </p:cNvGraphicFramePr>
+          <p:nvPr>
+            <p:ph sz="quarter" idx="13"/>
+            <p:extLst>
+              <p:ext uri="{D42A27DB-BD31-4B8C-83A1-F6EECF244321}">
+                <p14:modId xmlns:p14="http://schemas.microsoft.com/office/powerpoint/2010/main" val="27165917"/>
+              </p:ext>
+            </p:extLst>
+          </p:nvPr>
+        </p:nvGraphicFramePr>
+        <p:xfrm>
+          <a:off x="914400" y="1842869"/>
+          <a:ext cx="10363200" cy="4396614"/>
+        </p:xfrm>
+        <a:graphic>
+          <a:graphicData uri="http://schemas.openxmlformats.org/drawingml/2006/diagram">
+            <dgm:relIds xmlns:dgm="http://schemas.openxmlformats.org/drawingml/2006/diagram" xmlns:r="http://schemas.openxmlformats.org/officeDocument/2006/relationships" r:dm="rId2" r:lo="rId3" r:qs="rId4" r:cs="rId5"/>
+          </a:graphicData>
+        </a:graphic>
+      </p:graphicFrame>
+      <p:pic>
+        <p:nvPicPr>
+          <p:cNvPr id="9" name="Picture 4" descr="https://confluence.jetbrains.com/download/attachments/38084/TSYSPUB?version=1&amp;modificationDate=1449766720000&amp;api=v2">
+            <a:extLst>
+              <a:ext uri="{FF2B5EF4-FFF2-40B4-BE49-F238E27FC236}">
+                <a16:creationId xmlns:a16="http://schemas.microsoft.com/office/drawing/2014/main" id="{C70B2A04-5962-457C-A110-FDBD1540D008}"/>
+              </a:ext>
+            </a:extLst>
+          </p:cNvPr>
+          <p:cNvPicPr>
+            <a:picLocks noChangeAspect="1" noChangeArrowheads="1"/>
+          </p:cNvPicPr>
+          <p:nvPr/>
+        </p:nvPicPr>
+        <p:blipFill>
+          <a:blip r:embed="rId7">
+            <a:extLst>
+              <a:ext uri="{28A0092B-C50C-407E-A947-70E740481C1C}">
+                <a14:useLocalDpi xmlns:a14="http://schemas.microsoft.com/office/drawing/2010/main" val="0"/>
+              </a:ext>
+            </a:extLst>
+          </a:blip>
+          <a:srcRect/>
+          <a:stretch>
+            <a:fillRect/>
+          </a:stretch>
+        </p:blipFill>
+        <p:spPr bwMode="auto">
+          <a:xfrm>
+            <a:off x="3784157" y="1973354"/>
+            <a:ext cx="575375" cy="575375"/>
+          </a:xfrm>
+          <a:prstGeom prst="rect">
+            <a:avLst/>
+          </a:prstGeom>
+          <a:noFill/>
+          <a:extLst>
+            <a:ext uri="{909E8E84-426E-40DD-AFC4-6F175D3DCCD1}">
+              <a14:hiddenFill xmlns:a14="http://schemas.microsoft.com/office/drawing/2010/main">
+                <a:solidFill>
+                  <a:srgbClr val="FFFFFF"/>
+                </a:solidFill>
+              </a14:hiddenFill>
+            </a:ext>
+          </a:extLst>
+        </p:spPr>
+      </p:pic>
+      <p:pic>
+        <p:nvPicPr>
+          <p:cNvPr id="10" name="Grafik 9">
+            <a:extLst>
+              <a:ext uri="{FF2B5EF4-FFF2-40B4-BE49-F238E27FC236}">
+                <a16:creationId xmlns:a16="http://schemas.microsoft.com/office/drawing/2014/main" id="{95428001-2C2C-407D-BF39-973D57A2A418}"/>
+              </a:ext>
+            </a:extLst>
+          </p:cNvPr>
+          <p:cNvPicPr>
+            <a:picLocks noChangeAspect="1"/>
+          </p:cNvPicPr>
+          <p:nvPr/>
+        </p:nvPicPr>
+        <p:blipFill>
+          <a:blip r:embed="rId8">
+            <a:extLst>
+              <a:ext uri="{28A0092B-C50C-407E-A947-70E740481C1C}">
+                <a14:useLocalDpi xmlns:a14="http://schemas.microsoft.com/office/drawing/2010/main" val="0"/>
+              </a:ext>
+            </a:extLst>
+          </a:blip>
+          <a:stretch>
+            <a:fillRect/>
+          </a:stretch>
+        </p:blipFill>
+        <p:spPr>
+          <a:xfrm flipH="1">
+            <a:off x="2990240" y="3403109"/>
+            <a:ext cx="751661" cy="531173"/>
+          </a:xfrm>
+          <a:prstGeom prst="rect">
+            <a:avLst/>
+          </a:prstGeom>
+        </p:spPr>
+      </p:pic>
+      <p:pic>
+        <p:nvPicPr>
+          <p:cNvPr id="11" name="Grafik 10">
+            <a:extLst>
+              <a:ext uri="{FF2B5EF4-FFF2-40B4-BE49-F238E27FC236}">
+                <a16:creationId xmlns:a16="http://schemas.microsoft.com/office/drawing/2014/main" id="{D15675C0-9210-4370-AD54-D1ABBAD9653D}"/>
+              </a:ext>
+            </a:extLst>
+          </p:cNvPr>
+          <p:cNvPicPr>
+            <a:picLocks noChangeAspect="1"/>
+          </p:cNvPicPr>
+          <p:nvPr/>
+        </p:nvPicPr>
+        <p:blipFill>
+          <a:blip r:embed="rId9">
+            <a:extLst>
+              <a:ext uri="{28A0092B-C50C-407E-A947-70E740481C1C}">
+                <a14:useLocalDpi xmlns:a14="http://schemas.microsoft.com/office/drawing/2010/main" val="0"/>
+              </a:ext>
+            </a:extLst>
+          </a:blip>
+          <a:stretch>
+            <a:fillRect/>
+          </a:stretch>
+        </p:blipFill>
+        <p:spPr>
+          <a:xfrm>
+            <a:off x="3264119" y="4291914"/>
+            <a:ext cx="336653" cy="336653"/>
+          </a:xfrm>
+          <a:prstGeom prst="rect">
+            <a:avLst/>
+          </a:prstGeom>
+        </p:spPr>
+      </p:pic>
+      <p:pic>
+        <p:nvPicPr>
+          <p:cNvPr id="12" name="Grafik 11">
+            <a:extLst>
+              <a:ext uri="{FF2B5EF4-FFF2-40B4-BE49-F238E27FC236}">
+                <a16:creationId xmlns:a16="http://schemas.microsoft.com/office/drawing/2014/main" id="{9651863A-95E3-466B-815D-89445DFECFC0}"/>
+              </a:ext>
+            </a:extLst>
+          </p:cNvPr>
+          <p:cNvPicPr>
+            <a:picLocks noChangeAspect="1"/>
+          </p:cNvPicPr>
+          <p:nvPr/>
+        </p:nvPicPr>
+        <p:blipFill>
+          <a:blip r:embed="rId10">
+            <a:extLst>
+              <a:ext uri="{28A0092B-C50C-407E-A947-70E740481C1C}">
+                <a14:useLocalDpi xmlns:a14="http://schemas.microsoft.com/office/drawing/2010/main" val="0"/>
+              </a:ext>
+            </a:extLst>
+          </a:blip>
+          <a:stretch>
+            <a:fillRect/>
+          </a:stretch>
+        </p:blipFill>
+        <p:spPr>
+          <a:xfrm>
+            <a:off x="3741901" y="4990733"/>
+            <a:ext cx="637678" cy="637678"/>
+          </a:xfrm>
+          <a:prstGeom prst="rect">
+            <a:avLst/>
+          </a:prstGeom>
+        </p:spPr>
+      </p:pic>
+      <p:pic>
+        <p:nvPicPr>
+          <p:cNvPr id="13" name="Grafik 12">
+            <a:extLst>
+              <a:ext uri="{FF2B5EF4-FFF2-40B4-BE49-F238E27FC236}">
+                <a16:creationId xmlns:a16="http://schemas.microsoft.com/office/drawing/2014/main" id="{FE58BFD2-7BB5-49BD-ABCA-7EEB28B88EAE}"/>
+              </a:ext>
+            </a:extLst>
+          </p:cNvPr>
+          <p:cNvPicPr>
+            <a:picLocks noChangeAspect="1"/>
+          </p:cNvPicPr>
+          <p:nvPr/>
+        </p:nvPicPr>
+        <p:blipFill>
+          <a:blip r:embed="rId11">
+            <a:extLst>
+              <a:ext uri="{BEBA8EAE-BF5A-486C-A8C5-ECC9F3942E4B}">
+                <a14:imgProps xmlns:a14="http://schemas.microsoft.com/office/drawing/2010/main">
+                  <a14:imgLayer r:embed="rId12">
+                    <a14:imgEffect>
+                      <a14:backgroundRemoval t="9888" b="89888" l="9277" r="94141">
+                        <a14:foregroundMark x1="88184" y1="39775" x2="88867" y2="21348"/>
+                        <a14:foregroundMark x1="88867" y1="21348" x2="87207" y2="17753"/>
+                        <a14:foregroundMark x1="94238" y1="35955" x2="92383" y2="33258"/>
+                        <a14:foregroundMark x1="90527" y1="39775" x2="90039" y2="42022"/>
+                        <a14:foregroundMark x1="79492" y1="56854" x2="79492" y2="47865"/>
+                        <a14:foregroundMark x1="75098" y1="48989" x2="70703" y2="49888"/>
+                        <a14:foregroundMark x1="59473" y1="40899" x2="62305" y2="44719"/>
+                        <a14:foregroundMark x1="50098" y1="45169" x2="52441" y2="45169"/>
+                        <a14:foregroundMark x1="37988" y1="56404" x2="40820" y2="56854"/>
+                        <a14:foregroundMark x1="28223" y1="46742" x2="28223" y2="49438"/>
+                        <a14:foregroundMark x1="24512" y1="47191" x2="24512" y2="50562"/>
+                        <a14:foregroundMark x1="9277" y1="46742" x2="9277" y2="51011"/>
+                      </a14:backgroundRemoval>
+                    </a14:imgEffect>
+                  </a14:imgLayer>
+                </a14:imgProps>
+              </a:ext>
+              <a:ext uri="{28A0092B-C50C-407E-A947-70E740481C1C}">
+                <a14:useLocalDpi xmlns:a14="http://schemas.microsoft.com/office/drawing/2010/main" val="0"/>
+              </a:ext>
+            </a:extLst>
+          </a:blip>
+          <a:stretch>
+            <a:fillRect/>
+          </a:stretch>
+        </p:blipFill>
+        <p:spPr>
+          <a:xfrm>
+            <a:off x="4994268" y="5628411"/>
+            <a:ext cx="2196457" cy="954515"/>
+          </a:xfrm>
+          <a:prstGeom prst="rect">
+            <a:avLst/>
+          </a:prstGeom>
+        </p:spPr>
+      </p:pic>
+      <p:pic>
+        <p:nvPicPr>
+          <p:cNvPr id="14" name="Grafik 13" descr="Ein Bild, das Vektorgrafiken enthält.&#10;&#10;Automatisch generierte Beschreibung">
+            <a:extLst>
+              <a:ext uri="{FF2B5EF4-FFF2-40B4-BE49-F238E27FC236}">
+                <a16:creationId xmlns:a16="http://schemas.microsoft.com/office/drawing/2014/main" id="{73DAE6FC-EC45-462F-B378-F5F5BCF3EC67}"/>
+              </a:ext>
+            </a:extLst>
+          </p:cNvPr>
+          <p:cNvPicPr>
+            <a:picLocks noChangeAspect="1"/>
+          </p:cNvPicPr>
+          <p:nvPr/>
+        </p:nvPicPr>
+        <p:blipFill>
+          <a:blip r:embed="rId13">
+            <a:extLst>
+              <a:ext uri="{28A0092B-C50C-407E-A947-70E740481C1C}">
+                <a14:useLocalDpi xmlns:a14="http://schemas.microsoft.com/office/drawing/2010/main" val="0"/>
+              </a:ext>
+            </a:extLst>
+          </a:blip>
+          <a:stretch>
+            <a:fillRect/>
+          </a:stretch>
+        </p:blipFill>
+        <p:spPr>
+          <a:xfrm>
+            <a:off x="6551590" y="4992961"/>
+            <a:ext cx="639866" cy="639866"/>
+          </a:xfrm>
+          <a:prstGeom prst="rect">
+            <a:avLst/>
+          </a:prstGeom>
+        </p:spPr>
+      </p:pic>
+      <p:pic>
+        <p:nvPicPr>
+          <p:cNvPr id="15" name="Grafik 14" descr="Ein Bild, das ClipArt enthält.&#10;&#10;Automatisch generierte Beschreibung">
+            <a:extLst>
+              <a:ext uri="{FF2B5EF4-FFF2-40B4-BE49-F238E27FC236}">
+                <a16:creationId xmlns:a16="http://schemas.microsoft.com/office/drawing/2014/main" id="{90EBE75A-81B7-4972-A0D2-B41A12618759}"/>
+              </a:ext>
+            </a:extLst>
+          </p:cNvPr>
+          <p:cNvPicPr>
+            <a:picLocks noChangeAspect="1"/>
+          </p:cNvPicPr>
+          <p:nvPr/>
+        </p:nvPicPr>
+        <p:blipFill>
+          <a:blip r:embed="rId14">
+            <a:extLst>
+              <a:ext uri="{BEBA8EAE-BF5A-486C-A8C5-ECC9F3942E4B}">
+                <a14:imgProps xmlns:a14="http://schemas.microsoft.com/office/drawing/2010/main">
+                  <a14:imgLayer r:embed="rId15">
+                    <a14:imgEffect>
+                      <a14:backgroundRemoval t="9375" b="89844" l="8376" r="92893">
+                        <a14:foregroundMark x1="9137" y1="27344" x2="8629" y2="55469"/>
+                        <a14:foregroundMark x1="19036" y1="50000" x2="23350" y2="49219"/>
+                        <a14:foregroundMark x1="47462" y1="52344" x2="54822" y2="52344"/>
+                        <a14:foregroundMark x1="62437" y1="36719" x2="62437" y2="53906"/>
+                        <a14:foregroundMark x1="68528" y1="69531" x2="69036" y2="69531"/>
+                        <a14:foregroundMark x1="76904" y1="36719" x2="76904" y2="60156"/>
+                        <a14:foregroundMark x1="73350" y1="89844" x2="76142" y2="67969"/>
+                        <a14:foregroundMark x1="76142" y1="67969" x2="76142" y2="60938"/>
+                        <a14:foregroundMark x1="75127" y1="18750" x2="76904" y2="21875"/>
+                        <a14:foregroundMark x1="84712" y1="53812" x2="84264" y2="46094"/>
+                        <a14:foregroundMark x1="85533" y1="67969" x2="85390" y2="65503"/>
+                        <a14:foregroundMark x1="84264" y1="46094" x2="83503" y2="42188"/>
+                        <a14:foregroundMark x1="92893" y1="66406" x2="92893" y2="59375"/>
+                        <a14:backgroundMark x1="85533" y1="60156" x2="84264" y2="59375"/>
+                        <a14:backgroundMark x1="85533" y1="58594" x2="84010" y2="57031"/>
+                      </a14:backgroundRemoval>
+                    </a14:imgEffect>
+                  </a14:imgLayer>
+                </a14:imgProps>
+              </a:ext>
+              <a:ext uri="{28A0092B-C50C-407E-A947-70E740481C1C}">
+                <a14:useLocalDpi xmlns:a14="http://schemas.microsoft.com/office/drawing/2010/main" val="0"/>
+              </a:ext>
+            </a:extLst>
+          </a:blip>
+          <a:stretch>
+            <a:fillRect/>
+          </a:stretch>
+        </p:blipFill>
+        <p:spPr>
+          <a:xfrm>
+            <a:off x="5095223" y="4962713"/>
+            <a:ext cx="1564773" cy="508352"/>
+          </a:xfrm>
+          <a:prstGeom prst="rect">
+            <a:avLst/>
+          </a:prstGeom>
+        </p:spPr>
+      </p:pic>
+      <p:pic>
+        <p:nvPicPr>
+          <p:cNvPr id="16" name="Grafik 15">
+            <a:extLst>
+              <a:ext uri="{FF2B5EF4-FFF2-40B4-BE49-F238E27FC236}">
+                <a16:creationId xmlns:a16="http://schemas.microsoft.com/office/drawing/2014/main" id="{E5DA1B7E-BBFE-4895-BB26-AF7CFB3B8CEA}"/>
+              </a:ext>
+            </a:extLst>
+          </p:cNvPr>
+          <p:cNvPicPr>
+            <a:picLocks noChangeAspect="1"/>
+          </p:cNvPicPr>
+          <p:nvPr/>
+        </p:nvPicPr>
+        <p:blipFill rotWithShape="1">
+          <a:blip r:embed="rId16">
+            <a:extLst>
+              <a:ext uri="{BEBA8EAE-BF5A-486C-A8C5-ECC9F3942E4B}">
+                <a14:imgProps xmlns:a14="http://schemas.microsoft.com/office/drawing/2010/main">
+                  <a14:imgLayer r:embed="rId17">
+                    <a14:imgEffect>
+                      <a14:backgroundRemoval t="17051" b="90783" l="10000" r="90000">
+                        <a14:foregroundMark x1="35207" y1="56213" x2="17456" y2="68047"/>
+                        <a14:foregroundMark x1="49112" y1="71302" x2="65680" y2="70118"/>
+                        <a14:foregroundMark x1="65680" y1="70118" x2="81657" y2="70118"/>
+                        <a14:foregroundMark x1="81657" y1="70118" x2="69231" y2="59467"/>
+                        <a14:foregroundMark x1="69231" y1="59467" x2="61538" y2="57101"/>
+                      </a14:backgroundRemoval>
+                    </a14:imgEffect>
+                  </a14:imgLayer>
+                </a14:imgProps>
+              </a:ext>
+              <a:ext uri="{28A0092B-C50C-407E-A947-70E740481C1C}">
+                <a14:useLocalDpi xmlns:a14="http://schemas.microsoft.com/office/drawing/2010/main" val="0"/>
+              </a:ext>
+            </a:extLst>
+          </a:blip>
+          <a:srcRect t="7834"/>
+          <a:stretch/>
+        </p:blipFill>
+        <p:spPr>
+          <a:xfrm>
+            <a:off x="4993537" y="5385872"/>
+            <a:ext cx="674352" cy="621523"/>
+          </a:xfrm>
+          <a:prstGeom prst="rect">
+            <a:avLst/>
+          </a:prstGeom>
+        </p:spPr>
+      </p:pic>
+      <p:pic>
+        <p:nvPicPr>
+          <p:cNvPr id="17" name="Grafik 16">
+            <a:extLst>
+              <a:ext uri="{FF2B5EF4-FFF2-40B4-BE49-F238E27FC236}">
+                <a16:creationId xmlns:a16="http://schemas.microsoft.com/office/drawing/2014/main" id="{A3E5934C-A5B4-45E4-9C78-4903190BE770}"/>
+              </a:ext>
+            </a:extLst>
+          </p:cNvPr>
+          <p:cNvPicPr>
+            <a:picLocks noChangeAspect="1"/>
+          </p:cNvPicPr>
+          <p:nvPr/>
+        </p:nvPicPr>
+        <p:blipFill>
+          <a:blip r:embed="rId10">
+            <a:extLst>
+              <a:ext uri="{28A0092B-C50C-407E-A947-70E740481C1C}">
+                <a14:useLocalDpi xmlns:a14="http://schemas.microsoft.com/office/drawing/2010/main" val="0"/>
+              </a:ext>
+            </a:extLst>
+          </a:blip>
+          <a:stretch>
+            <a:fillRect/>
+          </a:stretch>
+        </p:blipFill>
+        <p:spPr>
+          <a:xfrm>
+            <a:off x="6569402" y="3449652"/>
+            <a:ext cx="604242" cy="604242"/>
+          </a:xfrm>
+          <a:prstGeom prst="rect">
+            <a:avLst/>
+          </a:prstGeom>
+        </p:spPr>
+      </p:pic>
+      <p:pic>
+        <p:nvPicPr>
+          <p:cNvPr id="18" name="Grafik 17" descr="Ein Bild, das Briefpapier, Umschlag enthält.&#10;&#10;Automatisch generierte Beschreibung">
+            <a:extLst>
+              <a:ext uri="{FF2B5EF4-FFF2-40B4-BE49-F238E27FC236}">
+                <a16:creationId xmlns:a16="http://schemas.microsoft.com/office/drawing/2014/main" id="{0B3D7494-F317-44A0-9054-D2C6B84BAFCD}"/>
+              </a:ext>
+            </a:extLst>
+          </p:cNvPr>
+          <p:cNvPicPr>
+            <a:picLocks noChangeAspect="1"/>
+          </p:cNvPicPr>
+          <p:nvPr/>
+        </p:nvPicPr>
+        <p:blipFill>
+          <a:blip r:embed="rId18">
+            <a:extLst>
+              <a:ext uri="{28A0092B-C50C-407E-A947-70E740481C1C}">
+                <a14:useLocalDpi xmlns:a14="http://schemas.microsoft.com/office/drawing/2010/main" val="0"/>
+              </a:ext>
+            </a:extLst>
+          </a:blip>
+          <a:stretch>
+            <a:fillRect/>
+          </a:stretch>
+        </p:blipFill>
+        <p:spPr>
+          <a:xfrm>
+            <a:off x="6659996" y="2512331"/>
+            <a:ext cx="604242" cy="604242"/>
+          </a:xfrm>
+          <a:prstGeom prst="rect">
+            <a:avLst/>
+          </a:prstGeom>
+        </p:spPr>
+      </p:pic>
+      <p:pic>
+        <p:nvPicPr>
+          <p:cNvPr id="19" name="Grafik 18" descr="Ein Bild, das Kleidung, Kopfbedeckung enthält.&#10;&#10;Automatisch generierte Beschreibung">
+            <a:extLst>
+              <a:ext uri="{FF2B5EF4-FFF2-40B4-BE49-F238E27FC236}">
+                <a16:creationId xmlns:a16="http://schemas.microsoft.com/office/drawing/2014/main" id="{4A5F2DFE-A72D-4F51-97E2-473CAF41562A}"/>
+              </a:ext>
+            </a:extLst>
+          </p:cNvPr>
+          <p:cNvPicPr>
+            <a:picLocks noChangeAspect="1"/>
+          </p:cNvPicPr>
+          <p:nvPr/>
+        </p:nvPicPr>
+        <p:blipFill>
+          <a:blip r:embed="rId19">
+            <a:extLst>
+              <a:ext uri="{28A0092B-C50C-407E-A947-70E740481C1C}">
+                <a14:useLocalDpi xmlns:a14="http://schemas.microsoft.com/office/drawing/2010/main" val="0"/>
+              </a:ext>
+            </a:extLst>
+          </a:blip>
+          <a:stretch>
+            <a:fillRect/>
+          </a:stretch>
+        </p:blipFill>
+        <p:spPr>
+          <a:xfrm>
+            <a:off x="6664253" y="1916406"/>
+            <a:ext cx="445271" cy="441716"/>
+          </a:xfrm>
+          <a:prstGeom prst="rect">
+            <a:avLst/>
+          </a:prstGeom>
+        </p:spPr>
+      </p:pic>
+      <p:pic>
+        <p:nvPicPr>
+          <p:cNvPr id="20" name="Grafik 19">
+            <a:extLst>
+              <a:ext uri="{FF2B5EF4-FFF2-40B4-BE49-F238E27FC236}">
+                <a16:creationId xmlns:a16="http://schemas.microsoft.com/office/drawing/2014/main" id="{2EB2E8AF-DC5A-4C40-B470-F5D2F120CD98}"/>
+              </a:ext>
+            </a:extLst>
+          </p:cNvPr>
+          <p:cNvPicPr>
+            <a:picLocks noChangeAspect="1"/>
+          </p:cNvPicPr>
+          <p:nvPr/>
+        </p:nvPicPr>
+        <p:blipFill>
+          <a:blip r:embed="rId20">
+            <a:extLst>
+              <a:ext uri="{BEBA8EAE-BF5A-486C-A8C5-ECC9F3942E4B}">
+                <a14:imgProps xmlns:a14="http://schemas.microsoft.com/office/drawing/2010/main">
+                  <a14:imgLayer r:embed="rId21">
+                    <a14:imgEffect>
+                      <a14:backgroundRemoval t="2250" b="98125" l="2500" r="95750">
+                        <a14:foregroundMark x1="3500" y1="42750" x2="10500" y2="24000"/>
+                        <a14:foregroundMark x1="10500" y1="24000" x2="18500" y2="13375"/>
+                        <a14:foregroundMark x1="18500" y1="13375" x2="53875" y2="7375"/>
+                        <a14:foregroundMark x1="53875" y1="7375" x2="81125" y2="30625"/>
+                        <a14:foregroundMark x1="81125" y1="30625" x2="89500" y2="44625"/>
+                        <a14:foregroundMark x1="89500" y1="44625" x2="86625" y2="75375"/>
+                        <a14:foregroundMark x1="86625" y1="75375" x2="77500" y2="85250"/>
+                        <a14:foregroundMark x1="77500" y1="85250" x2="37000" y2="90875"/>
+                        <a14:foregroundMark x1="37000" y1="90875" x2="20625" y2="86000"/>
+                        <a14:foregroundMark x1="20625" y1="86000" x2="6625" y2="65625"/>
+                        <a14:foregroundMark x1="6625" y1="65625" x2="4500" y2="44375"/>
+                        <a14:foregroundMark x1="25625" y1="48750" x2="84000" y2="31875"/>
+                        <a14:foregroundMark x1="84000" y1="31875" x2="45625" y2="62125"/>
+                        <a14:foregroundMark x1="45625" y1="62125" x2="65000" y2="53125"/>
+                        <a14:foregroundMark x1="65000" y1="53125" x2="42750" y2="70500"/>
+                        <a14:foregroundMark x1="42750" y1="70500" x2="25000" y2="77875"/>
+                        <a14:foregroundMark x1="61125" y1="92125" x2="46250" y2="89875"/>
+                        <a14:foregroundMark x1="46250" y1="89875" x2="30250" y2="79250"/>
+                        <a14:foregroundMark x1="30250" y1="79250" x2="23250" y2="67375"/>
+                        <a14:foregroundMark x1="23250" y1="67375" x2="35625" y2="33375"/>
+                        <a14:foregroundMark x1="35625" y1="33375" x2="39625" y2="27875"/>
+                        <a14:foregroundMark x1="31625" y1="83875" x2="58500" y2="84125"/>
+                        <a14:foregroundMark x1="58500" y1="84125" x2="69125" y2="83500"/>
+                        <a14:foregroundMark x1="27000" y1="69875" x2="84125" y2="79125"/>
+                        <a14:foregroundMark x1="84125" y1="79125" x2="87625" y2="78250"/>
+                        <a14:foregroundMark x1="19375" y1="87125" x2="29750" y2="92625"/>
+                        <a14:foregroundMark x1="29750" y1="92625" x2="59625" y2="95125"/>
+                        <a14:foregroundMark x1="59625" y1="95125" x2="71125" y2="94250"/>
+                        <a14:foregroundMark x1="71125" y1="94250" x2="80875" y2="87375"/>
+                        <a14:foregroundMark x1="80875" y1="87375" x2="92750" y2="65000"/>
+                        <a14:foregroundMark x1="92750" y1="65000" x2="95125" y2="40625"/>
+                        <a14:foregroundMark x1="95125" y1="40625" x2="83750" y2="17125"/>
+                        <a14:foregroundMark x1="83750" y1="17125" x2="57000" y2="5125"/>
+                        <a14:foregroundMark x1="57000" y1="5125" x2="21250" y2="10250"/>
+                        <a14:foregroundMark x1="21250" y1="10250" x2="19375" y2="12250"/>
+                        <a14:foregroundMark x1="37875" y1="3625" x2="56500" y2="2250"/>
+                        <a14:foregroundMark x1="56500" y1="2250" x2="62750" y2="4625"/>
+                        <a14:foregroundMark x1="90625" y1="25875" x2="97750" y2="38625"/>
+                        <a14:foregroundMark x1="97750" y1="38625" x2="99250" y2="50375"/>
+                        <a14:foregroundMark x1="99250" y1="50375" x2="92875" y2="72750"/>
+                        <a14:foregroundMark x1="92875" y1="72750" x2="90875" y2="75250"/>
+                        <a14:foregroundMark x1="58750" y1="81250" x2="92125" y2="53125"/>
+                        <a14:foregroundMark x1="92125" y1="53125" x2="41875" y2="70750"/>
+                        <a14:foregroundMark x1="41875" y1="70750" x2="56875" y2="63625"/>
+                        <a14:foregroundMark x1="56875" y1="63625" x2="43750" y2="66375"/>
+                        <a14:foregroundMark x1="43750" y1="66375" x2="51000" y2="56625"/>
+                        <a14:foregroundMark x1="51000" y1="56625" x2="68000" y2="43875"/>
+                        <a14:foregroundMark x1="68000" y1="43875" x2="42625" y2="51500"/>
+                        <a14:foregroundMark x1="42625" y1="51500" x2="55625" y2="39375"/>
+                        <a14:foregroundMark x1="55625" y1="39375" x2="36500" y2="49250"/>
+                        <a14:foregroundMark x1="36500" y1="49250" x2="53250" y2="22000"/>
+                        <a14:foregroundMark x1="53250" y1="22000" x2="37250" y2="35000"/>
+                        <a14:foregroundMark x1="37250" y1="35000" x2="46375" y2="22875"/>
+                        <a14:foregroundMark x1="46375" y1="22875" x2="29000" y2="38500"/>
+                        <a14:foregroundMark x1="29000" y1="38500" x2="34625" y2="27625"/>
+                        <a14:foregroundMark x1="34625" y1="27625" x2="26625" y2="19000"/>
+                        <a14:foregroundMark x1="26625" y1="19000" x2="39125" y2="12875"/>
+                        <a14:foregroundMark x1="39125" y1="12875" x2="50875" y2="16625"/>
+                        <a14:foregroundMark x1="50875" y1="16625" x2="58375" y2="27875"/>
+                        <a14:foregroundMark x1="58375" y1="27875" x2="57000" y2="43875"/>
+                        <a14:foregroundMark x1="57000" y1="43875" x2="40000" y2="51250"/>
+                        <a14:foregroundMark x1="40000" y1="51250" x2="44125" y2="40125"/>
+                        <a14:foregroundMark x1="44125" y1="40125" x2="36750" y2="48750"/>
+                        <a14:foregroundMark x1="36750" y1="48750" x2="14375" y2="54500"/>
+                        <a14:foregroundMark x1="14375" y1="54500" x2="17750" y2="40875"/>
+                        <a14:foregroundMark x1="17750" y1="40875" x2="18500" y2="54750"/>
+                        <a14:foregroundMark x1="18500" y1="54750" x2="24375" y2="43250"/>
+                        <a14:foregroundMark x1="24375" y1="43250" x2="20000" y2="65625"/>
+                        <a14:foregroundMark x1="20000" y1="65625" x2="46250" y2="51750"/>
+                        <a14:foregroundMark x1="46250" y1="51750" x2="23750" y2="85125"/>
+                        <a14:foregroundMark x1="23750" y1="85125" x2="66250" y2="62750"/>
+                        <a14:foregroundMark x1="66250" y1="62750" x2="56250" y2="88750"/>
+                        <a14:foregroundMark x1="56250" y1="88750" x2="71250" y2="69125"/>
+                        <a14:foregroundMark x1="71250" y1="69125" x2="70500" y2="57125"/>
+                        <a14:foregroundMark x1="70500" y1="57125" x2="77125" y2="46000"/>
+                        <a14:foregroundMark x1="77125" y1="46000" x2="67750" y2="53375"/>
+                        <a14:foregroundMark x1="67750" y1="53375" x2="79750" y2="41500"/>
+                        <a14:foregroundMark x1="79750" y1="41500" x2="77375" y2="55875"/>
+                        <a14:foregroundMark x1="77375" y1="55875" x2="73875" y2="40500"/>
+                        <a14:foregroundMark x1="73875" y1="40500" x2="62125" y2="41750"/>
+                        <a14:foregroundMark x1="62125" y1="41750" x2="53875" y2="23875"/>
+                        <a14:foregroundMark x1="18375" y1="31875" x2="23125" y2="17000"/>
+                        <a14:foregroundMark x1="23125" y1="17000" x2="42625" y2="29000"/>
+                        <a14:foregroundMark x1="42625" y1="29000" x2="59750" y2="26375"/>
+                        <a14:foregroundMark x1="59750" y1="26375" x2="70375" y2="33000"/>
+                        <a14:foregroundMark x1="70375" y1="33000" x2="70375" y2="33125"/>
+                        <a14:foregroundMark x1="62125" y1="50375" x2="71000" y2="43250"/>
+                        <a14:foregroundMark x1="71000" y1="43250" x2="71000" y2="43125"/>
+                        <a14:foregroundMark x1="58500" y1="24500" x2="72500" y2="23250"/>
+                        <a14:foregroundMark x1="72500" y1="23250" x2="73375" y2="23500"/>
+                        <a14:foregroundMark x1="36000" y1="33500" x2="36875" y2="42750"/>
+                        <a14:foregroundMark x1="32250" y1="74250" x2="32250" y2="61000"/>
+                        <a14:foregroundMark x1="29375" y1="24250" x2="26375" y2="21250"/>
+                        <a14:foregroundMark x1="2500" y1="59375" x2="3500" y2="41125"/>
+                        <a14:foregroundMark x1="95875" y1="63625" x2="95750" y2="38000"/>
+                        <a14:foregroundMark x1="95750" y1="38000" x2="95625" y2="37750"/>
+                        <a14:foregroundMark x1="67125" y1="65000" x2="66750" y2="76250"/>
+                        <a14:foregroundMark x1="66750" y1="76250" x2="65375" y2="61625"/>
+                        <a14:foregroundMark x1="42250" y1="61000" x2="45875" y2="63000"/>
+                        <a14:foregroundMark x1="67750" y1="82875" x2="70750" y2="83500"/>
+                        <a14:foregroundMark x1="63125" y1="95750" x2="32000" y2="94500"/>
+                        <a14:foregroundMark x1="55875" y1="98125" x2="41250" y2="97375"/>
+                        <a14:foregroundMark x1="39250" y1="78500" x2="51500" y2="78500"/>
+                        <a14:foregroundMark x1="51500" y1="78500" x2="64750" y2="75875"/>
+                        <a14:foregroundMark x1="64750" y1="75875" x2="59750" y2="68875"/>
+                      </a14:backgroundRemoval>
+                    </a14:imgEffect>
+                  </a14:imgLayer>
+                </a14:imgProps>
+              </a:ext>
+              <a:ext uri="{28A0092B-C50C-407E-A947-70E740481C1C}">
+                <a14:useLocalDpi xmlns:a14="http://schemas.microsoft.com/office/drawing/2010/main" val="0"/>
+              </a:ext>
+            </a:extLst>
+          </a:blip>
+          <a:stretch>
+            <a:fillRect/>
+          </a:stretch>
+        </p:blipFill>
+        <p:spPr>
+          <a:xfrm>
+            <a:off x="9479243" y="1883917"/>
+            <a:ext cx="430888" cy="430888"/>
+          </a:xfrm>
+          <a:prstGeom prst="rect">
+            <a:avLst/>
+          </a:prstGeom>
+        </p:spPr>
+      </p:pic>
+      <p:pic>
+        <p:nvPicPr>
+          <p:cNvPr id="21" name="Grafik 20">
+            <a:extLst>
+              <a:ext uri="{FF2B5EF4-FFF2-40B4-BE49-F238E27FC236}">
+                <a16:creationId xmlns:a16="http://schemas.microsoft.com/office/drawing/2014/main" id="{60193DE0-7371-4B16-A278-4C6C68F7DFBB}"/>
+              </a:ext>
+            </a:extLst>
+          </p:cNvPr>
+          <p:cNvPicPr>
+            <a:picLocks noChangeAspect="1"/>
+          </p:cNvPicPr>
+          <p:nvPr/>
+        </p:nvPicPr>
+        <p:blipFill>
+          <a:blip r:embed="rId22">
+            <a:extLst>
+              <a:ext uri="{28A0092B-C50C-407E-A947-70E740481C1C}">
+                <a14:useLocalDpi xmlns:a14="http://schemas.microsoft.com/office/drawing/2010/main" val="0"/>
+              </a:ext>
+            </a:extLst>
+          </a:blip>
+          <a:stretch>
+            <a:fillRect/>
+          </a:stretch>
+        </p:blipFill>
+        <p:spPr>
+          <a:xfrm>
+            <a:off x="8813551" y="1883917"/>
+            <a:ext cx="575375" cy="431531"/>
+          </a:xfrm>
+          <a:prstGeom prst="rect">
+            <a:avLst/>
+          </a:prstGeom>
+        </p:spPr>
+      </p:pic>
+      <p:pic>
+        <p:nvPicPr>
+          <p:cNvPr id="22" name="Grafik 21" descr="Ein Bild, das ClipArt enthält.&#10;&#10;Automatisch generierte Beschreibung">
+            <a:extLst>
+              <a:ext uri="{FF2B5EF4-FFF2-40B4-BE49-F238E27FC236}">
+                <a16:creationId xmlns:a16="http://schemas.microsoft.com/office/drawing/2014/main" id="{7907133D-467D-49F9-B661-5DD4E4B81D8E}"/>
+              </a:ext>
+            </a:extLst>
+          </p:cNvPr>
+          <p:cNvPicPr>
+            <a:picLocks noChangeAspect="1"/>
+          </p:cNvPicPr>
+          <p:nvPr/>
+        </p:nvPicPr>
+        <p:blipFill rotWithShape="1">
+          <a:blip r:embed="rId23">
+            <a:extLst>
+              <a:ext uri="{BEBA8EAE-BF5A-486C-A8C5-ECC9F3942E4B}">
+                <a14:imgProps xmlns:a14="http://schemas.microsoft.com/office/drawing/2010/main">
+                  <a14:imgLayer r:embed="rId24">
+                    <a14:imgEffect>
+                      <a14:backgroundRemoval t="7000" b="69000" l="10000" r="90000">
+                        <a14:foregroundMark x1="46000" y1="17500" x2="46000" y2="15500"/>
+                        <a14:foregroundMark x1="64000" y1="20000" x2="69500" y2="24500"/>
+                        <a14:foregroundMark x1="76000" y1="41000" x2="75500" y2="45000"/>
+                        <a14:foregroundMark x1="69000" y1="60500" x2="61500" y2="65000"/>
+                        <a14:foregroundMark x1="44500" y1="69000" x2="41000" y2="68000"/>
+                        <a14:foregroundMark x1="28500" y1="59000" x2="30500" y2="57500"/>
+                        <a14:foregroundMark x1="22500" y1="46500" x2="25000" y2="46000"/>
+                      </a14:backgroundRemoval>
+                    </a14:imgEffect>
+                  </a14:imgLayer>
+                </a14:imgProps>
+              </a:ext>
+              <a:ext uri="{28A0092B-C50C-407E-A947-70E740481C1C}">
+                <a14:useLocalDpi xmlns:a14="http://schemas.microsoft.com/office/drawing/2010/main" val="0"/>
+              </a:ext>
+            </a:extLst>
+          </a:blip>
+          <a:srcRect b="27972"/>
+          <a:stretch/>
+        </p:blipFill>
+        <p:spPr>
+          <a:xfrm>
+            <a:off x="9275631" y="2500185"/>
+            <a:ext cx="791268" cy="569937"/>
+          </a:xfrm>
+          <a:prstGeom prst="rect">
+            <a:avLst/>
+          </a:prstGeom>
+        </p:spPr>
+      </p:pic>
+      <p:pic>
+        <p:nvPicPr>
+          <p:cNvPr id="23" name="Grafik 22" descr="Ein Bild, das Objekt enthält.&#10;&#10;Automatisch generierte Beschreibung">
+            <a:extLst>
+              <a:ext uri="{FF2B5EF4-FFF2-40B4-BE49-F238E27FC236}">
+                <a16:creationId xmlns:a16="http://schemas.microsoft.com/office/drawing/2014/main" id="{AD969281-6439-485B-905E-21B217E80E64}"/>
+              </a:ext>
+            </a:extLst>
+          </p:cNvPr>
+          <p:cNvPicPr>
+            <a:picLocks noChangeAspect="1"/>
+          </p:cNvPicPr>
+          <p:nvPr/>
+        </p:nvPicPr>
+        <p:blipFill>
+          <a:blip r:embed="rId25">
+            <a:extLst>
+              <a:ext uri="{28A0092B-C50C-407E-A947-70E740481C1C}">
+                <a14:useLocalDpi xmlns:a14="http://schemas.microsoft.com/office/drawing/2010/main" val="0"/>
+              </a:ext>
+            </a:extLst>
+          </a:blip>
+          <a:stretch>
+            <a:fillRect/>
+          </a:stretch>
+        </p:blipFill>
+        <p:spPr>
+          <a:xfrm>
+            <a:off x="9486536" y="4204972"/>
+            <a:ext cx="423595" cy="423595"/>
+          </a:xfrm>
+          <a:prstGeom prst="rect">
+            <a:avLst/>
+          </a:prstGeom>
+        </p:spPr>
+      </p:pic>
+      <p:pic>
+        <p:nvPicPr>
+          <p:cNvPr id="24" name="Grafik 23">
+            <a:extLst>
+              <a:ext uri="{FF2B5EF4-FFF2-40B4-BE49-F238E27FC236}">
+                <a16:creationId xmlns:a16="http://schemas.microsoft.com/office/drawing/2014/main" id="{EEF08D5C-2A4D-4F1C-95B8-AF0DFEE861F6}"/>
+              </a:ext>
+            </a:extLst>
+          </p:cNvPr>
+          <p:cNvPicPr>
+            <a:picLocks noChangeAspect="1"/>
+          </p:cNvPicPr>
+          <p:nvPr/>
+        </p:nvPicPr>
+        <p:blipFill>
+          <a:blip r:embed="rId26">
+            <a:extLst>
+              <a:ext uri="{28A0092B-C50C-407E-A947-70E740481C1C}">
+                <a14:useLocalDpi xmlns:a14="http://schemas.microsoft.com/office/drawing/2010/main" val="0"/>
+              </a:ext>
+            </a:extLst>
+          </a:blip>
+          <a:stretch>
+            <a:fillRect/>
+          </a:stretch>
+        </p:blipFill>
+        <p:spPr>
+          <a:xfrm>
+            <a:off x="5782101" y="1859797"/>
+            <a:ext cx="823512" cy="503715"/>
+          </a:xfrm>
+          <a:prstGeom prst="rect">
+            <a:avLst/>
+          </a:prstGeom>
+        </p:spPr>
+      </p:pic>
+      <p:pic>
+        <p:nvPicPr>
+          <p:cNvPr id="25" name="Grafik 24" descr="Ein Bild, das ClipArt enthält.&#10;&#10;Automatisch generierte Beschreibung">
+            <a:extLst>
+              <a:ext uri="{FF2B5EF4-FFF2-40B4-BE49-F238E27FC236}">
+                <a16:creationId xmlns:a16="http://schemas.microsoft.com/office/drawing/2014/main" id="{C633D5ED-B36B-4205-9523-2A1065D35DC6}"/>
+              </a:ext>
+            </a:extLst>
+          </p:cNvPr>
+          <p:cNvPicPr>
+            <a:picLocks noChangeAspect="1"/>
+          </p:cNvPicPr>
+          <p:nvPr/>
+        </p:nvPicPr>
+        <p:blipFill>
+          <a:blip r:embed="rId27">
+            <a:extLst>
+              <a:ext uri="{BEBA8EAE-BF5A-486C-A8C5-ECC9F3942E4B}">
+                <a14:imgProps xmlns:a14="http://schemas.microsoft.com/office/drawing/2010/main">
+                  <a14:imgLayer r:embed="rId28">
+                    <a14:imgEffect>
+                      <a14:backgroundRemoval t="9916" b="89451" l="4852" r="98523">
+                        <a14:foregroundMark x1="5274" y1="38608" x2="12869" y2="35021"/>
+                        <a14:foregroundMark x1="47890" y1="26582" x2="83122" y2="31224"/>
+                        <a14:foregroundMark x1="83122" y1="31224" x2="81857" y2="69198"/>
+                        <a14:foregroundMark x1="95359" y1="63291" x2="87975" y2="64135"/>
+                        <a14:foregroundMark x1="98523" y1="61603" x2="96835" y2="61603"/>
+                        <a14:foregroundMark x1="28481" y1="56751" x2="37131" y2="56751"/>
+                        <a14:foregroundMark x1="37131" y1="56751" x2="46203" y2="59072"/>
+                        <a14:foregroundMark x1="46203" y1="59072" x2="55063" y2="56751"/>
+                        <a14:foregroundMark x1="55063" y1="56751" x2="63713" y2="57384"/>
+                        <a14:foregroundMark x1="63713" y1="57384" x2="69831" y2="50000"/>
+                        <a14:foregroundMark x1="69831" y1="50000" x2="62025" y2="44726"/>
+                        <a14:foregroundMark x1="62025" y1="44726" x2="28270" y2="44937"/>
+                        <a14:foregroundMark x1="44304" y1="50633" x2="67300" y2="49789"/>
+                        <a14:foregroundMark x1="67300" y1="49789" x2="67300" y2="49789"/>
+                        <a14:foregroundMark x1="31224" y1="49156" x2="57806" y2="52110"/>
+                        <a14:foregroundMark x1="43460" y1="56962" x2="44515" y2="47679"/>
+                        <a14:foregroundMark x1="44515" y1="47679" x2="52110" y2="52743"/>
+                        <a14:foregroundMark x1="52110" y1="52743" x2="51899" y2="54008"/>
+                        <a14:foregroundMark x1="32068" y1="54219" x2="38819" y2="48312"/>
+                        <a14:foregroundMark x1="38819" y1="48312" x2="39241" y2="48312"/>
+                      </a14:backgroundRemoval>
+                    </a14:imgEffect>
+                  </a14:imgLayer>
+                </a14:imgProps>
+              </a:ext>
+              <a:ext uri="{28A0092B-C50C-407E-A947-70E740481C1C}">
+                <a14:useLocalDpi xmlns:a14="http://schemas.microsoft.com/office/drawing/2010/main" val="0"/>
+              </a:ext>
+            </a:extLst>
+          </a:blip>
+          <a:stretch>
+            <a:fillRect/>
+          </a:stretch>
+        </p:blipFill>
+        <p:spPr>
+          <a:xfrm>
+            <a:off x="2390994" y="4085046"/>
+            <a:ext cx="663445" cy="663445"/>
+          </a:xfrm>
+          <a:prstGeom prst="rect">
+            <a:avLst/>
+          </a:prstGeom>
+        </p:spPr>
+      </p:pic>
+      <p:pic>
+        <p:nvPicPr>
+          <p:cNvPr id="26" name="Grafik 25">
+            <a:extLst>
+              <a:ext uri="{FF2B5EF4-FFF2-40B4-BE49-F238E27FC236}">
+                <a16:creationId xmlns:a16="http://schemas.microsoft.com/office/drawing/2014/main" id="{0BE60797-0C47-4282-B33B-AAD9564BF5F0}"/>
+              </a:ext>
+            </a:extLst>
+          </p:cNvPr>
+          <p:cNvPicPr>
+            <a:picLocks noChangeAspect="1"/>
+          </p:cNvPicPr>
+          <p:nvPr/>
+        </p:nvPicPr>
+        <p:blipFill>
+          <a:blip r:embed="rId29">
+            <a:extLst>
+              <a:ext uri="{28A0092B-C50C-407E-A947-70E740481C1C}">
+                <a14:useLocalDpi xmlns:a14="http://schemas.microsoft.com/office/drawing/2010/main" val="0"/>
+              </a:ext>
+            </a:extLst>
+          </a:blip>
+          <a:stretch>
+            <a:fillRect/>
+          </a:stretch>
+        </p:blipFill>
+        <p:spPr>
+          <a:xfrm>
+            <a:off x="6575695" y="4024324"/>
+            <a:ext cx="597949" cy="604243"/>
+          </a:xfrm>
+          <a:prstGeom prst="rect">
+            <a:avLst/>
+          </a:prstGeom>
+        </p:spPr>
+      </p:pic>
+      <p:pic>
+        <p:nvPicPr>
+          <p:cNvPr id="27" name="Grafik 26" descr="Ein Bild, das Objekt enthält.&#10;&#10;Automatisch generierte Beschreibung">
+            <a:extLst>
+              <a:ext uri="{FF2B5EF4-FFF2-40B4-BE49-F238E27FC236}">
+                <a16:creationId xmlns:a16="http://schemas.microsoft.com/office/drawing/2014/main" id="{2F434867-EFB5-470F-B8B0-69B0633BAD52}"/>
+              </a:ext>
+            </a:extLst>
+          </p:cNvPr>
+          <p:cNvPicPr>
+            <a:picLocks noChangeAspect="1"/>
+          </p:cNvPicPr>
+          <p:nvPr/>
+        </p:nvPicPr>
+        <p:blipFill>
+          <a:blip r:embed="rId25">
+            <a:extLst>
+              <a:ext uri="{28A0092B-C50C-407E-A947-70E740481C1C}">
+                <a14:useLocalDpi xmlns:a14="http://schemas.microsoft.com/office/drawing/2010/main" val="0"/>
+              </a:ext>
+            </a:extLst>
+          </a:blip>
+          <a:stretch>
+            <a:fillRect/>
+          </a:stretch>
+        </p:blipFill>
+        <p:spPr>
+          <a:xfrm>
+            <a:off x="9479243" y="5779486"/>
+            <a:ext cx="423595" cy="423595"/>
+          </a:xfrm>
+          <a:prstGeom prst="rect">
+            <a:avLst/>
+          </a:prstGeom>
+        </p:spPr>
+      </p:pic>
+      <p:pic>
+        <p:nvPicPr>
+          <p:cNvPr id="29" name="Grafik 28">
+            <a:extLst>
+              <a:ext uri="{FF2B5EF4-FFF2-40B4-BE49-F238E27FC236}">
+                <a16:creationId xmlns:a16="http://schemas.microsoft.com/office/drawing/2014/main" id="{669375AD-DB80-475A-847B-F268B0DEFAC8}"/>
+              </a:ext>
+            </a:extLst>
+          </p:cNvPr>
+          <p:cNvPicPr>
+            <a:picLocks noChangeAspect="1"/>
+          </p:cNvPicPr>
+          <p:nvPr/>
+        </p:nvPicPr>
+        <p:blipFill>
+          <a:blip r:embed="rId10">
+            <a:extLst>
+              <a:ext uri="{28A0092B-C50C-407E-A947-70E740481C1C}">
+                <a14:useLocalDpi xmlns:a14="http://schemas.microsoft.com/office/drawing/2010/main" val="0"/>
+              </a:ext>
+            </a:extLst>
+          </a:blip>
+          <a:stretch>
+            <a:fillRect/>
+          </a:stretch>
+        </p:blipFill>
+        <p:spPr>
+          <a:xfrm>
+            <a:off x="9369144" y="5024169"/>
+            <a:ext cx="604242" cy="604242"/>
+          </a:xfrm>
+          <a:prstGeom prst="rect">
+            <a:avLst/>
+          </a:prstGeom>
+        </p:spPr>
+      </p:pic>
+      <p:pic>
+        <p:nvPicPr>
+          <p:cNvPr id="30" name="Grafik 29" descr="Ein Bild, das Vektorgrafiken enthält.&#10;&#10;Automatisch generierte Beschreibung">
+            <a:extLst>
+              <a:ext uri="{FF2B5EF4-FFF2-40B4-BE49-F238E27FC236}">
+                <a16:creationId xmlns:a16="http://schemas.microsoft.com/office/drawing/2014/main" id="{A3B142BB-3914-40A7-8367-8E456D51C80E}"/>
+              </a:ext>
+            </a:extLst>
+          </p:cNvPr>
+          <p:cNvPicPr>
+            <a:picLocks noChangeAspect="1"/>
+          </p:cNvPicPr>
+          <p:nvPr/>
+        </p:nvPicPr>
+        <p:blipFill>
+          <a:blip r:embed="rId30">
+            <a:extLst>
+              <a:ext uri="{28A0092B-C50C-407E-A947-70E740481C1C}">
+                <a14:useLocalDpi xmlns:a14="http://schemas.microsoft.com/office/drawing/2010/main" val="0"/>
+              </a:ext>
+            </a:extLst>
+          </a:blip>
+          <a:stretch>
+            <a:fillRect/>
+          </a:stretch>
+        </p:blipFill>
+        <p:spPr>
+          <a:xfrm>
+            <a:off x="3805054" y="3463720"/>
+            <a:ext cx="544025" cy="491678"/>
+          </a:xfrm>
+          <a:prstGeom prst="rect">
+            <a:avLst/>
+          </a:prstGeom>
+        </p:spPr>
+      </p:pic>
+      <p:pic>
+        <p:nvPicPr>
+          <p:cNvPr id="31" name="Grafik 30">
+            <a:extLst>
+              <a:ext uri="{FF2B5EF4-FFF2-40B4-BE49-F238E27FC236}">
+                <a16:creationId xmlns:a16="http://schemas.microsoft.com/office/drawing/2014/main" id="{2A773CC2-0899-483A-B549-4BFC93C90B09}"/>
+              </a:ext>
+            </a:extLst>
+          </p:cNvPr>
+          <p:cNvPicPr>
+            <a:picLocks noChangeAspect="1"/>
+          </p:cNvPicPr>
+          <p:nvPr/>
+        </p:nvPicPr>
+        <p:blipFill rotWithShape="1">
+          <a:blip r:embed="rId31">
+            <a:extLst>
+              <a:ext uri="{BEBA8EAE-BF5A-486C-A8C5-ECC9F3942E4B}">
+                <a14:imgProps xmlns:a14="http://schemas.microsoft.com/office/drawing/2010/main">
+                  <a14:imgLayer r:embed="rId32">
+                    <a14:imgEffect>
+                      <a14:backgroundRemoval t="27917" b="71875" l="10000" r="90000">
+                        <a14:foregroundMark x1="74375" y1="35833" x2="80000" y2="28958"/>
+                        <a14:foregroundMark x1="80000" y1="28958" x2="75417" y2="31875"/>
+                        <a14:foregroundMark x1="55625" y1="72083" x2="59792" y2="71042"/>
+                        <a14:foregroundMark x1="63750" y1="28125" x2="62292" y2="28958"/>
+                        <a14:foregroundMark x1="20417" y1="27917" x2="21667" y2="29583"/>
+                      </a14:backgroundRemoval>
+                    </a14:imgEffect>
+                  </a14:imgLayer>
+                </a14:imgProps>
+              </a:ext>
+              <a:ext uri="{28A0092B-C50C-407E-A947-70E740481C1C}">
+                <a14:useLocalDpi xmlns:a14="http://schemas.microsoft.com/office/drawing/2010/main" val="0"/>
+              </a:ext>
+            </a:extLst>
+          </a:blip>
+          <a:srcRect t="23283" b="23092"/>
+          <a:stretch/>
+        </p:blipFill>
+        <p:spPr>
+          <a:xfrm>
+            <a:off x="3553815" y="4182899"/>
+            <a:ext cx="928552" cy="497928"/>
+          </a:xfrm>
+          <a:prstGeom prst="rect">
+            <a:avLst/>
+          </a:prstGeom>
+        </p:spPr>
+      </p:pic>
+      <p:pic>
+        <p:nvPicPr>
+          <p:cNvPr id="32" name="Grafik 31" descr="Ein Bild, das Erste Hilfe-Kasten, ClipArt, Text enthält.&#10;&#10;Automatisch generierte Beschreibung">
+            <a:extLst>
+              <a:ext uri="{FF2B5EF4-FFF2-40B4-BE49-F238E27FC236}">
+                <a16:creationId xmlns:a16="http://schemas.microsoft.com/office/drawing/2014/main" id="{5E55FD0C-7715-439D-A19C-E239CA765D66}"/>
+              </a:ext>
+            </a:extLst>
+          </p:cNvPr>
+          <p:cNvPicPr>
+            <a:picLocks noChangeAspect="1"/>
+          </p:cNvPicPr>
+          <p:nvPr/>
+        </p:nvPicPr>
+        <p:blipFill>
+          <a:blip r:embed="rId33">
+            <a:extLst>
+              <a:ext uri="{BEBA8EAE-BF5A-486C-A8C5-ECC9F3942E4B}">
+                <a14:imgProps xmlns:a14="http://schemas.microsoft.com/office/drawing/2010/main">
+                  <a14:imgLayer r:embed="rId34">
+                    <a14:imgEffect>
+                      <a14:backgroundRemoval t="4509" b="96303" l="6200" r="96350">
+                        <a14:foregroundMark x1="6200" y1="46258" x2="19300" y2="48963"/>
+                        <a14:foregroundMark x1="19300" y1="48963" x2="25800" y2="59152"/>
+                        <a14:foregroundMark x1="25800" y1="59152" x2="25800" y2="76465"/>
+                        <a14:foregroundMark x1="25800" y1="76465" x2="19750" y2="89360"/>
+                        <a14:foregroundMark x1="19750" y1="89360" x2="11050" y2="89450"/>
+                        <a14:foregroundMark x1="11050" y1="89450" x2="7150" y2="74482"/>
+                        <a14:foregroundMark x1="7150" y1="74482" x2="6200" y2="60505"/>
+                        <a14:foregroundMark x1="10500" y1="53201" x2="22450" y2="53201"/>
+                        <a14:foregroundMark x1="16250" y1="96303" x2="18150" y2="96303"/>
+                        <a14:foregroundMark x1="69800" y1="41118" x2="91750" y2="45446"/>
+                        <a14:foregroundMark x1="91750" y1="45446" x2="93300" y2="64833"/>
+                        <a14:foregroundMark x1="93300" y1="64833" x2="91800" y2="80794"/>
+                        <a14:foregroundMark x1="91800" y1="80794" x2="86400" y2="93959"/>
+                        <a14:foregroundMark x1="86400" y1="93959" x2="78400" y2="90712"/>
+                        <a14:foregroundMark x1="78400" y1="90712" x2="73650" y2="78179"/>
+                        <a14:foregroundMark x1="73650" y1="78179" x2="72200" y2="67899"/>
+                        <a14:foregroundMark x1="95900" y1="41569" x2="93750" y2="85933"/>
+                        <a14:foregroundMark x1="81050" y1="84220" x2="90700" y2="51578"/>
+                        <a14:foregroundMark x1="90700" y1="51578" x2="84800" y2="62218"/>
+                        <a14:foregroundMark x1="84800" y1="62218" x2="84150" y2="57980"/>
+                        <a14:foregroundMark x1="10050" y1="57529" x2="12550" y2="76736"/>
+                        <a14:foregroundMark x1="12550" y1="76736" x2="21000" y2="69973"/>
+                        <a14:foregroundMark x1="21000" y1="69973" x2="21300" y2="69161"/>
+                        <a14:foregroundMark x1="6200" y1="25609" x2="6200" y2="29937"/>
+                        <a14:foregroundMark x1="6950" y1="28584" x2="9300" y2="28584"/>
+                        <a14:foregroundMark x1="12450" y1="26060" x2="15050" y2="26060"/>
+                        <a14:foregroundMark x1="18400" y1="27322" x2="22450" y2="26871"/>
+                        <a14:foregroundMark x1="24850" y1="31199" x2="27250" y2="31199"/>
+                        <a14:foregroundMark x1="45900" y1="9648" x2="48300" y2="4509"/>
+                        <a14:foregroundMark x1="54250" y1="10911" x2="51400" y2="5320"/>
+                        <a14:foregroundMark x1="75550" y1="25158" x2="77950" y2="25158"/>
+                        <a14:foregroundMark x1="81300" y1="24707" x2="83900" y2="31199"/>
+                        <a14:foregroundMark x1="87500" y1="26871" x2="90400" y2="31650"/>
+                        <a14:foregroundMark x1="70050" y1="42831" x2="72000" y2="89089"/>
+                        <a14:foregroundMark x1="72000" y1="89089" x2="77950" y2="92426"/>
+                        <a14:foregroundMark x1="73900" y1="64022" x2="87750" y2="55365"/>
+                        <a14:foregroundMark x1="75800" y1="51488" x2="88950" y2="56177"/>
+                        <a14:foregroundMark x1="79850" y1="74301" x2="88000" y2="80343"/>
+                        <a14:foregroundMark x1="88000" y1="80343" x2="89200" y2="73490"/>
+                        <a14:foregroundMark x1="82500" y1="41118" x2="92000" y2="40667"/>
+                        <a14:foregroundMark x1="92000" y1="40667" x2="96350" y2="40667"/>
+                        <a14:foregroundMark x1="12900" y1="77818" x2="20000" y2="65104"/>
+                        <a14:foregroundMark x1="20000" y1="65104" x2="20100" y2="84671"/>
+                        <a14:foregroundMark x1="20100" y1="84671" x2="23200" y2="69973"/>
+                        <a14:foregroundMark x1="23200" y1="69973" x2="23450" y2="65735"/>
+                      </a14:backgroundRemoval>
+                    </a14:imgEffect>
+                  </a14:imgLayer>
+                </a14:imgProps>
+              </a:ext>
+              <a:ext uri="{28A0092B-C50C-407E-A947-70E740481C1C}">
+                <a14:useLocalDpi xmlns:a14="http://schemas.microsoft.com/office/drawing/2010/main" val="0"/>
+              </a:ext>
+            </a:extLst>
+          </a:blip>
+          <a:stretch>
+            <a:fillRect/>
+          </a:stretch>
+        </p:blipFill>
+        <p:spPr>
+          <a:xfrm>
+            <a:off x="2346885" y="3501161"/>
+            <a:ext cx="751661" cy="416796"/>
+          </a:xfrm>
+          <a:prstGeom prst="rect">
+            <a:avLst/>
+          </a:prstGeom>
+        </p:spPr>
+      </p:pic>
+      <p:pic>
+        <p:nvPicPr>
+          <p:cNvPr id="33" name="Grafik 32" descr="Ein Bild, das ClipArt enthält.&#10;&#10;Automatisch generierte Beschreibung">
+            <a:extLst>
+              <a:ext uri="{FF2B5EF4-FFF2-40B4-BE49-F238E27FC236}">
+                <a16:creationId xmlns:a16="http://schemas.microsoft.com/office/drawing/2014/main" id="{9EF5ED78-0AE5-4A60-B9EE-3110BE4B6EF0}"/>
+              </a:ext>
+            </a:extLst>
+          </p:cNvPr>
+          <p:cNvPicPr>
+            <a:picLocks noChangeAspect="1"/>
+          </p:cNvPicPr>
+          <p:nvPr/>
+        </p:nvPicPr>
+        <p:blipFill>
+          <a:blip r:embed="rId35">
+            <a:extLst>
+              <a:ext uri="{BEBA8EAE-BF5A-486C-A8C5-ECC9F3942E4B}">
+                <a14:imgProps xmlns:a14="http://schemas.microsoft.com/office/drawing/2010/main">
+                  <a14:imgLayer r:embed="rId36">
+                    <a14:imgEffect>
+                      <a14:backgroundRemoval t="9524" b="89286" l="8297" r="89956">
+                        <a14:foregroundMark x1="8297" y1="25000" x2="12664" y2="70238"/>
+                        <a14:foregroundMark x1="12664" y1="70238" x2="19651" y2="20238"/>
+                        <a14:foregroundMark x1="28821" y1="19048" x2="35371" y2="26190"/>
+                        <a14:foregroundMark x1="35371" y1="26190" x2="36245" y2="75000"/>
+                        <a14:foregroundMark x1="36245" y1="75000" x2="32314" y2="85714"/>
+                        <a14:foregroundMark x1="78603" y1="23810" x2="78166" y2="67857"/>
+                        <a14:foregroundMark x1="78166" y1="67857" x2="83406" y2="79762"/>
+                        <a14:foregroundMark x1="83406" y1="79762" x2="84716" y2="79762"/>
+                        <a14:foregroundMark x1="88646" y1="57143" x2="87336" y2="54762"/>
+                        <a14:foregroundMark x1="89083" y1="21429" x2="87336" y2="20238"/>
+                      </a14:backgroundRemoval>
+                    </a14:imgEffect>
+                  </a14:imgLayer>
+                </a14:imgProps>
+              </a:ext>
+              <a:ext uri="{28A0092B-C50C-407E-A947-70E740481C1C}">
+                <a14:useLocalDpi xmlns:a14="http://schemas.microsoft.com/office/drawing/2010/main" val="0"/>
+              </a:ext>
+            </a:extLst>
+          </a:blip>
+          <a:stretch>
+            <a:fillRect/>
+          </a:stretch>
+        </p:blipFill>
+        <p:spPr>
+          <a:xfrm>
+            <a:off x="5764601" y="2755383"/>
+            <a:ext cx="655789" cy="240552"/>
+          </a:xfrm>
+          <a:prstGeom prst="rect">
+            <a:avLst/>
+          </a:prstGeom>
+        </p:spPr>
+      </p:pic>
+    </p:spTree>
+    <p:extLst>
+      <p:ext uri="{BB962C8B-B14F-4D97-AF65-F5344CB8AC3E}">
+        <p14:creationId xmlns:p14="http://schemas.microsoft.com/office/powerpoint/2010/main" val="900801907"/>
+      </p:ext>
+    </p:extLst>
+  </p:cSld>
+  <p:clrMapOvr>
+    <a:masterClrMapping/>
+  </p:clrMapOvr>
+</p:sld>
+</file>
+
 <file path=ppt/theme/theme1.xml><?xml version="1.0" encoding="utf-8"?>
 <a:theme xmlns:a="http://schemas.openxmlformats.org/drawingml/2006/main" name="Tropfen">
   <a:themeElements>
